--- a/7/7.pptx
+++ b/7/7.pptx
@@ -15,12 +15,13 @@
     <p:sldId id="266" r:id="rId9"/>
     <p:sldId id="265" r:id="rId10"/>
     <p:sldId id="264" r:id="rId11"/>
-    <p:sldId id="267" r:id="rId12"/>
-    <p:sldId id="268" r:id="rId13"/>
-    <p:sldId id="269" r:id="rId14"/>
-    <p:sldId id="272" r:id="rId15"/>
-    <p:sldId id="270" r:id="rId16"/>
-    <p:sldId id="271" r:id="rId17"/>
+    <p:sldId id="310" r:id="rId12"/>
+    <p:sldId id="267" r:id="rId13"/>
+    <p:sldId id="268" r:id="rId14"/>
+    <p:sldId id="269" r:id="rId15"/>
+    <p:sldId id="272" r:id="rId16"/>
+    <p:sldId id="270" r:id="rId17"/>
+    <p:sldId id="271" r:id="rId18"/>
   </p:sldIdLst>
   <p:sldSz cx="12192000" cy="6858000"/>
   <p:notesSz cx="6858000" cy="9144000"/>
@@ -643,7 +644,7 @@
           <a:p>
             <a:fld id="{530820CF-B880-4189-942D-D702A7CBA730}" type="datetimeFigureOut">
               <a:rPr lang="zh-CN" altLang="en-US" smtClean="0"/>
-              <a:t>2021/7/11</a:t>
+              <a:t>2021/7/13</a:t>
             </a:fld>
             <a:endParaRPr lang="zh-CN" altLang="en-US"/>
           </a:p>
@@ -1042,7 +1043,7 @@
           <a:p>
             <a:fld id="{530820CF-B880-4189-942D-D702A7CBA730}" type="datetimeFigureOut">
               <a:rPr lang="zh-CN" altLang="en-US" smtClean="0"/>
-              <a:t>2021/7/11</a:t>
+              <a:t>2021/7/13</a:t>
             </a:fld>
             <a:endParaRPr lang="zh-CN" altLang="en-US"/>
           </a:p>
@@ -1302,7 +1303,7 @@
           <a:p>
             <a:fld id="{530820CF-B880-4189-942D-D702A7CBA730}" type="datetimeFigureOut">
               <a:rPr lang="zh-CN" altLang="en-US" smtClean="0"/>
-              <a:t>2021/7/11</a:t>
+              <a:t>2021/7/13</a:t>
             </a:fld>
             <a:endParaRPr lang="zh-CN" altLang="en-US"/>
           </a:p>
@@ -1854,7 +1855,7 @@
           <a:p>
             <a:fld id="{530820CF-B880-4189-942D-D702A7CBA730}" type="datetimeFigureOut">
               <a:rPr lang="zh-CN" altLang="en-US" smtClean="0"/>
-              <a:t>2021/7/11</a:t>
+              <a:t>2021/7/13</a:t>
             </a:fld>
             <a:endParaRPr lang="zh-CN" altLang="en-US"/>
           </a:p>
@@ -2114,7 +2115,7 @@
           <a:p>
             <a:fld id="{530820CF-B880-4189-942D-D702A7CBA730}" type="datetimeFigureOut">
               <a:rPr lang="zh-CN" altLang="en-US" smtClean="0"/>
-              <a:t>2021/7/11</a:t>
+              <a:t>2021/7/13</a:t>
             </a:fld>
             <a:endParaRPr lang="zh-CN" altLang="en-US"/>
           </a:p>
@@ -2658,7 +2659,7 @@
           <a:p>
             <a:fld id="{530820CF-B880-4189-942D-D702A7CBA730}" type="datetimeFigureOut">
               <a:rPr lang="zh-CN" altLang="en-US" smtClean="0"/>
-              <a:t>2021/7/11</a:t>
+              <a:t>2021/7/13</a:t>
             </a:fld>
             <a:endParaRPr lang="zh-CN" altLang="en-US"/>
           </a:p>
@@ -2967,7 +2968,7 @@
           <a:p>
             <a:fld id="{530820CF-B880-4189-942D-D702A7CBA730}" type="datetimeFigureOut">
               <a:rPr lang="zh-CN" altLang="en-US" smtClean="0"/>
-              <a:t>2021/7/11</a:t>
+              <a:t>2021/7/13</a:t>
             </a:fld>
             <a:endParaRPr lang="zh-CN" altLang="en-US"/>
           </a:p>
@@ -3153,7 +3154,7 @@
           <a:p>
             <a:fld id="{530820CF-B880-4189-942D-D702A7CBA730}" type="datetimeFigureOut">
               <a:rPr lang="zh-CN" altLang="en-US" smtClean="0"/>
-              <a:t>2021/7/11</a:t>
+              <a:t>2021/7/13</a:t>
             </a:fld>
             <a:endParaRPr lang="zh-CN" altLang="en-US"/>
           </a:p>
@@ -3345,7 +3346,7 @@
           <a:p>
             <a:fld id="{530820CF-B880-4189-942D-D702A7CBA730}" type="datetimeFigureOut">
               <a:rPr lang="zh-CN" altLang="en-US" smtClean="0"/>
-              <a:t>2021/7/11</a:t>
+              <a:t>2021/7/13</a:t>
             </a:fld>
             <a:endParaRPr lang="zh-CN" altLang="en-US"/>
           </a:p>
@@ -3542,7 +3543,7 @@
           <a:p>
             <a:fld id="{530820CF-B880-4189-942D-D702A7CBA730}" type="datetimeFigureOut">
               <a:rPr lang="zh-CN" altLang="en-US" smtClean="0"/>
-              <a:t>2021/7/11</a:t>
+              <a:t>2021/7/13</a:t>
             </a:fld>
             <a:endParaRPr lang="zh-CN" altLang="en-US"/>
           </a:p>
@@ -3810,7 +3811,7 @@
           <a:p>
             <a:fld id="{530820CF-B880-4189-942D-D702A7CBA730}" type="datetimeFigureOut">
               <a:rPr lang="zh-CN" altLang="en-US" smtClean="0"/>
-              <a:t>2021/7/11</a:t>
+              <a:t>2021/7/13</a:t>
             </a:fld>
             <a:endParaRPr lang="zh-CN" altLang="en-US"/>
           </a:p>
@@ -4124,7 +4125,7 @@
           <a:p>
             <a:fld id="{530820CF-B880-4189-942D-D702A7CBA730}" type="datetimeFigureOut">
               <a:rPr lang="zh-CN" altLang="en-US" smtClean="0"/>
-              <a:t>2021/7/11</a:t>
+              <a:t>2021/7/13</a:t>
             </a:fld>
             <a:endParaRPr lang="zh-CN" altLang="en-US"/>
           </a:p>
@@ -4578,7 +4579,7 @@
           <a:p>
             <a:fld id="{530820CF-B880-4189-942D-D702A7CBA730}" type="datetimeFigureOut">
               <a:rPr lang="zh-CN" altLang="en-US" smtClean="0"/>
-              <a:t>2021/7/11</a:t>
+              <a:t>2021/7/13</a:t>
             </a:fld>
             <a:endParaRPr lang="zh-CN" altLang="en-US"/>
           </a:p>
@@ -4708,7 +4709,7 @@
           <a:p>
             <a:fld id="{530820CF-B880-4189-942D-D702A7CBA730}" type="datetimeFigureOut">
               <a:rPr lang="zh-CN" altLang="en-US" smtClean="0"/>
-              <a:t>2021/7/11</a:t>
+              <a:t>2021/7/13</a:t>
             </a:fld>
             <a:endParaRPr lang="zh-CN" altLang="en-US"/>
           </a:p>
@@ -4815,7 +4816,7 @@
           <a:p>
             <a:fld id="{530820CF-B880-4189-942D-D702A7CBA730}" type="datetimeFigureOut">
               <a:rPr lang="zh-CN" altLang="en-US" smtClean="0"/>
-              <a:t>2021/7/11</a:t>
+              <a:t>2021/7/13</a:t>
             </a:fld>
             <a:endParaRPr lang="zh-CN" altLang="en-US"/>
           </a:p>
@@ -5110,7 +5111,7 @@
           <a:p>
             <a:fld id="{530820CF-B880-4189-942D-D702A7CBA730}" type="datetimeFigureOut">
               <a:rPr lang="zh-CN" altLang="en-US" smtClean="0"/>
-              <a:t>2021/7/11</a:t>
+              <a:t>2021/7/13</a:t>
             </a:fld>
             <a:endParaRPr lang="zh-CN" altLang="en-US"/>
           </a:p>
@@ -5413,7 +5414,7 @@
           <a:p>
             <a:fld id="{530820CF-B880-4189-942D-D702A7CBA730}" type="datetimeFigureOut">
               <a:rPr lang="zh-CN" altLang="en-US" smtClean="0"/>
-              <a:t>2021/7/11</a:t>
+              <a:t>2021/7/13</a:t>
             </a:fld>
             <a:endParaRPr lang="zh-CN" altLang="en-US"/>
           </a:p>
@@ -5949,7 +5950,7 @@
           <a:p>
             <a:fld id="{530820CF-B880-4189-942D-D702A7CBA730}" type="datetimeFigureOut">
               <a:rPr lang="zh-CN" altLang="en-US" smtClean="0"/>
-              <a:t>2021/7/11</a:t>
+              <a:t>2021/7/13</a:t>
             </a:fld>
             <a:endParaRPr lang="zh-CN" altLang="en-US"/>
           </a:p>
@@ -6728,85 +6729,40 @@
           <a:chExt cx="0" cy="0"/>
         </a:xfrm>
       </p:grpSpPr>
-      <p:sp>
-        <p:nvSpPr>
-          <p:cNvPr id="2" name="标题 1">
+      <p:pic>
+        <p:nvPicPr>
+          <p:cNvPr id="4" name="图片 3">
             <a:extLst>
               <a:ext uri="{FF2B5EF4-FFF2-40B4-BE49-F238E27FC236}">
-                <a16:creationId xmlns:a16="http://schemas.microsoft.com/office/drawing/2014/main" id="{B0AA396A-1020-45DF-A8F4-1BC6D55D72DA}"/>
+                <a16:creationId xmlns:a16="http://schemas.microsoft.com/office/drawing/2014/main" id="{6D0361DD-9AAC-458D-8B97-0F4EF64B3957}"/>
               </a:ext>
             </a:extLst>
           </p:cNvPr>
-          <p:cNvSpPr>
-            <a:spLocks noGrp="1"/>
-          </p:cNvSpPr>
-          <p:nvPr>
-            <p:ph type="title"/>
-          </p:nvPr>
-        </p:nvSpPr>
-        <p:spPr/>
-        <p:txBody>
-          <a:bodyPr/>
-          <a:lstStyle/>
-          <a:p>
-            <a:pPr algn="ctr"/>
-            <a:r>
-              <a:rPr lang="en-US" altLang="zh-CN" dirty="0"/>
-              <a:t>YL-69</a:t>
-            </a:r>
-            <a:r>
-              <a:rPr lang="zh-CN" altLang="en-US" dirty="0"/>
-              <a:t>土壤湿度传感器</a:t>
-            </a:r>
-          </a:p>
-        </p:txBody>
-      </p:sp>
-      <p:sp>
-        <p:nvSpPr>
-          <p:cNvPr id="3" name="内容占位符 2">
-            <a:extLst>
-              <a:ext uri="{FF2B5EF4-FFF2-40B4-BE49-F238E27FC236}">
-                <a16:creationId xmlns:a16="http://schemas.microsoft.com/office/drawing/2014/main" id="{2C81F5B5-E6E7-42BE-8A96-8381DC4E0960}"/>
-              </a:ext>
-            </a:extLst>
-          </p:cNvPr>
-          <p:cNvSpPr>
-            <a:spLocks noGrp="1"/>
-          </p:cNvSpPr>
-          <p:nvPr>
-            <p:ph idx="1"/>
-          </p:nvPr>
-        </p:nvSpPr>
-        <p:spPr/>
-        <p:txBody>
-          <a:bodyPr/>
-          <a:lstStyle/>
-          <a:p>
-            <a:r>
-              <a:rPr lang="zh-CN" altLang="en-US" dirty="0"/>
-              <a:t>土壤湿度传感器又名土壤水分传感器，土壤含水量传感器。</a:t>
-            </a:r>
-            <a:endParaRPr lang="en-US" altLang="zh-CN" dirty="0"/>
-          </a:p>
-          <a:p>
-            <a:r>
-              <a:rPr lang="zh-CN" altLang="en-US" dirty="0"/>
-              <a:t>土壤水分传感器由不锈钢探针和防水探头构成，可长期埋设于土壤和堤坝内使用，对表层和深层土壤进行墒情的定点监测和在线测量。</a:t>
-            </a:r>
-            <a:endParaRPr lang="en-US" altLang="zh-CN" dirty="0"/>
-          </a:p>
-          <a:p>
-            <a:r>
-              <a:rPr lang="zh-CN" altLang="en-US" dirty="0"/>
-              <a:t>与数据采集器配合使用，可作为水分定点监测或移动测量的工具测量土壤容积含水量，主要用于土壤墒情检测以及农业灌溉和林业防护。</a:t>
-            </a:r>
-          </a:p>
-        </p:txBody>
-      </p:sp>
+          <p:cNvPicPr>
+            <a:picLocks noChangeAspect="1"/>
+          </p:cNvPicPr>
+          <p:nvPr/>
+        </p:nvPicPr>
+        <p:blipFill>
+          <a:blip r:embed="rId2"/>
+          <a:stretch>
+            <a:fillRect/>
+          </a:stretch>
+        </p:blipFill>
+        <p:spPr>
+          <a:xfrm>
+            <a:off x="2157412" y="581025"/>
+            <a:ext cx="7877175" cy="5695950"/>
+          </a:xfrm>
+          <a:prstGeom prst="rect">
+            <a:avLst/>
+          </a:prstGeom>
+        </p:spPr>
+      </p:pic>
     </p:spTree>
     <p:extLst>
       <p:ext uri="{BB962C8B-B14F-4D97-AF65-F5344CB8AC3E}">
-        <p14:creationId xmlns:p14="http://schemas.microsoft.com/office/powerpoint/2010/main" val="499567068"/>
+        <p14:creationId xmlns:p14="http://schemas.microsoft.com/office/powerpoint/2010/main" val="3914767746"/>
       </p:ext>
     </p:extLst>
   </p:cSld>
@@ -6847,10 +6803,43 @@
       </p:grpSpPr>
       <p:sp>
         <p:nvSpPr>
+          <p:cNvPr id="2" name="标题 1">
+            <a:extLst>
+              <a:ext uri="{FF2B5EF4-FFF2-40B4-BE49-F238E27FC236}">
+                <a16:creationId xmlns:a16="http://schemas.microsoft.com/office/drawing/2014/main" id="{B0AA396A-1020-45DF-A8F4-1BC6D55D72DA}"/>
+              </a:ext>
+            </a:extLst>
+          </p:cNvPr>
+          <p:cNvSpPr>
+            <a:spLocks noGrp="1"/>
+          </p:cNvSpPr>
+          <p:nvPr>
+            <p:ph type="title"/>
+          </p:nvPr>
+        </p:nvSpPr>
+        <p:spPr/>
+        <p:txBody>
+          <a:bodyPr/>
+          <a:lstStyle/>
+          <a:p>
+            <a:pPr algn="ctr"/>
+            <a:r>
+              <a:rPr lang="en-US" altLang="zh-CN" dirty="0"/>
+              <a:t>YL-69</a:t>
+            </a:r>
+            <a:r>
+              <a:rPr lang="zh-CN" altLang="en-US" dirty="0"/>
+              <a:t>土壤湿度传感器</a:t>
+            </a:r>
+          </a:p>
+        </p:txBody>
+      </p:sp>
+      <p:sp>
+        <p:nvSpPr>
           <p:cNvPr id="3" name="内容占位符 2">
             <a:extLst>
               <a:ext uri="{FF2B5EF4-FFF2-40B4-BE49-F238E27FC236}">
-                <a16:creationId xmlns:a16="http://schemas.microsoft.com/office/drawing/2014/main" id="{0AAADFB9-9448-46F1-865F-5C7A4ADDE545}"/>
+                <a16:creationId xmlns:a16="http://schemas.microsoft.com/office/drawing/2014/main" id="{2C81F5B5-E6E7-42BE-8A96-8381DC4E0960}"/>
               </a:ext>
             </a:extLst>
           </p:cNvPr>
@@ -6858,168 +6847,39 @@
             <a:spLocks noGrp="1"/>
           </p:cNvSpPr>
           <p:nvPr>
-            <p:ph idx="4294967295"/>
-          </p:nvPr>
-        </p:nvSpPr>
-        <p:spPr>
-          <a:xfrm>
-            <a:off x="1170432" y="1253330"/>
-            <a:ext cx="10183368" cy="4623213"/>
-          </a:xfrm>
-        </p:spPr>
-        <p:txBody>
-          <a:bodyPr>
-            <a:normAutofit/>
-          </a:bodyPr>
+            <p:ph idx="1"/>
+          </p:nvPr>
+        </p:nvSpPr>
+        <p:spPr/>
+        <p:txBody>
+          <a:bodyPr/>
           <a:lstStyle/>
           <a:p>
             <a:r>
-              <a:rPr lang="zh-CN" altLang="en-US" sz="2000" dirty="0"/>
-              <a:t>电源：</a:t>
-            </a:r>
-            <a:r>
-              <a:rPr lang="en-US" altLang="zh-CN" sz="2000" dirty="0"/>
-              <a:t>3.3V~5V</a:t>
-            </a:r>
-          </a:p>
-          <a:p>
-            <a:r>
-              <a:rPr lang="zh-CN" altLang="en-US" sz="2000" dirty="0"/>
-              <a:t>获取湿度信息的方式（</a:t>
-            </a:r>
-            <a:r>
-              <a:rPr lang="en-US" altLang="zh-CN" sz="2000" dirty="0"/>
-              <a:t>2</a:t>
-            </a:r>
-            <a:r>
-              <a:rPr lang="zh-CN" altLang="en-US" sz="2000" dirty="0"/>
-              <a:t>种可同时使用）：</a:t>
-            </a:r>
-          </a:p>
-          <a:p>
-            <a:pPr lvl="1"/>
-            <a:r>
-              <a:rPr lang="zh-CN" altLang="en-US" sz="2000" dirty="0"/>
-              <a:t>从传感器的</a:t>
-            </a:r>
-            <a:r>
-              <a:rPr lang="en-US" altLang="zh-CN" sz="2000" dirty="0"/>
-              <a:t>D0</a:t>
-            </a:r>
-            <a:r>
-              <a:rPr lang="zh-CN" altLang="en-US" sz="2000" dirty="0"/>
-              <a:t>引脚：土壤湿度大于某个阈值，则</a:t>
-            </a:r>
-            <a:r>
-              <a:rPr lang="en-US" altLang="zh-CN" sz="2000" dirty="0"/>
-              <a:t>D0</a:t>
-            </a:r>
-            <a:r>
-              <a:rPr lang="zh-CN" altLang="en-US" sz="2000" dirty="0"/>
-              <a:t>输出</a:t>
-            </a:r>
-            <a:r>
-              <a:rPr lang="en-US" altLang="zh-CN" sz="2000" dirty="0"/>
-              <a:t>0</a:t>
-            </a:r>
-            <a:r>
-              <a:rPr lang="zh-CN" altLang="en-US" sz="2000" dirty="0"/>
-              <a:t>，否则输出</a:t>
-            </a:r>
-            <a:r>
-              <a:rPr lang="en-US" altLang="zh-CN" sz="2000" dirty="0"/>
-              <a:t>1</a:t>
-            </a:r>
-            <a:r>
-              <a:rPr lang="zh-CN" altLang="en-US" sz="2000" dirty="0"/>
-              <a:t>。（多用于湿度阀值控制开关）。</a:t>
-            </a:r>
-          </a:p>
-          <a:p>
-            <a:pPr lvl="1"/>
-            <a:r>
-              <a:rPr lang="zh-CN" altLang="en-US" sz="2000" dirty="0"/>
-              <a:t>从传感器的</a:t>
-            </a:r>
-            <a:r>
-              <a:rPr lang="en-US" altLang="zh-CN" sz="2000" dirty="0"/>
-              <a:t>A0</a:t>
-            </a:r>
-            <a:r>
-              <a:rPr lang="zh-CN" altLang="en-US" sz="2000" dirty="0"/>
-              <a:t>引脚：获取到模拟量，更加精确。土壤湿度越大，获取的模拟量值越大。（多用于显示实时湿度值）。</a:t>
-            </a:r>
-            <a:endParaRPr lang="en-US" altLang="zh-CN" sz="2000" dirty="0"/>
-          </a:p>
-          <a:p>
-            <a:pPr lvl="1"/>
-            <a:r>
-              <a:rPr lang="zh-CN" altLang="en-US" sz="2000" dirty="0"/>
-              <a:t>传感器板上的</a:t>
-            </a:r>
-            <a:r>
-              <a:rPr lang="en-US" altLang="zh-CN" sz="2000" dirty="0"/>
-              <a:t>VCC</a:t>
-            </a:r>
-            <a:r>
-              <a:rPr lang="zh-CN" altLang="en-US" sz="2000" dirty="0"/>
-              <a:t>接电源，</a:t>
-            </a:r>
-            <a:r>
-              <a:rPr lang="en-US" altLang="zh-CN" sz="2000" dirty="0"/>
-              <a:t>GND</a:t>
-            </a:r>
-            <a:r>
-              <a:rPr lang="zh-CN" altLang="en-US" sz="2000" dirty="0"/>
-              <a:t>接地，</a:t>
-            </a:r>
-            <a:r>
-              <a:rPr lang="en-US" altLang="zh-CN" sz="2000" dirty="0"/>
-              <a:t>A0</a:t>
-            </a:r>
-            <a:r>
-              <a:rPr lang="zh-CN" altLang="en-US" sz="2000" dirty="0"/>
-              <a:t>接单片机模拟输入，</a:t>
-            </a:r>
-            <a:r>
-              <a:rPr lang="en-US" altLang="zh-CN" sz="2000" dirty="0"/>
-              <a:t>D0</a:t>
-            </a:r>
-            <a:r>
-              <a:rPr lang="zh-CN" altLang="en-US" sz="2000" dirty="0"/>
-              <a:t>接数据输入。</a:t>
-            </a:r>
-            <a:endParaRPr lang="en-US" altLang="zh-CN" sz="2000" dirty="0"/>
-          </a:p>
-          <a:p>
-            <a:r>
-              <a:rPr lang="zh-CN" altLang="en-US" sz="2000" dirty="0"/>
-              <a:t>可通过电位器调节土壤湿度的阀值，顺时针调节，控制的湿度会越大，逆时针越小；湿度低于设定值时，</a:t>
-            </a:r>
-            <a:r>
-              <a:rPr lang="en-US" altLang="zh-CN" sz="2000" dirty="0"/>
-              <a:t>DO</a:t>
-            </a:r>
-            <a:r>
-              <a:rPr lang="zh-CN" altLang="en-US" sz="2000" dirty="0"/>
-              <a:t>输出高电平，模块提示灯亮；湿度高于设定值时，</a:t>
-            </a:r>
-            <a:r>
-              <a:rPr lang="en-US" altLang="zh-CN" sz="2000" dirty="0"/>
-              <a:t>DO</a:t>
-            </a:r>
-            <a:r>
-              <a:rPr lang="zh-CN" altLang="en-US" sz="2000" dirty="0"/>
-              <a:t>输出低电平，模块提示灯灭。</a:t>
-            </a:r>
-            <a:endParaRPr lang="en-US" altLang="zh-CN" sz="2000" dirty="0"/>
+              <a:rPr lang="zh-CN" altLang="en-US" dirty="0"/>
+              <a:t>土壤湿度传感器又名土壤水分传感器，土壤含水量传感器。</a:t>
+            </a:r>
+            <a:endParaRPr lang="en-US" altLang="zh-CN" dirty="0"/>
+          </a:p>
+          <a:p>
+            <a:r>
+              <a:rPr lang="zh-CN" altLang="en-US" dirty="0"/>
+              <a:t>土壤水分传感器由不锈钢探针和防水探头构成，可长期埋设于土壤和堤坝内使用，对表层和深层土壤进行墒情的定点监测和在线测量。</a:t>
+            </a:r>
+            <a:endParaRPr lang="en-US" altLang="zh-CN" dirty="0"/>
+          </a:p>
+          <a:p>
+            <a:r>
+              <a:rPr lang="zh-CN" altLang="en-US" dirty="0"/>
+              <a:t>与数据采集器配合使用，可作为水分定点监测或移动测量的工具测量土壤容积含水量，主要用于土壤墒情检测以及农业灌溉和林业防护。</a:t>
+            </a:r>
           </a:p>
         </p:txBody>
       </p:sp>
     </p:spTree>
     <p:extLst>
       <p:ext uri="{BB962C8B-B14F-4D97-AF65-F5344CB8AC3E}">
-        <p14:creationId xmlns:p14="http://schemas.microsoft.com/office/powerpoint/2010/main" val="205031659"/>
+        <p14:creationId xmlns:p14="http://schemas.microsoft.com/office/powerpoint/2010/main" val="499567068"/>
       </p:ext>
     </p:extLst>
   </p:cSld>
@@ -7060,10 +6920,10 @@
       </p:grpSpPr>
       <p:sp>
         <p:nvSpPr>
-          <p:cNvPr id="2" name="标题 1">
+          <p:cNvPr id="3" name="内容占位符 2">
             <a:extLst>
               <a:ext uri="{FF2B5EF4-FFF2-40B4-BE49-F238E27FC236}">
-                <a16:creationId xmlns:a16="http://schemas.microsoft.com/office/drawing/2014/main" id="{0635E8CD-9A52-40FB-AD7D-4B8BFCF15495}"/>
+                <a16:creationId xmlns:a16="http://schemas.microsoft.com/office/drawing/2014/main" id="{0AAADFB9-9448-46F1-865F-5C7A4ADDE545}"/>
               </a:ext>
             </a:extLst>
           </p:cNvPr>
@@ -7071,10 +6931,15 @@
             <a:spLocks noGrp="1"/>
           </p:cNvSpPr>
           <p:nvPr>
-            <p:ph type="title"/>
-          </p:nvPr>
-        </p:nvSpPr>
-        <p:spPr/>
+            <p:ph idx="4294967295"/>
+          </p:nvPr>
+        </p:nvSpPr>
+        <p:spPr>
+          <a:xfrm>
+            <a:off x="1170432" y="1253330"/>
+            <a:ext cx="10183368" cy="4623213"/>
+          </a:xfrm>
+        </p:spPr>
         <p:txBody>
           <a:bodyPr>
             <a:normAutofit/>
@@ -7082,48 +6947,152 @@
           <a:lstStyle/>
           <a:p>
             <a:r>
-              <a:rPr lang="zh-CN" altLang="en-US" sz="2800" dirty="0"/>
-              <a:t>土壤湿度传感器</a:t>
-            </a:r>
-          </a:p>
-        </p:txBody>
-      </p:sp>
-      <p:pic>
-        <p:nvPicPr>
-          <p:cNvPr id="7" name="内容占位符 6">
-            <a:extLst>
-              <a:ext uri="{FF2B5EF4-FFF2-40B4-BE49-F238E27FC236}">
-                <a16:creationId xmlns:a16="http://schemas.microsoft.com/office/drawing/2014/main" id="{80BA7F0C-1C75-4D6B-B74A-0A1B9BD6208C}"/>
-              </a:ext>
-            </a:extLst>
-          </p:cNvPr>
-          <p:cNvPicPr>
-            <a:picLocks noGrp="1" noChangeAspect="1"/>
-          </p:cNvPicPr>
-          <p:nvPr>
-            <p:ph idx="1"/>
-          </p:nvPr>
-        </p:nvPicPr>
-        <p:blipFill>
-          <a:blip r:embed="rId2"/>
-          <a:stretch>
-            <a:fillRect/>
-          </a:stretch>
-        </p:blipFill>
-        <p:spPr>
-          <a:xfrm>
-            <a:off x="3559969" y="2918619"/>
-            <a:ext cx="5772150" cy="2828925"/>
-          </a:xfrm>
-          <a:prstGeom prst="rect">
-            <a:avLst/>
-          </a:prstGeom>
-        </p:spPr>
-      </p:pic>
+              <a:rPr lang="zh-CN" altLang="en-US" sz="2000" dirty="0"/>
+              <a:t>电源：</a:t>
+            </a:r>
+            <a:r>
+              <a:rPr lang="en-US" altLang="zh-CN" sz="2000" dirty="0"/>
+              <a:t>3.3V~5V</a:t>
+            </a:r>
+          </a:p>
+          <a:p>
+            <a:r>
+              <a:rPr lang="zh-CN" altLang="en-US" sz="2000" dirty="0"/>
+              <a:t>获取湿度信息的方式（</a:t>
+            </a:r>
+            <a:r>
+              <a:rPr lang="en-US" altLang="zh-CN" sz="2000" dirty="0"/>
+              <a:t>2</a:t>
+            </a:r>
+            <a:r>
+              <a:rPr lang="zh-CN" altLang="en-US" sz="2000" dirty="0"/>
+              <a:t>种可同时使用）：</a:t>
+            </a:r>
+          </a:p>
+          <a:p>
+            <a:pPr lvl="1"/>
+            <a:r>
+              <a:rPr lang="zh-CN" altLang="en-US" sz="2000" dirty="0"/>
+              <a:t>从传感器的</a:t>
+            </a:r>
+            <a:r>
+              <a:rPr lang="en-US" altLang="zh-CN" sz="2000" dirty="0"/>
+              <a:t>D0</a:t>
+            </a:r>
+            <a:r>
+              <a:rPr lang="zh-CN" altLang="en-US" sz="2000" dirty="0"/>
+              <a:t>引脚：土壤湿度大于某个阈值，则</a:t>
+            </a:r>
+            <a:r>
+              <a:rPr lang="en-US" altLang="zh-CN" sz="2000" dirty="0"/>
+              <a:t>D0</a:t>
+            </a:r>
+            <a:r>
+              <a:rPr lang="zh-CN" altLang="en-US" sz="2000" dirty="0"/>
+              <a:t>输出</a:t>
+            </a:r>
+            <a:r>
+              <a:rPr lang="en-US" altLang="zh-CN" sz="2000" dirty="0"/>
+              <a:t>0</a:t>
+            </a:r>
+            <a:r>
+              <a:rPr lang="zh-CN" altLang="en-US" sz="2000" dirty="0"/>
+              <a:t>，否则输出</a:t>
+            </a:r>
+            <a:r>
+              <a:rPr lang="en-US" altLang="zh-CN" sz="2000" dirty="0"/>
+              <a:t>1</a:t>
+            </a:r>
+            <a:r>
+              <a:rPr lang="zh-CN" altLang="en-US" sz="2000" dirty="0"/>
+              <a:t>。（多用于湿度阀值控制开关）。</a:t>
+            </a:r>
+          </a:p>
+          <a:p>
+            <a:pPr lvl="1"/>
+            <a:r>
+              <a:rPr lang="zh-CN" altLang="en-US" sz="2000" dirty="0"/>
+              <a:t>从传感器的</a:t>
+            </a:r>
+            <a:r>
+              <a:rPr lang="en-US" altLang="zh-CN" sz="2000" dirty="0"/>
+              <a:t>A0</a:t>
+            </a:r>
+            <a:r>
+              <a:rPr lang="zh-CN" altLang="en-US" sz="2000" dirty="0"/>
+              <a:t>引脚：获取到模拟量，更加精确。土壤湿度越大，获取的模拟量值越大。（多用于显示实时湿度值）。</a:t>
+            </a:r>
+            <a:endParaRPr lang="en-US" altLang="zh-CN" sz="2000" dirty="0"/>
+          </a:p>
+          <a:p>
+            <a:pPr lvl="1"/>
+            <a:r>
+              <a:rPr lang="zh-CN" altLang="en-US" sz="2000" dirty="0"/>
+              <a:t>传感器板上的</a:t>
+            </a:r>
+            <a:r>
+              <a:rPr lang="en-US" altLang="zh-CN" sz="2000" dirty="0"/>
+              <a:t>VCC</a:t>
+            </a:r>
+            <a:r>
+              <a:rPr lang="zh-CN" altLang="en-US" sz="2000" dirty="0"/>
+              <a:t>接电源，</a:t>
+            </a:r>
+            <a:r>
+              <a:rPr lang="en-US" altLang="zh-CN" sz="2000" dirty="0"/>
+              <a:t>GND</a:t>
+            </a:r>
+            <a:r>
+              <a:rPr lang="zh-CN" altLang="en-US" sz="2000" dirty="0"/>
+              <a:t>接地，</a:t>
+            </a:r>
+            <a:r>
+              <a:rPr lang="en-US" altLang="zh-CN" sz="2000" dirty="0"/>
+              <a:t>A0</a:t>
+            </a:r>
+            <a:r>
+              <a:rPr lang="zh-CN" altLang="en-US" sz="2000" dirty="0"/>
+              <a:t>接单片机模拟输入，</a:t>
+            </a:r>
+            <a:r>
+              <a:rPr lang="en-US" altLang="zh-CN" sz="2000" dirty="0"/>
+              <a:t>D0</a:t>
+            </a:r>
+            <a:r>
+              <a:rPr lang="zh-CN" altLang="en-US" sz="2000" dirty="0"/>
+              <a:t>接数据输入。</a:t>
+            </a:r>
+            <a:endParaRPr lang="en-US" altLang="zh-CN" sz="2000" dirty="0"/>
+          </a:p>
+          <a:p>
+            <a:r>
+              <a:rPr lang="zh-CN" altLang="en-US" sz="2000" dirty="0"/>
+              <a:t>可通过电位器调节土壤湿度的阀值，顺时针调节，控制的湿度会越大，逆时针越小；湿度低于设定值时，</a:t>
+            </a:r>
+            <a:r>
+              <a:rPr lang="en-US" altLang="zh-CN" sz="2000" dirty="0"/>
+              <a:t>DO</a:t>
+            </a:r>
+            <a:r>
+              <a:rPr lang="zh-CN" altLang="en-US" sz="2000" dirty="0"/>
+              <a:t>输出高电平，模块提示灯亮；湿度高于设定值时，</a:t>
+            </a:r>
+            <a:r>
+              <a:rPr lang="en-US" altLang="zh-CN" sz="2000" dirty="0"/>
+              <a:t>DO</a:t>
+            </a:r>
+            <a:r>
+              <a:rPr lang="zh-CN" altLang="en-US" sz="2000" dirty="0"/>
+              <a:t>输出低电平，模块提示灯灭。</a:t>
+            </a:r>
+            <a:endParaRPr lang="en-US" altLang="zh-CN" sz="2000" dirty="0"/>
+          </a:p>
+        </p:txBody>
+      </p:sp>
     </p:spTree>
     <p:extLst>
       <p:ext uri="{BB962C8B-B14F-4D97-AF65-F5344CB8AC3E}">
-        <p14:creationId xmlns:p14="http://schemas.microsoft.com/office/powerpoint/2010/main" val="3540449383"/>
+        <p14:creationId xmlns:p14="http://schemas.microsoft.com/office/powerpoint/2010/main" val="205031659"/>
       </p:ext>
     </p:extLst>
   </p:cSld>
@@ -7164,10 +7133,10 @@
       </p:grpSpPr>
       <p:sp>
         <p:nvSpPr>
-          <p:cNvPr id="3" name="内容占位符 2">
+          <p:cNvPr id="2" name="标题 1">
             <a:extLst>
               <a:ext uri="{FF2B5EF4-FFF2-40B4-BE49-F238E27FC236}">
-                <a16:creationId xmlns:a16="http://schemas.microsoft.com/office/drawing/2014/main" id="{9122A46E-82A2-4BA0-B3FD-08489A8DEA34}"/>
+                <a16:creationId xmlns:a16="http://schemas.microsoft.com/office/drawing/2014/main" id="{0635E8CD-9A52-40FB-AD7D-4B8BFCF15495}"/>
               </a:ext>
             </a:extLst>
           </p:cNvPr>
@@ -7175,15 +7144,10 @@
             <a:spLocks noGrp="1"/>
           </p:cNvSpPr>
           <p:nvPr>
-            <p:ph idx="4294967295"/>
-          </p:nvPr>
-        </p:nvSpPr>
-        <p:spPr>
-          <a:xfrm>
-            <a:off x="838200" y="1801971"/>
-            <a:ext cx="10515600" cy="4351338"/>
-          </a:xfrm>
-        </p:spPr>
+            <p:ph type="title"/>
+          </p:nvPr>
+        </p:nvSpPr>
+        <p:spPr/>
         <p:txBody>
           <a:bodyPr>
             <a:normAutofit/>
@@ -7191,103 +7155,78 @@
           <a:lstStyle/>
           <a:p>
             <a:r>
-              <a:rPr lang="zh-CN" altLang="en-US" dirty="0"/>
-              <a:t>土壤湿度传感器悬空时</a:t>
-            </a:r>
-            <a:r>
-              <a:rPr lang="en-US" altLang="zh-CN" dirty="0"/>
-              <a:t>A0</a:t>
-            </a:r>
-            <a:r>
-              <a:rPr lang="zh-CN" altLang="en-US" dirty="0"/>
-              <a:t>引脚输出为</a:t>
-            </a:r>
-            <a:r>
-              <a:rPr lang="en-US" altLang="zh-CN" dirty="0"/>
-              <a:t>1023</a:t>
-            </a:r>
-            <a:r>
-              <a:rPr lang="zh-CN" altLang="en-US" dirty="0"/>
-              <a:t>，当将土壤湿度传感器查到花盆的某一位置后，</a:t>
-            </a:r>
-            <a:r>
-              <a:rPr lang="en-US" altLang="zh-CN" dirty="0"/>
-              <a:t>A0</a:t>
-            </a:r>
-            <a:r>
-              <a:rPr lang="zh-CN" altLang="en-US" dirty="0"/>
-              <a:t>引脚输出值快速下降到某一稳定值，然后拔出土壤湿度传感器，再将其插到花盆的其它位置，这时</a:t>
-            </a:r>
-            <a:r>
-              <a:rPr lang="en-US" altLang="zh-CN" dirty="0"/>
-              <a:t>A0</a:t>
-            </a:r>
-            <a:r>
-              <a:rPr lang="zh-CN" altLang="en-US" dirty="0"/>
-              <a:t>引脚随着不同位置的湿度不同输出不同的模拟值。</a:t>
-            </a:r>
-            <a:endParaRPr lang="en-US" altLang="zh-CN" dirty="0"/>
-          </a:p>
-          <a:p>
-            <a:r>
-              <a:rPr lang="zh-CN" altLang="en-US" dirty="0"/>
-              <a:t>采用土壤湿度传感器控制水泵对花盆进行浇水的思路就是设置某一阈值，当</a:t>
-            </a:r>
-            <a:r>
-              <a:rPr lang="en-US" altLang="zh-CN" dirty="0"/>
-              <a:t>A0</a:t>
-            </a:r>
-            <a:r>
-              <a:rPr lang="zh-CN" altLang="en-US" dirty="0"/>
-              <a:t>引脚的输出值高于该阈值时，控制水泵对花盆胶水，当</a:t>
-            </a:r>
-            <a:r>
-              <a:rPr lang="en-US" altLang="zh-CN" dirty="0"/>
-              <a:t>A0</a:t>
-            </a:r>
-            <a:r>
-              <a:rPr lang="zh-CN" altLang="en-US" dirty="0"/>
-              <a:t>引脚输出值低于阈值时，停止水泵。可以设置两个阈值，高阈值</a:t>
-            </a:r>
-            <a:r>
-              <a:rPr lang="en-US" altLang="zh-CN" dirty="0"/>
-              <a:t>A</a:t>
-            </a:r>
-            <a:r>
-              <a:rPr lang="zh-CN" altLang="en-US" dirty="0"/>
-              <a:t>和低阈值</a:t>
-            </a:r>
-            <a:r>
-              <a:rPr lang="en-US" altLang="zh-CN" dirty="0"/>
-              <a:t>B</a:t>
-            </a:r>
-            <a:r>
-              <a:rPr lang="zh-CN" altLang="en-US" dirty="0"/>
-              <a:t>，当土壤湿度传感器模拟引脚输出高于</a:t>
-            </a:r>
-            <a:r>
-              <a:rPr lang="en-US" altLang="zh-CN" dirty="0"/>
-              <a:t>A</a:t>
-            </a:r>
-            <a:r>
-              <a:rPr lang="zh-CN" altLang="en-US" dirty="0"/>
-              <a:t>时，启动水泵，当土壤湿度传感器模拟引脚输出值低于</a:t>
-            </a:r>
-            <a:r>
-              <a:rPr lang="en-US" altLang="zh-CN" dirty="0"/>
-              <a:t>B</a:t>
-            </a:r>
-            <a:r>
-              <a:rPr lang="zh-CN" altLang="en-US" dirty="0"/>
-              <a:t>时，停止水泵。这样可以方式频繁的浇水。</a:t>
-            </a:r>
-          </a:p>
-        </p:txBody>
-      </p:sp>
+              <a:rPr lang="zh-CN" altLang="en-US" sz="2800" dirty="0"/>
+              <a:t>土壤湿度传感器</a:t>
+            </a:r>
+          </a:p>
+        </p:txBody>
+      </p:sp>
+      <p:pic>
+        <p:nvPicPr>
+          <p:cNvPr id="7" name="内容占位符 6">
+            <a:extLst>
+              <a:ext uri="{FF2B5EF4-FFF2-40B4-BE49-F238E27FC236}">
+                <a16:creationId xmlns:a16="http://schemas.microsoft.com/office/drawing/2014/main" id="{80BA7F0C-1C75-4D6B-B74A-0A1B9BD6208C}"/>
+              </a:ext>
+            </a:extLst>
+          </p:cNvPr>
+          <p:cNvPicPr>
+            <a:picLocks noGrp="1" noChangeAspect="1"/>
+          </p:cNvPicPr>
+          <p:nvPr>
+            <p:ph idx="1"/>
+          </p:nvPr>
+        </p:nvPicPr>
+        <p:blipFill>
+          <a:blip r:embed="rId2"/>
+          <a:stretch>
+            <a:fillRect/>
+          </a:stretch>
+        </p:blipFill>
+        <p:spPr>
+          <a:xfrm>
+            <a:off x="1005305" y="2814923"/>
+            <a:ext cx="5772150" cy="2828925"/>
+          </a:xfrm>
+          <a:prstGeom prst="rect">
+            <a:avLst/>
+          </a:prstGeom>
+        </p:spPr>
+      </p:pic>
+      <p:pic>
+        <p:nvPicPr>
+          <p:cNvPr id="4" name="图片 3">
+            <a:extLst>
+              <a:ext uri="{FF2B5EF4-FFF2-40B4-BE49-F238E27FC236}">
+                <a16:creationId xmlns:a16="http://schemas.microsoft.com/office/drawing/2014/main" id="{DE68A9BC-C660-4BFF-9EFE-B7BE05753296}"/>
+              </a:ext>
+            </a:extLst>
+          </p:cNvPr>
+          <p:cNvPicPr>
+            <a:picLocks noChangeAspect="1"/>
+          </p:cNvPicPr>
+          <p:nvPr/>
+        </p:nvPicPr>
+        <p:blipFill>
+          <a:blip r:embed="rId3"/>
+          <a:stretch>
+            <a:fillRect/>
+          </a:stretch>
+        </p:blipFill>
+        <p:spPr>
+          <a:xfrm>
+            <a:off x="7255498" y="2814924"/>
+            <a:ext cx="4326903" cy="2828925"/>
+          </a:xfrm>
+          <a:prstGeom prst="rect">
+            <a:avLst/>
+          </a:prstGeom>
+        </p:spPr>
+      </p:pic>
     </p:spTree>
     <p:extLst>
       <p:ext uri="{BB962C8B-B14F-4D97-AF65-F5344CB8AC3E}">
-        <p14:creationId xmlns:p14="http://schemas.microsoft.com/office/powerpoint/2010/main" val="3873875957"/>
+        <p14:creationId xmlns:p14="http://schemas.microsoft.com/office/powerpoint/2010/main" val="3540449383"/>
       </p:ext>
     </p:extLst>
   </p:cSld>
@@ -7328,6 +7267,170 @@
       </p:grpSpPr>
       <p:sp>
         <p:nvSpPr>
+          <p:cNvPr id="3" name="内容占位符 2">
+            <a:extLst>
+              <a:ext uri="{FF2B5EF4-FFF2-40B4-BE49-F238E27FC236}">
+                <a16:creationId xmlns:a16="http://schemas.microsoft.com/office/drawing/2014/main" id="{9122A46E-82A2-4BA0-B3FD-08489A8DEA34}"/>
+              </a:ext>
+            </a:extLst>
+          </p:cNvPr>
+          <p:cNvSpPr>
+            <a:spLocks noGrp="1"/>
+          </p:cNvSpPr>
+          <p:nvPr>
+            <p:ph idx="4294967295"/>
+          </p:nvPr>
+        </p:nvSpPr>
+        <p:spPr>
+          <a:xfrm>
+            <a:off x="838200" y="1801971"/>
+            <a:ext cx="10515600" cy="4351338"/>
+          </a:xfrm>
+        </p:spPr>
+        <p:txBody>
+          <a:bodyPr>
+            <a:normAutofit/>
+          </a:bodyPr>
+          <a:lstStyle/>
+          <a:p>
+            <a:r>
+              <a:rPr lang="zh-CN" altLang="en-US" dirty="0"/>
+              <a:t>土壤湿度传感器悬空时</a:t>
+            </a:r>
+            <a:r>
+              <a:rPr lang="en-US" altLang="zh-CN" dirty="0"/>
+              <a:t>A0</a:t>
+            </a:r>
+            <a:r>
+              <a:rPr lang="zh-CN" altLang="en-US" dirty="0"/>
+              <a:t>引脚输出为</a:t>
+            </a:r>
+            <a:r>
+              <a:rPr lang="en-US" altLang="zh-CN" dirty="0"/>
+              <a:t>1023</a:t>
+            </a:r>
+            <a:r>
+              <a:rPr lang="zh-CN" altLang="en-US" dirty="0"/>
+              <a:t>，当将土壤湿度传感器查到花盆的某一位置后，</a:t>
+            </a:r>
+            <a:r>
+              <a:rPr lang="en-US" altLang="zh-CN" dirty="0"/>
+              <a:t>A0</a:t>
+            </a:r>
+            <a:r>
+              <a:rPr lang="zh-CN" altLang="en-US" dirty="0"/>
+              <a:t>引脚输出值快速下降到某一稳定值，然后拔出土壤湿度传感器，再将其插到花盆的其它位置，这时</a:t>
+            </a:r>
+            <a:r>
+              <a:rPr lang="en-US" altLang="zh-CN" dirty="0"/>
+              <a:t>A0</a:t>
+            </a:r>
+            <a:r>
+              <a:rPr lang="zh-CN" altLang="en-US" dirty="0"/>
+              <a:t>引脚随着不同位置的湿度不同输出不同的模拟值。</a:t>
+            </a:r>
+            <a:endParaRPr lang="en-US" altLang="zh-CN" dirty="0"/>
+          </a:p>
+          <a:p>
+            <a:r>
+              <a:rPr lang="zh-CN" altLang="en-US" dirty="0"/>
+              <a:t>采用土壤湿度传感器控制水泵对花盆进行浇水的思路就是设置某一阈值，当</a:t>
+            </a:r>
+            <a:r>
+              <a:rPr lang="en-US" altLang="zh-CN" dirty="0"/>
+              <a:t>A0</a:t>
+            </a:r>
+            <a:r>
+              <a:rPr lang="zh-CN" altLang="en-US" dirty="0"/>
+              <a:t>引脚的输出值高于该阈值时，控制水泵对花盆胶水，当</a:t>
+            </a:r>
+            <a:r>
+              <a:rPr lang="en-US" altLang="zh-CN" dirty="0"/>
+              <a:t>A0</a:t>
+            </a:r>
+            <a:r>
+              <a:rPr lang="zh-CN" altLang="en-US" dirty="0"/>
+              <a:t>引脚输出值低于阈值时，停止水泵。可以设置两个阈值，高阈值</a:t>
+            </a:r>
+            <a:r>
+              <a:rPr lang="en-US" altLang="zh-CN" dirty="0"/>
+              <a:t>A</a:t>
+            </a:r>
+            <a:r>
+              <a:rPr lang="zh-CN" altLang="en-US" dirty="0"/>
+              <a:t>和低阈值</a:t>
+            </a:r>
+            <a:r>
+              <a:rPr lang="en-US" altLang="zh-CN" dirty="0"/>
+              <a:t>B</a:t>
+            </a:r>
+            <a:r>
+              <a:rPr lang="zh-CN" altLang="en-US" dirty="0"/>
+              <a:t>，当土壤湿度传感器模拟引脚输出高于</a:t>
+            </a:r>
+            <a:r>
+              <a:rPr lang="en-US" altLang="zh-CN" dirty="0"/>
+              <a:t>A</a:t>
+            </a:r>
+            <a:r>
+              <a:rPr lang="zh-CN" altLang="en-US" dirty="0"/>
+              <a:t>时，启动水泵，当土壤湿度传感器模拟引脚输出值低于</a:t>
+            </a:r>
+            <a:r>
+              <a:rPr lang="en-US" altLang="zh-CN" dirty="0"/>
+              <a:t>B</a:t>
+            </a:r>
+            <a:r>
+              <a:rPr lang="zh-CN" altLang="en-US" dirty="0"/>
+              <a:t>时，停止水泵。这样可以方式频繁的浇水。</a:t>
+            </a:r>
+          </a:p>
+        </p:txBody>
+      </p:sp>
+    </p:spTree>
+    <p:extLst>
+      <p:ext uri="{BB962C8B-B14F-4D97-AF65-F5344CB8AC3E}">
+        <p14:creationId xmlns:p14="http://schemas.microsoft.com/office/powerpoint/2010/main" val="3873875957"/>
+      </p:ext>
+    </p:extLst>
+  </p:cSld>
+  <p:clrMapOvr>
+    <a:masterClrMapping/>
+  </p:clrMapOvr>
+  <mc:AlternateContent xmlns:mc="http://schemas.openxmlformats.org/markup-compatibility/2006" xmlns:p14="http://schemas.microsoft.com/office/powerpoint/2010/main">
+    <mc:Choice Requires="p14">
+      <p:transition spd="slow" p14:dur="1250">
+        <p:push dir="u"/>
+      </p:transition>
+    </mc:Choice>
+    <mc:Fallback xmlns="">
+      <p:transition spd="slow">
+        <p:push dir="u"/>
+      </p:transition>
+    </mc:Fallback>
+  </mc:AlternateContent>
+</p:sld>
+</file>
+
+<file path=ppt/slides/slide16.xml><?xml version="1.0" encoding="utf-8"?>
+<p:sld xmlns:a="http://schemas.openxmlformats.org/drawingml/2006/main" xmlns:r="http://schemas.openxmlformats.org/officeDocument/2006/relationships" xmlns:p="http://schemas.openxmlformats.org/presentationml/2006/main">
+  <p:cSld>
+    <p:spTree>
+      <p:nvGrpSpPr>
+        <p:cNvPr id="1" name=""/>
+        <p:cNvGrpSpPr/>
+        <p:nvPr/>
+      </p:nvGrpSpPr>
+      <p:grpSpPr>
+        <a:xfrm>
+          <a:off x="0" y="0"/>
+          <a:ext cx="0" cy="0"/>
+          <a:chOff x="0" y="0"/>
+          <a:chExt cx="0" cy="0"/>
+        </a:xfrm>
+      </p:grpSpPr>
+      <p:sp>
+        <p:nvSpPr>
           <p:cNvPr id="2" name="标题 1">
             <a:extLst>
               <a:ext uri="{FF2B5EF4-FFF2-40B4-BE49-F238E27FC236}">
@@ -7548,7 +7651,7 @@
 </p:sld>
 </file>
 
-<file path=ppt/slides/slide16.xml><?xml version="1.0" encoding="utf-8"?>
+<file path=ppt/slides/slide17.xml><?xml version="1.0" encoding="utf-8"?>
 <p:sld xmlns:a="http://schemas.openxmlformats.org/drawingml/2006/main" xmlns:r="http://schemas.openxmlformats.org/officeDocument/2006/relationships" xmlns:p="http://schemas.openxmlformats.org/presentationml/2006/main">
   <p:cSld>
     <p:spTree>

--- a/7/7.pptx
+++ b/7/7.pptx
@@ -7,21 +7,26 @@
   <p:sldIdLst>
     <p:sldId id="309" r:id="rId2"/>
     <p:sldId id="257" r:id="rId3"/>
-    <p:sldId id="259" r:id="rId4"/>
-    <p:sldId id="258" r:id="rId5"/>
-    <p:sldId id="261" r:id="rId6"/>
-    <p:sldId id="262" r:id="rId7"/>
-    <p:sldId id="263" r:id="rId8"/>
-    <p:sldId id="266" r:id="rId9"/>
-    <p:sldId id="265" r:id="rId10"/>
-    <p:sldId id="264" r:id="rId11"/>
-    <p:sldId id="310" r:id="rId12"/>
-    <p:sldId id="267" r:id="rId13"/>
-    <p:sldId id="268" r:id="rId14"/>
-    <p:sldId id="269" r:id="rId15"/>
-    <p:sldId id="272" r:id="rId16"/>
-    <p:sldId id="270" r:id="rId17"/>
-    <p:sldId id="271" r:id="rId18"/>
+    <p:sldId id="311" r:id="rId4"/>
+    <p:sldId id="259" r:id="rId5"/>
+    <p:sldId id="258" r:id="rId6"/>
+    <p:sldId id="312" r:id="rId7"/>
+    <p:sldId id="313" r:id="rId8"/>
+    <p:sldId id="314" r:id="rId9"/>
+    <p:sldId id="315" r:id="rId10"/>
+    <p:sldId id="261" r:id="rId11"/>
+    <p:sldId id="262" r:id="rId12"/>
+    <p:sldId id="263" r:id="rId13"/>
+    <p:sldId id="266" r:id="rId14"/>
+    <p:sldId id="265" r:id="rId15"/>
+    <p:sldId id="264" r:id="rId16"/>
+    <p:sldId id="310" r:id="rId17"/>
+    <p:sldId id="267" r:id="rId18"/>
+    <p:sldId id="268" r:id="rId19"/>
+    <p:sldId id="269" r:id="rId20"/>
+    <p:sldId id="272" r:id="rId21"/>
+    <p:sldId id="270" r:id="rId22"/>
+    <p:sldId id="271" r:id="rId23"/>
   </p:sldIdLst>
   <p:sldSz cx="12192000" cy="6858000"/>
   <p:notesSz cx="6858000" cy="9144000"/>
@@ -6626,1782 +6631,6 @@
           <p:cNvPr id="2" name="标题 1">
             <a:extLst>
               <a:ext uri="{FF2B5EF4-FFF2-40B4-BE49-F238E27FC236}">
-                <a16:creationId xmlns:a16="http://schemas.microsoft.com/office/drawing/2014/main" id="{B977DA56-CFC4-4559-848F-9B7E9C418AA9}"/>
-              </a:ext>
-            </a:extLst>
-          </p:cNvPr>
-          <p:cNvSpPr>
-            <a:spLocks noGrp="1"/>
-          </p:cNvSpPr>
-          <p:nvPr>
-            <p:ph type="title"/>
-          </p:nvPr>
-        </p:nvSpPr>
-        <p:spPr/>
-        <p:txBody>
-          <a:bodyPr>
-            <a:normAutofit/>
-          </a:bodyPr>
-          <a:lstStyle/>
-          <a:p>
-            <a:r>
-              <a:rPr lang="en-US" altLang="zh-CN" sz="2800" dirty="0"/>
-              <a:t>Uno</a:t>
-            </a:r>
-            <a:r>
-              <a:rPr lang="zh-CN" altLang="en-US" sz="2800" dirty="0"/>
-              <a:t>实物图</a:t>
-            </a:r>
-          </a:p>
-        </p:txBody>
-      </p:sp>
-      <p:pic>
-        <p:nvPicPr>
-          <p:cNvPr id="4" name="内容占位符 3">
-            <a:extLst>
-              <a:ext uri="{FF2B5EF4-FFF2-40B4-BE49-F238E27FC236}">
-                <a16:creationId xmlns:a16="http://schemas.microsoft.com/office/drawing/2014/main" id="{94694A54-05FE-4299-A97E-FF6E2E0D2B45}"/>
-              </a:ext>
-            </a:extLst>
-          </p:cNvPr>
-          <p:cNvPicPr>
-            <a:picLocks noGrp="1" noChangeAspect="1"/>
-          </p:cNvPicPr>
-          <p:nvPr>
-            <p:ph idx="4294967295"/>
-          </p:nvPr>
-        </p:nvPicPr>
-        <p:blipFill>
-          <a:blip r:embed="rId2"/>
-          <a:stretch>
-            <a:fillRect/>
-          </a:stretch>
-        </p:blipFill>
-        <p:spPr>
-          <a:xfrm>
-            <a:off x="3505906" y="2049461"/>
-            <a:ext cx="5880100" cy="4351338"/>
-          </a:xfrm>
-          <a:prstGeom prst="rect">
-            <a:avLst/>
-          </a:prstGeom>
-        </p:spPr>
-      </p:pic>
-    </p:spTree>
-    <p:extLst>
-      <p:ext uri="{BB962C8B-B14F-4D97-AF65-F5344CB8AC3E}">
-        <p14:creationId xmlns:p14="http://schemas.microsoft.com/office/powerpoint/2010/main" val="1893680607"/>
-      </p:ext>
-    </p:extLst>
-  </p:cSld>
-  <p:clrMapOvr>
-    <a:masterClrMapping/>
-  </p:clrMapOvr>
-  <mc:AlternateContent xmlns:mc="http://schemas.openxmlformats.org/markup-compatibility/2006" xmlns:p14="http://schemas.microsoft.com/office/powerpoint/2010/main">
-    <mc:Choice Requires="p14">
-      <p:transition spd="slow" p14:dur="1250">
-        <p:push dir="u"/>
-      </p:transition>
-    </mc:Choice>
-    <mc:Fallback xmlns="">
-      <p:transition spd="slow">
-        <p:push dir="u"/>
-      </p:transition>
-    </mc:Fallback>
-  </mc:AlternateContent>
-</p:sld>
-</file>
-
-<file path=ppt/slides/slide11.xml><?xml version="1.0" encoding="utf-8"?>
-<p:sld xmlns:a="http://schemas.openxmlformats.org/drawingml/2006/main" xmlns:r="http://schemas.openxmlformats.org/officeDocument/2006/relationships" xmlns:p="http://schemas.openxmlformats.org/presentationml/2006/main">
-  <p:cSld>
-    <p:spTree>
-      <p:nvGrpSpPr>
-        <p:cNvPr id="1" name=""/>
-        <p:cNvGrpSpPr/>
-        <p:nvPr/>
-      </p:nvGrpSpPr>
-      <p:grpSpPr>
-        <a:xfrm>
-          <a:off x="0" y="0"/>
-          <a:ext cx="0" cy="0"/>
-          <a:chOff x="0" y="0"/>
-          <a:chExt cx="0" cy="0"/>
-        </a:xfrm>
-      </p:grpSpPr>
-      <p:pic>
-        <p:nvPicPr>
-          <p:cNvPr id="4" name="图片 3">
-            <a:extLst>
-              <a:ext uri="{FF2B5EF4-FFF2-40B4-BE49-F238E27FC236}">
-                <a16:creationId xmlns:a16="http://schemas.microsoft.com/office/drawing/2014/main" id="{6D0361DD-9AAC-458D-8B97-0F4EF64B3957}"/>
-              </a:ext>
-            </a:extLst>
-          </p:cNvPr>
-          <p:cNvPicPr>
-            <a:picLocks noChangeAspect="1"/>
-          </p:cNvPicPr>
-          <p:nvPr/>
-        </p:nvPicPr>
-        <p:blipFill>
-          <a:blip r:embed="rId2"/>
-          <a:stretch>
-            <a:fillRect/>
-          </a:stretch>
-        </p:blipFill>
-        <p:spPr>
-          <a:xfrm>
-            <a:off x="2157412" y="581025"/>
-            <a:ext cx="7877175" cy="5695950"/>
-          </a:xfrm>
-          <a:prstGeom prst="rect">
-            <a:avLst/>
-          </a:prstGeom>
-        </p:spPr>
-      </p:pic>
-    </p:spTree>
-    <p:extLst>
-      <p:ext uri="{BB962C8B-B14F-4D97-AF65-F5344CB8AC3E}">
-        <p14:creationId xmlns:p14="http://schemas.microsoft.com/office/powerpoint/2010/main" val="3914767746"/>
-      </p:ext>
-    </p:extLst>
-  </p:cSld>
-  <p:clrMapOvr>
-    <a:masterClrMapping/>
-  </p:clrMapOvr>
-  <mc:AlternateContent xmlns:mc="http://schemas.openxmlformats.org/markup-compatibility/2006" xmlns:p14="http://schemas.microsoft.com/office/powerpoint/2010/main">
-    <mc:Choice Requires="p14">
-      <p:transition spd="slow" p14:dur="1250">
-        <p:push dir="u"/>
-      </p:transition>
-    </mc:Choice>
-    <mc:Fallback xmlns="">
-      <p:transition spd="slow">
-        <p:push dir="u"/>
-      </p:transition>
-    </mc:Fallback>
-  </mc:AlternateContent>
-</p:sld>
-</file>
-
-<file path=ppt/slides/slide12.xml><?xml version="1.0" encoding="utf-8"?>
-<p:sld xmlns:a="http://schemas.openxmlformats.org/drawingml/2006/main" xmlns:r="http://schemas.openxmlformats.org/officeDocument/2006/relationships" xmlns:p="http://schemas.openxmlformats.org/presentationml/2006/main">
-  <p:cSld>
-    <p:spTree>
-      <p:nvGrpSpPr>
-        <p:cNvPr id="1" name=""/>
-        <p:cNvGrpSpPr/>
-        <p:nvPr/>
-      </p:nvGrpSpPr>
-      <p:grpSpPr>
-        <a:xfrm>
-          <a:off x="0" y="0"/>
-          <a:ext cx="0" cy="0"/>
-          <a:chOff x="0" y="0"/>
-          <a:chExt cx="0" cy="0"/>
-        </a:xfrm>
-      </p:grpSpPr>
-      <p:sp>
-        <p:nvSpPr>
-          <p:cNvPr id="2" name="标题 1">
-            <a:extLst>
-              <a:ext uri="{FF2B5EF4-FFF2-40B4-BE49-F238E27FC236}">
-                <a16:creationId xmlns:a16="http://schemas.microsoft.com/office/drawing/2014/main" id="{B0AA396A-1020-45DF-A8F4-1BC6D55D72DA}"/>
-              </a:ext>
-            </a:extLst>
-          </p:cNvPr>
-          <p:cNvSpPr>
-            <a:spLocks noGrp="1"/>
-          </p:cNvSpPr>
-          <p:nvPr>
-            <p:ph type="title"/>
-          </p:nvPr>
-        </p:nvSpPr>
-        <p:spPr/>
-        <p:txBody>
-          <a:bodyPr/>
-          <a:lstStyle/>
-          <a:p>
-            <a:pPr algn="ctr"/>
-            <a:r>
-              <a:rPr lang="en-US" altLang="zh-CN" dirty="0"/>
-              <a:t>YL-69</a:t>
-            </a:r>
-            <a:r>
-              <a:rPr lang="zh-CN" altLang="en-US" dirty="0"/>
-              <a:t>土壤湿度传感器</a:t>
-            </a:r>
-          </a:p>
-        </p:txBody>
-      </p:sp>
-      <p:sp>
-        <p:nvSpPr>
-          <p:cNvPr id="3" name="内容占位符 2">
-            <a:extLst>
-              <a:ext uri="{FF2B5EF4-FFF2-40B4-BE49-F238E27FC236}">
-                <a16:creationId xmlns:a16="http://schemas.microsoft.com/office/drawing/2014/main" id="{2C81F5B5-E6E7-42BE-8A96-8381DC4E0960}"/>
-              </a:ext>
-            </a:extLst>
-          </p:cNvPr>
-          <p:cNvSpPr>
-            <a:spLocks noGrp="1"/>
-          </p:cNvSpPr>
-          <p:nvPr>
-            <p:ph idx="1"/>
-          </p:nvPr>
-        </p:nvSpPr>
-        <p:spPr/>
-        <p:txBody>
-          <a:bodyPr/>
-          <a:lstStyle/>
-          <a:p>
-            <a:r>
-              <a:rPr lang="zh-CN" altLang="en-US" dirty="0"/>
-              <a:t>土壤湿度传感器又名土壤水分传感器，土壤含水量传感器。</a:t>
-            </a:r>
-            <a:endParaRPr lang="en-US" altLang="zh-CN" dirty="0"/>
-          </a:p>
-          <a:p>
-            <a:r>
-              <a:rPr lang="zh-CN" altLang="en-US" dirty="0"/>
-              <a:t>土壤水分传感器由不锈钢探针和防水探头构成，可长期埋设于土壤和堤坝内使用，对表层和深层土壤进行墒情的定点监测和在线测量。</a:t>
-            </a:r>
-            <a:endParaRPr lang="en-US" altLang="zh-CN" dirty="0"/>
-          </a:p>
-          <a:p>
-            <a:r>
-              <a:rPr lang="zh-CN" altLang="en-US" dirty="0"/>
-              <a:t>与数据采集器配合使用，可作为水分定点监测或移动测量的工具测量土壤容积含水量，主要用于土壤墒情检测以及农业灌溉和林业防护。</a:t>
-            </a:r>
-          </a:p>
-        </p:txBody>
-      </p:sp>
-    </p:spTree>
-    <p:extLst>
-      <p:ext uri="{BB962C8B-B14F-4D97-AF65-F5344CB8AC3E}">
-        <p14:creationId xmlns:p14="http://schemas.microsoft.com/office/powerpoint/2010/main" val="499567068"/>
-      </p:ext>
-    </p:extLst>
-  </p:cSld>
-  <p:clrMapOvr>
-    <a:masterClrMapping/>
-  </p:clrMapOvr>
-  <mc:AlternateContent xmlns:mc="http://schemas.openxmlformats.org/markup-compatibility/2006" xmlns:p14="http://schemas.microsoft.com/office/powerpoint/2010/main">
-    <mc:Choice Requires="p14">
-      <p:transition spd="slow" p14:dur="1250">
-        <p:push dir="u"/>
-      </p:transition>
-    </mc:Choice>
-    <mc:Fallback xmlns="">
-      <p:transition spd="slow">
-        <p:push dir="u"/>
-      </p:transition>
-    </mc:Fallback>
-  </mc:AlternateContent>
-</p:sld>
-</file>
-
-<file path=ppt/slides/slide13.xml><?xml version="1.0" encoding="utf-8"?>
-<p:sld xmlns:a="http://schemas.openxmlformats.org/drawingml/2006/main" xmlns:r="http://schemas.openxmlformats.org/officeDocument/2006/relationships" xmlns:p="http://schemas.openxmlformats.org/presentationml/2006/main">
-  <p:cSld>
-    <p:spTree>
-      <p:nvGrpSpPr>
-        <p:cNvPr id="1" name=""/>
-        <p:cNvGrpSpPr/>
-        <p:nvPr/>
-      </p:nvGrpSpPr>
-      <p:grpSpPr>
-        <a:xfrm>
-          <a:off x="0" y="0"/>
-          <a:ext cx="0" cy="0"/>
-          <a:chOff x="0" y="0"/>
-          <a:chExt cx="0" cy="0"/>
-        </a:xfrm>
-      </p:grpSpPr>
-      <p:sp>
-        <p:nvSpPr>
-          <p:cNvPr id="3" name="内容占位符 2">
-            <a:extLst>
-              <a:ext uri="{FF2B5EF4-FFF2-40B4-BE49-F238E27FC236}">
-                <a16:creationId xmlns:a16="http://schemas.microsoft.com/office/drawing/2014/main" id="{0AAADFB9-9448-46F1-865F-5C7A4ADDE545}"/>
-              </a:ext>
-            </a:extLst>
-          </p:cNvPr>
-          <p:cNvSpPr>
-            <a:spLocks noGrp="1"/>
-          </p:cNvSpPr>
-          <p:nvPr>
-            <p:ph idx="4294967295"/>
-          </p:nvPr>
-        </p:nvSpPr>
-        <p:spPr>
-          <a:xfrm>
-            <a:off x="1170432" y="1253330"/>
-            <a:ext cx="10183368" cy="4623213"/>
-          </a:xfrm>
-        </p:spPr>
-        <p:txBody>
-          <a:bodyPr>
-            <a:normAutofit/>
-          </a:bodyPr>
-          <a:lstStyle/>
-          <a:p>
-            <a:r>
-              <a:rPr lang="zh-CN" altLang="en-US" sz="2000" dirty="0"/>
-              <a:t>电源：</a:t>
-            </a:r>
-            <a:r>
-              <a:rPr lang="en-US" altLang="zh-CN" sz="2000" dirty="0"/>
-              <a:t>3.3V~5V</a:t>
-            </a:r>
-          </a:p>
-          <a:p>
-            <a:r>
-              <a:rPr lang="zh-CN" altLang="en-US" sz="2000" dirty="0"/>
-              <a:t>获取湿度信息的方式（</a:t>
-            </a:r>
-            <a:r>
-              <a:rPr lang="en-US" altLang="zh-CN" sz="2000" dirty="0"/>
-              <a:t>2</a:t>
-            </a:r>
-            <a:r>
-              <a:rPr lang="zh-CN" altLang="en-US" sz="2000" dirty="0"/>
-              <a:t>种可同时使用）：</a:t>
-            </a:r>
-          </a:p>
-          <a:p>
-            <a:pPr lvl="1"/>
-            <a:r>
-              <a:rPr lang="zh-CN" altLang="en-US" sz="2000" dirty="0"/>
-              <a:t>从传感器的</a:t>
-            </a:r>
-            <a:r>
-              <a:rPr lang="en-US" altLang="zh-CN" sz="2000" dirty="0"/>
-              <a:t>D0</a:t>
-            </a:r>
-            <a:r>
-              <a:rPr lang="zh-CN" altLang="en-US" sz="2000" dirty="0"/>
-              <a:t>引脚：土壤湿度大于某个阈值，则</a:t>
-            </a:r>
-            <a:r>
-              <a:rPr lang="en-US" altLang="zh-CN" sz="2000" dirty="0"/>
-              <a:t>D0</a:t>
-            </a:r>
-            <a:r>
-              <a:rPr lang="zh-CN" altLang="en-US" sz="2000" dirty="0"/>
-              <a:t>输出</a:t>
-            </a:r>
-            <a:r>
-              <a:rPr lang="en-US" altLang="zh-CN" sz="2000" dirty="0"/>
-              <a:t>0</a:t>
-            </a:r>
-            <a:r>
-              <a:rPr lang="zh-CN" altLang="en-US" sz="2000" dirty="0"/>
-              <a:t>，否则输出</a:t>
-            </a:r>
-            <a:r>
-              <a:rPr lang="en-US" altLang="zh-CN" sz="2000" dirty="0"/>
-              <a:t>1</a:t>
-            </a:r>
-            <a:r>
-              <a:rPr lang="zh-CN" altLang="en-US" sz="2000" dirty="0"/>
-              <a:t>。（多用于湿度阀值控制开关）。</a:t>
-            </a:r>
-          </a:p>
-          <a:p>
-            <a:pPr lvl="1"/>
-            <a:r>
-              <a:rPr lang="zh-CN" altLang="en-US" sz="2000" dirty="0"/>
-              <a:t>从传感器的</a:t>
-            </a:r>
-            <a:r>
-              <a:rPr lang="en-US" altLang="zh-CN" sz="2000" dirty="0"/>
-              <a:t>A0</a:t>
-            </a:r>
-            <a:r>
-              <a:rPr lang="zh-CN" altLang="en-US" sz="2000" dirty="0"/>
-              <a:t>引脚：获取到模拟量，更加精确。土壤湿度越大，获取的模拟量值越大。（多用于显示实时湿度值）。</a:t>
-            </a:r>
-            <a:endParaRPr lang="en-US" altLang="zh-CN" sz="2000" dirty="0"/>
-          </a:p>
-          <a:p>
-            <a:pPr lvl="1"/>
-            <a:r>
-              <a:rPr lang="zh-CN" altLang="en-US" sz="2000" dirty="0"/>
-              <a:t>传感器板上的</a:t>
-            </a:r>
-            <a:r>
-              <a:rPr lang="en-US" altLang="zh-CN" sz="2000" dirty="0"/>
-              <a:t>VCC</a:t>
-            </a:r>
-            <a:r>
-              <a:rPr lang="zh-CN" altLang="en-US" sz="2000" dirty="0"/>
-              <a:t>接电源，</a:t>
-            </a:r>
-            <a:r>
-              <a:rPr lang="en-US" altLang="zh-CN" sz="2000" dirty="0"/>
-              <a:t>GND</a:t>
-            </a:r>
-            <a:r>
-              <a:rPr lang="zh-CN" altLang="en-US" sz="2000" dirty="0"/>
-              <a:t>接地，</a:t>
-            </a:r>
-            <a:r>
-              <a:rPr lang="en-US" altLang="zh-CN" sz="2000" dirty="0"/>
-              <a:t>A0</a:t>
-            </a:r>
-            <a:r>
-              <a:rPr lang="zh-CN" altLang="en-US" sz="2000" dirty="0"/>
-              <a:t>接单片机模拟输入，</a:t>
-            </a:r>
-            <a:r>
-              <a:rPr lang="en-US" altLang="zh-CN" sz="2000" dirty="0"/>
-              <a:t>D0</a:t>
-            </a:r>
-            <a:r>
-              <a:rPr lang="zh-CN" altLang="en-US" sz="2000" dirty="0"/>
-              <a:t>接数据输入。</a:t>
-            </a:r>
-            <a:endParaRPr lang="en-US" altLang="zh-CN" sz="2000" dirty="0"/>
-          </a:p>
-          <a:p>
-            <a:r>
-              <a:rPr lang="zh-CN" altLang="en-US" sz="2000" dirty="0"/>
-              <a:t>可通过电位器调节土壤湿度的阀值，顺时针调节，控制的湿度会越大，逆时针越小；湿度低于设定值时，</a:t>
-            </a:r>
-            <a:r>
-              <a:rPr lang="en-US" altLang="zh-CN" sz="2000" dirty="0"/>
-              <a:t>DO</a:t>
-            </a:r>
-            <a:r>
-              <a:rPr lang="zh-CN" altLang="en-US" sz="2000" dirty="0"/>
-              <a:t>输出高电平，模块提示灯亮；湿度高于设定值时，</a:t>
-            </a:r>
-            <a:r>
-              <a:rPr lang="en-US" altLang="zh-CN" sz="2000" dirty="0"/>
-              <a:t>DO</a:t>
-            </a:r>
-            <a:r>
-              <a:rPr lang="zh-CN" altLang="en-US" sz="2000" dirty="0"/>
-              <a:t>输出低电平，模块提示灯灭。</a:t>
-            </a:r>
-            <a:endParaRPr lang="en-US" altLang="zh-CN" sz="2000" dirty="0"/>
-          </a:p>
-        </p:txBody>
-      </p:sp>
-    </p:spTree>
-    <p:extLst>
-      <p:ext uri="{BB962C8B-B14F-4D97-AF65-F5344CB8AC3E}">
-        <p14:creationId xmlns:p14="http://schemas.microsoft.com/office/powerpoint/2010/main" val="205031659"/>
-      </p:ext>
-    </p:extLst>
-  </p:cSld>
-  <p:clrMapOvr>
-    <a:masterClrMapping/>
-  </p:clrMapOvr>
-  <mc:AlternateContent xmlns:mc="http://schemas.openxmlformats.org/markup-compatibility/2006" xmlns:p14="http://schemas.microsoft.com/office/powerpoint/2010/main">
-    <mc:Choice Requires="p14">
-      <p:transition spd="slow" p14:dur="1250">
-        <p:push dir="u"/>
-      </p:transition>
-    </mc:Choice>
-    <mc:Fallback xmlns="">
-      <p:transition spd="slow">
-        <p:push dir="u"/>
-      </p:transition>
-    </mc:Fallback>
-  </mc:AlternateContent>
-</p:sld>
-</file>
-
-<file path=ppt/slides/slide14.xml><?xml version="1.0" encoding="utf-8"?>
-<p:sld xmlns:a="http://schemas.openxmlformats.org/drawingml/2006/main" xmlns:r="http://schemas.openxmlformats.org/officeDocument/2006/relationships" xmlns:p="http://schemas.openxmlformats.org/presentationml/2006/main">
-  <p:cSld>
-    <p:spTree>
-      <p:nvGrpSpPr>
-        <p:cNvPr id="1" name=""/>
-        <p:cNvGrpSpPr/>
-        <p:nvPr/>
-      </p:nvGrpSpPr>
-      <p:grpSpPr>
-        <a:xfrm>
-          <a:off x="0" y="0"/>
-          <a:ext cx="0" cy="0"/>
-          <a:chOff x="0" y="0"/>
-          <a:chExt cx="0" cy="0"/>
-        </a:xfrm>
-      </p:grpSpPr>
-      <p:sp>
-        <p:nvSpPr>
-          <p:cNvPr id="2" name="标题 1">
-            <a:extLst>
-              <a:ext uri="{FF2B5EF4-FFF2-40B4-BE49-F238E27FC236}">
-                <a16:creationId xmlns:a16="http://schemas.microsoft.com/office/drawing/2014/main" id="{0635E8CD-9A52-40FB-AD7D-4B8BFCF15495}"/>
-              </a:ext>
-            </a:extLst>
-          </p:cNvPr>
-          <p:cNvSpPr>
-            <a:spLocks noGrp="1"/>
-          </p:cNvSpPr>
-          <p:nvPr>
-            <p:ph type="title"/>
-          </p:nvPr>
-        </p:nvSpPr>
-        <p:spPr/>
-        <p:txBody>
-          <a:bodyPr>
-            <a:normAutofit/>
-          </a:bodyPr>
-          <a:lstStyle/>
-          <a:p>
-            <a:r>
-              <a:rPr lang="zh-CN" altLang="en-US" sz="2800" dirty="0"/>
-              <a:t>土壤湿度传感器</a:t>
-            </a:r>
-          </a:p>
-        </p:txBody>
-      </p:sp>
-      <p:pic>
-        <p:nvPicPr>
-          <p:cNvPr id="7" name="内容占位符 6">
-            <a:extLst>
-              <a:ext uri="{FF2B5EF4-FFF2-40B4-BE49-F238E27FC236}">
-                <a16:creationId xmlns:a16="http://schemas.microsoft.com/office/drawing/2014/main" id="{80BA7F0C-1C75-4D6B-B74A-0A1B9BD6208C}"/>
-              </a:ext>
-            </a:extLst>
-          </p:cNvPr>
-          <p:cNvPicPr>
-            <a:picLocks noGrp="1" noChangeAspect="1"/>
-          </p:cNvPicPr>
-          <p:nvPr>
-            <p:ph idx="1"/>
-          </p:nvPr>
-        </p:nvPicPr>
-        <p:blipFill>
-          <a:blip r:embed="rId2"/>
-          <a:stretch>
-            <a:fillRect/>
-          </a:stretch>
-        </p:blipFill>
-        <p:spPr>
-          <a:xfrm>
-            <a:off x="1005305" y="2814923"/>
-            <a:ext cx="5772150" cy="2828925"/>
-          </a:xfrm>
-          <a:prstGeom prst="rect">
-            <a:avLst/>
-          </a:prstGeom>
-        </p:spPr>
-      </p:pic>
-      <p:pic>
-        <p:nvPicPr>
-          <p:cNvPr id="4" name="图片 3">
-            <a:extLst>
-              <a:ext uri="{FF2B5EF4-FFF2-40B4-BE49-F238E27FC236}">
-                <a16:creationId xmlns:a16="http://schemas.microsoft.com/office/drawing/2014/main" id="{DE68A9BC-C660-4BFF-9EFE-B7BE05753296}"/>
-              </a:ext>
-            </a:extLst>
-          </p:cNvPr>
-          <p:cNvPicPr>
-            <a:picLocks noChangeAspect="1"/>
-          </p:cNvPicPr>
-          <p:nvPr/>
-        </p:nvPicPr>
-        <p:blipFill>
-          <a:blip r:embed="rId3"/>
-          <a:stretch>
-            <a:fillRect/>
-          </a:stretch>
-        </p:blipFill>
-        <p:spPr>
-          <a:xfrm>
-            <a:off x="7255498" y="2814924"/>
-            <a:ext cx="4326903" cy="2828925"/>
-          </a:xfrm>
-          <a:prstGeom prst="rect">
-            <a:avLst/>
-          </a:prstGeom>
-        </p:spPr>
-      </p:pic>
-    </p:spTree>
-    <p:extLst>
-      <p:ext uri="{BB962C8B-B14F-4D97-AF65-F5344CB8AC3E}">
-        <p14:creationId xmlns:p14="http://schemas.microsoft.com/office/powerpoint/2010/main" val="3540449383"/>
-      </p:ext>
-    </p:extLst>
-  </p:cSld>
-  <p:clrMapOvr>
-    <a:masterClrMapping/>
-  </p:clrMapOvr>
-  <mc:AlternateContent xmlns:mc="http://schemas.openxmlformats.org/markup-compatibility/2006" xmlns:p14="http://schemas.microsoft.com/office/powerpoint/2010/main">
-    <mc:Choice Requires="p14">
-      <p:transition spd="slow" p14:dur="1250">
-        <p:push dir="u"/>
-      </p:transition>
-    </mc:Choice>
-    <mc:Fallback xmlns="">
-      <p:transition spd="slow">
-        <p:push dir="u"/>
-      </p:transition>
-    </mc:Fallback>
-  </mc:AlternateContent>
-</p:sld>
-</file>
-
-<file path=ppt/slides/slide15.xml><?xml version="1.0" encoding="utf-8"?>
-<p:sld xmlns:a="http://schemas.openxmlformats.org/drawingml/2006/main" xmlns:r="http://schemas.openxmlformats.org/officeDocument/2006/relationships" xmlns:p="http://schemas.openxmlformats.org/presentationml/2006/main">
-  <p:cSld>
-    <p:spTree>
-      <p:nvGrpSpPr>
-        <p:cNvPr id="1" name=""/>
-        <p:cNvGrpSpPr/>
-        <p:nvPr/>
-      </p:nvGrpSpPr>
-      <p:grpSpPr>
-        <a:xfrm>
-          <a:off x="0" y="0"/>
-          <a:ext cx="0" cy="0"/>
-          <a:chOff x="0" y="0"/>
-          <a:chExt cx="0" cy="0"/>
-        </a:xfrm>
-      </p:grpSpPr>
-      <p:sp>
-        <p:nvSpPr>
-          <p:cNvPr id="3" name="内容占位符 2">
-            <a:extLst>
-              <a:ext uri="{FF2B5EF4-FFF2-40B4-BE49-F238E27FC236}">
-                <a16:creationId xmlns:a16="http://schemas.microsoft.com/office/drawing/2014/main" id="{9122A46E-82A2-4BA0-B3FD-08489A8DEA34}"/>
-              </a:ext>
-            </a:extLst>
-          </p:cNvPr>
-          <p:cNvSpPr>
-            <a:spLocks noGrp="1"/>
-          </p:cNvSpPr>
-          <p:nvPr>
-            <p:ph idx="4294967295"/>
-          </p:nvPr>
-        </p:nvSpPr>
-        <p:spPr>
-          <a:xfrm>
-            <a:off x="838200" y="1801971"/>
-            <a:ext cx="10515600" cy="4351338"/>
-          </a:xfrm>
-        </p:spPr>
-        <p:txBody>
-          <a:bodyPr>
-            <a:normAutofit/>
-          </a:bodyPr>
-          <a:lstStyle/>
-          <a:p>
-            <a:r>
-              <a:rPr lang="zh-CN" altLang="en-US" dirty="0"/>
-              <a:t>土壤湿度传感器悬空时</a:t>
-            </a:r>
-            <a:r>
-              <a:rPr lang="en-US" altLang="zh-CN" dirty="0"/>
-              <a:t>A0</a:t>
-            </a:r>
-            <a:r>
-              <a:rPr lang="zh-CN" altLang="en-US" dirty="0"/>
-              <a:t>引脚输出为</a:t>
-            </a:r>
-            <a:r>
-              <a:rPr lang="en-US" altLang="zh-CN" dirty="0"/>
-              <a:t>1023</a:t>
-            </a:r>
-            <a:r>
-              <a:rPr lang="zh-CN" altLang="en-US" dirty="0"/>
-              <a:t>，当将土壤湿度传感器查到花盆的某一位置后，</a:t>
-            </a:r>
-            <a:r>
-              <a:rPr lang="en-US" altLang="zh-CN" dirty="0"/>
-              <a:t>A0</a:t>
-            </a:r>
-            <a:r>
-              <a:rPr lang="zh-CN" altLang="en-US" dirty="0"/>
-              <a:t>引脚输出值快速下降到某一稳定值，然后拔出土壤湿度传感器，再将其插到花盆的其它位置，这时</a:t>
-            </a:r>
-            <a:r>
-              <a:rPr lang="en-US" altLang="zh-CN" dirty="0"/>
-              <a:t>A0</a:t>
-            </a:r>
-            <a:r>
-              <a:rPr lang="zh-CN" altLang="en-US" dirty="0"/>
-              <a:t>引脚随着不同位置的湿度不同输出不同的模拟值。</a:t>
-            </a:r>
-            <a:endParaRPr lang="en-US" altLang="zh-CN" dirty="0"/>
-          </a:p>
-          <a:p>
-            <a:r>
-              <a:rPr lang="zh-CN" altLang="en-US" dirty="0"/>
-              <a:t>采用土壤湿度传感器控制水泵对花盆进行浇水的思路就是设置某一阈值，当</a:t>
-            </a:r>
-            <a:r>
-              <a:rPr lang="en-US" altLang="zh-CN" dirty="0"/>
-              <a:t>A0</a:t>
-            </a:r>
-            <a:r>
-              <a:rPr lang="zh-CN" altLang="en-US" dirty="0"/>
-              <a:t>引脚的输出值高于该阈值时，控制水泵对花盆胶水，当</a:t>
-            </a:r>
-            <a:r>
-              <a:rPr lang="en-US" altLang="zh-CN" dirty="0"/>
-              <a:t>A0</a:t>
-            </a:r>
-            <a:r>
-              <a:rPr lang="zh-CN" altLang="en-US" dirty="0"/>
-              <a:t>引脚输出值低于阈值时，停止水泵。可以设置两个阈值，高阈值</a:t>
-            </a:r>
-            <a:r>
-              <a:rPr lang="en-US" altLang="zh-CN" dirty="0"/>
-              <a:t>A</a:t>
-            </a:r>
-            <a:r>
-              <a:rPr lang="zh-CN" altLang="en-US" dirty="0"/>
-              <a:t>和低阈值</a:t>
-            </a:r>
-            <a:r>
-              <a:rPr lang="en-US" altLang="zh-CN" dirty="0"/>
-              <a:t>B</a:t>
-            </a:r>
-            <a:r>
-              <a:rPr lang="zh-CN" altLang="en-US" dirty="0"/>
-              <a:t>，当土壤湿度传感器模拟引脚输出高于</a:t>
-            </a:r>
-            <a:r>
-              <a:rPr lang="en-US" altLang="zh-CN" dirty="0"/>
-              <a:t>A</a:t>
-            </a:r>
-            <a:r>
-              <a:rPr lang="zh-CN" altLang="en-US" dirty="0"/>
-              <a:t>时，启动水泵，当土壤湿度传感器模拟引脚输出值低于</a:t>
-            </a:r>
-            <a:r>
-              <a:rPr lang="en-US" altLang="zh-CN" dirty="0"/>
-              <a:t>B</a:t>
-            </a:r>
-            <a:r>
-              <a:rPr lang="zh-CN" altLang="en-US" dirty="0"/>
-              <a:t>时，停止水泵。这样可以方式频繁的浇水。</a:t>
-            </a:r>
-          </a:p>
-        </p:txBody>
-      </p:sp>
-    </p:spTree>
-    <p:extLst>
-      <p:ext uri="{BB962C8B-B14F-4D97-AF65-F5344CB8AC3E}">
-        <p14:creationId xmlns:p14="http://schemas.microsoft.com/office/powerpoint/2010/main" val="3873875957"/>
-      </p:ext>
-    </p:extLst>
-  </p:cSld>
-  <p:clrMapOvr>
-    <a:masterClrMapping/>
-  </p:clrMapOvr>
-  <mc:AlternateContent xmlns:mc="http://schemas.openxmlformats.org/markup-compatibility/2006" xmlns:p14="http://schemas.microsoft.com/office/powerpoint/2010/main">
-    <mc:Choice Requires="p14">
-      <p:transition spd="slow" p14:dur="1250">
-        <p:push dir="u"/>
-      </p:transition>
-    </mc:Choice>
-    <mc:Fallback xmlns="">
-      <p:transition spd="slow">
-        <p:push dir="u"/>
-      </p:transition>
-    </mc:Fallback>
-  </mc:AlternateContent>
-</p:sld>
-</file>
-
-<file path=ppt/slides/slide16.xml><?xml version="1.0" encoding="utf-8"?>
-<p:sld xmlns:a="http://schemas.openxmlformats.org/drawingml/2006/main" xmlns:r="http://schemas.openxmlformats.org/officeDocument/2006/relationships" xmlns:p="http://schemas.openxmlformats.org/presentationml/2006/main">
-  <p:cSld>
-    <p:spTree>
-      <p:nvGrpSpPr>
-        <p:cNvPr id="1" name=""/>
-        <p:cNvGrpSpPr/>
-        <p:nvPr/>
-      </p:nvGrpSpPr>
-      <p:grpSpPr>
-        <a:xfrm>
-          <a:off x="0" y="0"/>
-          <a:ext cx="0" cy="0"/>
-          <a:chOff x="0" y="0"/>
-          <a:chExt cx="0" cy="0"/>
-        </a:xfrm>
-      </p:grpSpPr>
-      <p:sp>
-        <p:nvSpPr>
-          <p:cNvPr id="2" name="标题 1">
-            <a:extLst>
-              <a:ext uri="{FF2B5EF4-FFF2-40B4-BE49-F238E27FC236}">
-                <a16:creationId xmlns:a16="http://schemas.microsoft.com/office/drawing/2014/main" id="{EC309A7A-2FC3-4580-A835-75D954BB8874}"/>
-              </a:ext>
-            </a:extLst>
-          </p:cNvPr>
-          <p:cNvSpPr>
-            <a:spLocks noGrp="1"/>
-          </p:cNvSpPr>
-          <p:nvPr>
-            <p:ph type="title"/>
-          </p:nvPr>
-        </p:nvSpPr>
-        <p:spPr/>
-        <p:txBody>
-          <a:bodyPr/>
-          <a:lstStyle/>
-          <a:p>
-            <a:pPr algn="ctr"/>
-            <a:r>
-              <a:rPr lang="zh-CN" altLang="en-US" dirty="0"/>
-              <a:t>实验</a:t>
-            </a:r>
-            <a:r>
-              <a:rPr lang="en-US" altLang="zh-CN" dirty="0"/>
-              <a:t>34</a:t>
-            </a:r>
-            <a:r>
-              <a:rPr lang="zh-CN" altLang="en-US" dirty="0"/>
-              <a:t>：土壤湿度检测</a:t>
-            </a:r>
-          </a:p>
-        </p:txBody>
-      </p:sp>
-      <p:sp>
-        <p:nvSpPr>
-          <p:cNvPr id="3" name="内容占位符 2">
-            <a:extLst>
-              <a:ext uri="{FF2B5EF4-FFF2-40B4-BE49-F238E27FC236}">
-                <a16:creationId xmlns:a16="http://schemas.microsoft.com/office/drawing/2014/main" id="{5A8FE617-F55E-469B-A6FB-B684193983EB}"/>
-              </a:ext>
-            </a:extLst>
-          </p:cNvPr>
-          <p:cNvSpPr>
-            <a:spLocks noGrp="1"/>
-          </p:cNvSpPr>
-          <p:nvPr>
-            <p:ph idx="1"/>
-          </p:nvPr>
-        </p:nvSpPr>
-        <p:spPr/>
-        <p:txBody>
-          <a:bodyPr>
-            <a:normAutofit fontScale="85000" lnSpcReduction="20000"/>
-          </a:bodyPr>
-          <a:lstStyle/>
-          <a:p>
-            <a:r>
-              <a:rPr lang="zh-CN" altLang="en-US" dirty="0"/>
-              <a:t>实验器材</a:t>
-            </a:r>
-            <a:endParaRPr lang="en-US" altLang="zh-CN" dirty="0"/>
-          </a:p>
-          <a:p>
-            <a:pPr marL="914400" lvl="1" indent="-457200">
-              <a:buFont typeface="+mj-lt"/>
-              <a:buAutoNum type="arabicPeriod"/>
-            </a:pPr>
-            <a:r>
-              <a:rPr lang="en-US" altLang="zh-CN" dirty="0" err="1"/>
-              <a:t>NodeMCU</a:t>
-            </a:r>
-            <a:r>
-              <a:rPr lang="zh-CN" altLang="en-US" dirty="0"/>
-              <a:t>开发板</a:t>
-            </a:r>
-            <a:endParaRPr lang="en-US" altLang="zh-CN" dirty="0"/>
-          </a:p>
-          <a:p>
-            <a:pPr marL="914400" lvl="1" indent="-457200">
-              <a:buFont typeface="+mj-lt"/>
-              <a:buAutoNum type="arabicPeriod"/>
-            </a:pPr>
-            <a:r>
-              <a:rPr lang="en-US" altLang="zh-CN" dirty="0"/>
-              <a:t>USB</a:t>
-            </a:r>
-            <a:r>
-              <a:rPr lang="zh-CN" altLang="en-US" dirty="0"/>
-              <a:t>数据线</a:t>
-            </a:r>
-            <a:endParaRPr lang="en-US" altLang="zh-CN" dirty="0"/>
-          </a:p>
-          <a:p>
-            <a:pPr marL="914400" lvl="1" indent="-457200">
-              <a:buFont typeface="+mj-lt"/>
-              <a:buAutoNum type="arabicPeriod"/>
-            </a:pPr>
-            <a:r>
-              <a:rPr lang="en-US" altLang="zh-CN" dirty="0"/>
-              <a:t>YL-69</a:t>
-            </a:r>
-            <a:r>
-              <a:rPr lang="zh-CN" altLang="en-US" dirty="0"/>
-              <a:t>土壤湿度传感器</a:t>
-            </a:r>
-            <a:r>
-              <a:rPr lang="en-US" altLang="zh-CN" dirty="0"/>
-              <a:t>1</a:t>
-            </a:r>
-            <a:r>
-              <a:rPr lang="zh-CN" altLang="en-US" dirty="0"/>
-              <a:t>个</a:t>
-            </a:r>
-            <a:endParaRPr lang="en-US" altLang="zh-CN" dirty="0"/>
-          </a:p>
-          <a:p>
-            <a:r>
-              <a:rPr lang="zh-CN" altLang="en-US" dirty="0"/>
-              <a:t>接线图</a:t>
-            </a:r>
-            <a:endParaRPr lang="en-US" altLang="zh-CN" dirty="0"/>
-          </a:p>
-          <a:p>
-            <a:pPr lvl="1"/>
-            <a:r>
-              <a:rPr lang="en-US" altLang="zh-CN" dirty="0"/>
-              <a:t>VCC</a:t>
-            </a:r>
-            <a:r>
-              <a:rPr lang="zh-CN" altLang="en-US" dirty="0"/>
-              <a:t>引脚 ：接电源正极。</a:t>
-            </a:r>
-          </a:p>
-          <a:p>
-            <a:pPr lvl="1"/>
-            <a:r>
-              <a:rPr lang="en-US" altLang="zh-CN" dirty="0"/>
-              <a:t>GND</a:t>
-            </a:r>
-            <a:r>
-              <a:rPr lang="zh-CN" altLang="en-US" dirty="0"/>
-              <a:t>引脚：接电源负极。</a:t>
-            </a:r>
-          </a:p>
-          <a:p>
-            <a:pPr lvl="1"/>
-            <a:r>
-              <a:rPr lang="en-US" altLang="zh-CN" dirty="0"/>
-              <a:t>A0</a:t>
-            </a:r>
-            <a:r>
-              <a:rPr lang="zh-CN" altLang="en-US" dirty="0"/>
-              <a:t>引脚   ： 输出土壤湿度传感器的模拟电压值，输出范围为</a:t>
-            </a:r>
-            <a:r>
-              <a:rPr lang="en-US" altLang="zh-CN" dirty="0"/>
-              <a:t>0-1023</a:t>
-            </a:r>
-            <a:r>
-              <a:rPr lang="zh-CN" altLang="en-US" dirty="0"/>
-              <a:t>。</a:t>
-            </a:r>
-            <a:endParaRPr lang="en-US" altLang="zh-CN" dirty="0"/>
-          </a:p>
-          <a:p>
-            <a:pPr lvl="1"/>
-            <a:r>
-              <a:rPr lang="en-US" altLang="zh-CN" dirty="0"/>
-              <a:t>D0</a:t>
-            </a:r>
-            <a:r>
-              <a:rPr lang="zh-CN" altLang="en-US" dirty="0"/>
-              <a:t>引脚   ： 输出土壤湿度传感器的开关量值，值为</a:t>
-            </a:r>
-            <a:r>
-              <a:rPr lang="en-US" altLang="zh-CN" dirty="0"/>
-              <a:t>0,</a:t>
-            </a:r>
-            <a:r>
-              <a:rPr lang="zh-CN" altLang="en-US" dirty="0"/>
-              <a:t>和</a:t>
-            </a:r>
-            <a:r>
-              <a:rPr lang="en-US" altLang="zh-CN" dirty="0"/>
-              <a:t>1</a:t>
-            </a:r>
-            <a:r>
-              <a:rPr lang="zh-CN" altLang="en-US" dirty="0"/>
-              <a:t>，开关量的变换值由蓝色顶调电位器进行控制。</a:t>
-            </a:r>
-          </a:p>
-        </p:txBody>
-      </p:sp>
-    </p:spTree>
-    <p:extLst>
-      <p:ext uri="{BB962C8B-B14F-4D97-AF65-F5344CB8AC3E}">
-        <p14:creationId xmlns:p14="http://schemas.microsoft.com/office/powerpoint/2010/main" val="1096958616"/>
-      </p:ext>
-    </p:extLst>
-  </p:cSld>
-  <p:clrMapOvr>
-    <a:masterClrMapping/>
-  </p:clrMapOvr>
-  <mc:AlternateContent xmlns:mc="http://schemas.openxmlformats.org/markup-compatibility/2006" xmlns:p14="http://schemas.microsoft.com/office/powerpoint/2010/main">
-    <mc:Choice Requires="p14">
-      <p:transition spd="slow" p14:dur="1250">
-        <p:push dir="u"/>
-      </p:transition>
-    </mc:Choice>
-    <mc:Fallback xmlns="">
-      <p:transition spd="slow">
-        <p:push dir="u"/>
-      </p:transition>
-    </mc:Fallback>
-  </mc:AlternateContent>
-</p:sld>
-</file>
-
-<file path=ppt/slides/slide17.xml><?xml version="1.0" encoding="utf-8"?>
-<p:sld xmlns:a="http://schemas.openxmlformats.org/drawingml/2006/main" xmlns:r="http://schemas.openxmlformats.org/officeDocument/2006/relationships" xmlns:p="http://schemas.openxmlformats.org/presentationml/2006/main">
-  <p:cSld>
-    <p:spTree>
-      <p:nvGrpSpPr>
-        <p:cNvPr id="1" name=""/>
-        <p:cNvGrpSpPr/>
-        <p:nvPr/>
-      </p:nvGrpSpPr>
-      <p:grpSpPr>
-        <a:xfrm>
-          <a:off x="0" y="0"/>
-          <a:ext cx="0" cy="0"/>
-          <a:chOff x="0" y="0"/>
-          <a:chExt cx="0" cy="0"/>
-        </a:xfrm>
-      </p:grpSpPr>
-      <p:sp>
-        <p:nvSpPr>
-          <p:cNvPr id="2" name="标题 1">
-            <a:extLst>
-              <a:ext uri="{FF2B5EF4-FFF2-40B4-BE49-F238E27FC236}">
-                <a16:creationId xmlns:a16="http://schemas.microsoft.com/office/drawing/2014/main" id="{B32FF3CC-23E5-43DB-B418-A89CEC9FCE14}"/>
-              </a:ext>
-            </a:extLst>
-          </p:cNvPr>
-          <p:cNvSpPr>
-            <a:spLocks noGrp="1"/>
-          </p:cNvSpPr>
-          <p:nvPr>
-            <p:ph type="title"/>
-          </p:nvPr>
-        </p:nvSpPr>
-        <p:spPr/>
-        <p:txBody>
-          <a:bodyPr/>
-          <a:lstStyle/>
-          <a:p>
-            <a:pPr algn="ctr"/>
-            <a:r>
-              <a:rPr lang="zh-CN" altLang="en-US" dirty="0"/>
-              <a:t>项目：气象检测</a:t>
-            </a:r>
-          </a:p>
-        </p:txBody>
-      </p:sp>
-      <p:sp>
-        <p:nvSpPr>
-          <p:cNvPr id="3" name="内容占位符 2">
-            <a:extLst>
-              <a:ext uri="{FF2B5EF4-FFF2-40B4-BE49-F238E27FC236}">
-                <a16:creationId xmlns:a16="http://schemas.microsoft.com/office/drawing/2014/main" id="{323095FF-42D2-4E8B-BD22-1EA4B55F2068}"/>
-              </a:ext>
-            </a:extLst>
-          </p:cNvPr>
-          <p:cNvSpPr>
-            <a:spLocks noGrp="1"/>
-          </p:cNvSpPr>
-          <p:nvPr>
-            <p:ph idx="1"/>
-          </p:nvPr>
-        </p:nvSpPr>
-        <p:spPr/>
-        <p:txBody>
-          <a:bodyPr>
-            <a:normAutofit/>
-          </a:bodyPr>
-          <a:lstStyle/>
-          <a:p>
-            <a:r>
-              <a:rPr lang="zh-CN" altLang="en-US" dirty="0"/>
-              <a:t>传感器</a:t>
-            </a:r>
-            <a:endParaRPr lang="en-US" altLang="zh-CN" dirty="0"/>
-          </a:p>
-          <a:p>
-            <a:r>
-              <a:rPr lang="zh-CN" altLang="en-US" dirty="0"/>
-              <a:t>显示</a:t>
-            </a:r>
-            <a:endParaRPr lang="en-US" altLang="zh-CN" dirty="0"/>
-          </a:p>
-          <a:p>
-            <a:pPr marL="914400" lvl="1" indent="-457200">
-              <a:buFont typeface="+mj-lt"/>
-              <a:buAutoNum type="arabicPeriod"/>
-            </a:pPr>
-            <a:r>
-              <a:rPr lang="zh-CN" altLang="en-US" dirty="0"/>
-              <a:t>串口</a:t>
-            </a:r>
-            <a:endParaRPr lang="en-US" altLang="zh-CN" dirty="0"/>
-          </a:p>
-          <a:p>
-            <a:pPr marL="914400" lvl="1" indent="-457200">
-              <a:buFont typeface="+mj-lt"/>
-              <a:buAutoNum type="arabicPeriod"/>
-            </a:pPr>
-            <a:r>
-              <a:rPr lang="en-US" altLang="zh-CN" dirty="0"/>
-              <a:t>LCD</a:t>
-            </a:r>
-          </a:p>
-          <a:p>
-            <a:pPr marL="914400" lvl="1" indent="-457200">
-              <a:buFont typeface="+mj-lt"/>
-              <a:buAutoNum type="arabicPeriod"/>
-            </a:pPr>
-            <a:r>
-              <a:rPr lang="zh-CN" altLang="en-US" dirty="0"/>
-              <a:t>数码管</a:t>
-            </a:r>
-            <a:endParaRPr lang="en-US" altLang="zh-CN" dirty="0"/>
-          </a:p>
-          <a:p>
-            <a:pPr marL="914400" lvl="1" indent="-457200">
-              <a:buFont typeface="+mj-lt"/>
-              <a:buAutoNum type="arabicPeriod"/>
-            </a:pPr>
-            <a:r>
-              <a:rPr lang="en-US" altLang="zh-CN" dirty="0" err="1"/>
-              <a:t>Adafurit</a:t>
-            </a:r>
-            <a:r>
-              <a:rPr lang="zh-CN" altLang="en-US" dirty="0"/>
-              <a:t>服务器</a:t>
-            </a:r>
-            <a:endParaRPr lang="en-US" altLang="zh-CN" dirty="0"/>
-          </a:p>
-          <a:p>
-            <a:r>
-              <a:rPr lang="zh-CN" altLang="en-US" dirty="0"/>
-              <a:t>设备控制</a:t>
-            </a:r>
-          </a:p>
-        </p:txBody>
-      </p:sp>
-    </p:spTree>
-    <p:extLst>
-      <p:ext uri="{BB962C8B-B14F-4D97-AF65-F5344CB8AC3E}">
-        <p14:creationId xmlns:p14="http://schemas.microsoft.com/office/powerpoint/2010/main" val="2427718812"/>
-      </p:ext>
-    </p:extLst>
-  </p:cSld>
-  <p:clrMapOvr>
-    <a:masterClrMapping/>
-  </p:clrMapOvr>
-  <mc:AlternateContent xmlns:mc="http://schemas.openxmlformats.org/markup-compatibility/2006" xmlns:p14="http://schemas.microsoft.com/office/powerpoint/2010/main">
-    <mc:Choice Requires="p14">
-      <p:transition spd="slow" p14:dur="1250">
-        <p:push dir="u"/>
-      </p:transition>
-    </mc:Choice>
-    <mc:Fallback xmlns="">
-      <p:transition spd="slow">
-        <p:push dir="u"/>
-      </p:transition>
-    </mc:Fallback>
-  </mc:AlternateContent>
-</p:sld>
-</file>
-
-<file path=ppt/slides/slide2.xml><?xml version="1.0" encoding="utf-8"?>
-<p:sld xmlns:a="http://schemas.openxmlformats.org/drawingml/2006/main" xmlns:r="http://schemas.openxmlformats.org/officeDocument/2006/relationships" xmlns:p="http://schemas.openxmlformats.org/presentationml/2006/main">
-  <p:cSld>
-    <p:spTree>
-      <p:nvGrpSpPr>
-        <p:cNvPr id="1" name=""/>
-        <p:cNvGrpSpPr/>
-        <p:nvPr/>
-      </p:nvGrpSpPr>
-      <p:grpSpPr>
-        <a:xfrm>
-          <a:off x="0" y="0"/>
-          <a:ext cx="0" cy="0"/>
-          <a:chOff x="0" y="0"/>
-          <a:chExt cx="0" cy="0"/>
-        </a:xfrm>
-      </p:grpSpPr>
-      <p:sp>
-        <p:nvSpPr>
-          <p:cNvPr id="2" name="标题 1">
-            <a:extLst>
-              <a:ext uri="{FF2B5EF4-FFF2-40B4-BE49-F238E27FC236}">
-                <a16:creationId xmlns:a16="http://schemas.microsoft.com/office/drawing/2014/main" id="{F7341776-13F7-4458-AB9D-07C2A8DEBAB4}"/>
-              </a:ext>
-            </a:extLst>
-          </p:cNvPr>
-          <p:cNvSpPr>
-            <a:spLocks noGrp="1"/>
-          </p:cNvSpPr>
-          <p:nvPr>
-            <p:ph type="title"/>
-          </p:nvPr>
-        </p:nvSpPr>
-        <p:spPr/>
-        <p:txBody>
-          <a:bodyPr/>
-          <a:lstStyle/>
-          <a:p>
-            <a:pPr algn="ctr"/>
-            <a:r>
-              <a:rPr lang="zh-CN" altLang="en-US" dirty="0"/>
-              <a:t>可燃气体传感器</a:t>
-            </a:r>
-          </a:p>
-        </p:txBody>
-      </p:sp>
-      <p:sp>
-        <p:nvSpPr>
-          <p:cNvPr id="3" name="内容占位符 2">
-            <a:extLst>
-              <a:ext uri="{FF2B5EF4-FFF2-40B4-BE49-F238E27FC236}">
-                <a16:creationId xmlns:a16="http://schemas.microsoft.com/office/drawing/2014/main" id="{E58AA8D9-78E5-4D34-9DAA-5727081F806A}"/>
-              </a:ext>
-            </a:extLst>
-          </p:cNvPr>
-          <p:cNvSpPr>
-            <a:spLocks noGrp="1"/>
-          </p:cNvSpPr>
-          <p:nvPr>
-            <p:ph idx="1"/>
-          </p:nvPr>
-        </p:nvSpPr>
-        <p:spPr/>
-        <p:txBody>
-          <a:bodyPr>
-            <a:normAutofit fontScale="92500"/>
-          </a:bodyPr>
-          <a:lstStyle/>
-          <a:p>
-            <a:r>
-              <a:rPr lang="en-US" altLang="zh-CN" dirty="0"/>
-              <a:t>mq-9</a:t>
-            </a:r>
-            <a:r>
-              <a:rPr lang="zh-CN" altLang="en-US" dirty="0"/>
-              <a:t>气体传感器所使用的气敏材料是在清洁空气中电导率较低的二氧化锡</a:t>
-            </a:r>
-            <a:r>
-              <a:rPr lang="en-US" altLang="zh-CN" dirty="0"/>
-              <a:t>(sno2)</a:t>
-            </a:r>
-            <a:r>
-              <a:rPr lang="zh-CN" altLang="en-US" dirty="0"/>
-              <a:t>。</a:t>
-            </a:r>
-            <a:endParaRPr lang="en-US" altLang="zh-CN" dirty="0"/>
-          </a:p>
-          <a:p>
-            <a:r>
-              <a:rPr lang="zh-CN" altLang="en-US" dirty="0"/>
-              <a:t>采用高低温循环检测方式低温（</a:t>
-            </a:r>
-            <a:r>
-              <a:rPr lang="en-US" altLang="zh-CN" dirty="0"/>
-              <a:t>1.5v</a:t>
-            </a:r>
-            <a:r>
-              <a:rPr lang="zh-CN" altLang="en-US" dirty="0"/>
-              <a:t>加热）检测一氧化碳，传感器的电导率随空气中一氧化碳气体浓度增加而增大，高温（</a:t>
-            </a:r>
-            <a:r>
-              <a:rPr lang="en-US" altLang="zh-CN" dirty="0"/>
-              <a:t>5.0v</a:t>
-            </a:r>
-            <a:r>
-              <a:rPr lang="zh-CN" altLang="en-US" dirty="0"/>
-              <a:t>加热）检测可燃气体甲烷、丙烷并清洗低温时吸附的杂散气体。使用简单的电路即可将电导率的变化，转换为与该气体浓度相对应的输出信号。 </a:t>
-            </a:r>
-            <a:endParaRPr lang="en-US" altLang="zh-CN" dirty="0"/>
-          </a:p>
-          <a:p>
-            <a:r>
-              <a:rPr lang="en-US" altLang="zh-CN" dirty="0"/>
-              <a:t>mq-9</a:t>
-            </a:r>
-            <a:r>
-              <a:rPr lang="zh-CN" altLang="en-US" dirty="0"/>
-              <a:t>气体传感器对一氧化碳、甲烷、液化气的灵敏度高，这种传感器可检测多种含一氧化碳及可燃性的气体，是一款适合多种应用的低成本传感器。</a:t>
-            </a:r>
-          </a:p>
-        </p:txBody>
-      </p:sp>
-    </p:spTree>
-    <p:extLst>
-      <p:ext uri="{BB962C8B-B14F-4D97-AF65-F5344CB8AC3E}">
-        <p14:creationId xmlns:p14="http://schemas.microsoft.com/office/powerpoint/2010/main" val="3113231915"/>
-      </p:ext>
-    </p:extLst>
-  </p:cSld>
-  <p:clrMapOvr>
-    <a:masterClrMapping/>
-  </p:clrMapOvr>
-  <mc:AlternateContent xmlns:mc="http://schemas.openxmlformats.org/markup-compatibility/2006" xmlns:p14="http://schemas.microsoft.com/office/powerpoint/2010/main">
-    <mc:Choice Requires="p14">
-      <p:transition spd="slow" p14:dur="1250">
-        <p:push dir="u"/>
-      </p:transition>
-    </mc:Choice>
-    <mc:Fallback xmlns="">
-      <p:transition spd="slow">
-        <p:push dir="u"/>
-      </p:transition>
-    </mc:Fallback>
-  </mc:AlternateContent>
-</p:sld>
-</file>
-
-<file path=ppt/slides/slide3.xml><?xml version="1.0" encoding="utf-8"?>
-<p:sld xmlns:a="http://schemas.openxmlformats.org/drawingml/2006/main" xmlns:r="http://schemas.openxmlformats.org/officeDocument/2006/relationships" xmlns:p="http://schemas.openxmlformats.org/presentationml/2006/main">
-  <p:cSld>
-    <p:spTree>
-      <p:nvGrpSpPr>
-        <p:cNvPr id="1" name=""/>
-        <p:cNvGrpSpPr/>
-        <p:nvPr/>
-      </p:nvGrpSpPr>
-      <p:grpSpPr>
-        <a:xfrm>
-          <a:off x="0" y="0"/>
-          <a:ext cx="0" cy="0"/>
-          <a:chOff x="0" y="0"/>
-          <a:chExt cx="0" cy="0"/>
-        </a:xfrm>
-      </p:grpSpPr>
-      <p:sp>
-        <p:nvSpPr>
-          <p:cNvPr id="2" name="标题 1">
-            <a:extLst>
-              <a:ext uri="{FF2B5EF4-FFF2-40B4-BE49-F238E27FC236}">
-                <a16:creationId xmlns:a16="http://schemas.microsoft.com/office/drawing/2014/main" id="{558464EC-8958-4E91-BDAE-CD88FB61B4A1}"/>
-              </a:ext>
-            </a:extLst>
-          </p:cNvPr>
-          <p:cNvSpPr>
-            <a:spLocks noGrp="1"/>
-          </p:cNvSpPr>
-          <p:nvPr>
-            <p:ph type="title"/>
-          </p:nvPr>
-        </p:nvSpPr>
-        <p:spPr/>
-        <p:txBody>
-          <a:bodyPr/>
-          <a:lstStyle/>
-          <a:p>
-            <a:pPr algn="ctr"/>
-            <a:r>
-              <a:rPr lang="en-US" altLang="zh-CN" dirty="0"/>
-              <a:t>mq-9</a:t>
-            </a:r>
-            <a:r>
-              <a:rPr lang="zh-CN" altLang="en-US" dirty="0"/>
-              <a:t>气体传感器</a:t>
-            </a:r>
-          </a:p>
-        </p:txBody>
-      </p:sp>
-      <p:pic>
-        <p:nvPicPr>
-          <p:cNvPr id="6" name="内容占位符 5">
-            <a:extLst>
-              <a:ext uri="{FF2B5EF4-FFF2-40B4-BE49-F238E27FC236}">
-                <a16:creationId xmlns:a16="http://schemas.microsoft.com/office/drawing/2014/main" id="{84901F5F-3CFF-4A65-9D0B-1D916AF8D48E}"/>
-              </a:ext>
-            </a:extLst>
-          </p:cNvPr>
-          <p:cNvPicPr>
-            <a:picLocks noGrp="1" noChangeAspect="1"/>
-          </p:cNvPicPr>
-          <p:nvPr>
-            <p:ph sz="half" idx="4294967295"/>
-          </p:nvPr>
-        </p:nvPicPr>
-        <p:blipFill>
-          <a:blip r:embed="rId2"/>
-          <a:stretch>
-            <a:fillRect/>
-          </a:stretch>
-        </p:blipFill>
-        <p:spPr>
-          <a:xfrm>
-            <a:off x="1933575" y="1982469"/>
-            <a:ext cx="5181600" cy="4281488"/>
-          </a:xfrm>
-          <a:prstGeom prst="rect">
-            <a:avLst/>
-          </a:prstGeom>
-        </p:spPr>
-      </p:pic>
-      <p:pic>
-        <p:nvPicPr>
-          <p:cNvPr id="5" name="内容占位符 4">
-            <a:extLst>
-              <a:ext uri="{FF2B5EF4-FFF2-40B4-BE49-F238E27FC236}">
-                <a16:creationId xmlns:a16="http://schemas.microsoft.com/office/drawing/2014/main" id="{2C63687B-1E3D-4E5A-B8CE-9B3E0396C1BA}"/>
-              </a:ext>
-            </a:extLst>
-          </p:cNvPr>
-          <p:cNvPicPr>
-            <a:picLocks noGrp="1" noChangeAspect="1"/>
-          </p:cNvPicPr>
-          <p:nvPr>
-            <p:ph sz="half" idx="4294967295"/>
-          </p:nvPr>
-        </p:nvPicPr>
-        <p:blipFill>
-          <a:blip r:embed="rId3"/>
-          <a:stretch>
-            <a:fillRect/>
-          </a:stretch>
-        </p:blipFill>
-        <p:spPr>
-          <a:xfrm>
-            <a:off x="7667626" y="2632551"/>
-            <a:ext cx="3914775" cy="2981325"/>
-          </a:xfrm>
-          <a:prstGeom prst="rect">
-            <a:avLst/>
-          </a:prstGeom>
-        </p:spPr>
-      </p:pic>
-    </p:spTree>
-    <p:extLst>
-      <p:ext uri="{BB962C8B-B14F-4D97-AF65-F5344CB8AC3E}">
-        <p14:creationId xmlns:p14="http://schemas.microsoft.com/office/powerpoint/2010/main" val="1794146833"/>
-      </p:ext>
-    </p:extLst>
-  </p:cSld>
-  <p:clrMapOvr>
-    <a:masterClrMapping/>
-  </p:clrMapOvr>
-  <mc:AlternateContent xmlns:mc="http://schemas.openxmlformats.org/markup-compatibility/2006" xmlns:p14="http://schemas.microsoft.com/office/powerpoint/2010/main">
-    <mc:Choice Requires="p14">
-      <p:transition spd="slow" p14:dur="1250">
-        <p:push dir="u"/>
-      </p:transition>
-    </mc:Choice>
-    <mc:Fallback xmlns="">
-      <p:transition spd="slow">
-        <p:push dir="u"/>
-      </p:transition>
-    </mc:Fallback>
-  </mc:AlternateContent>
-</p:sld>
-</file>
-
-<file path=ppt/slides/slide4.xml><?xml version="1.0" encoding="utf-8"?>
-<p:sld xmlns:a="http://schemas.openxmlformats.org/drawingml/2006/main" xmlns:r="http://schemas.openxmlformats.org/officeDocument/2006/relationships" xmlns:p="http://schemas.openxmlformats.org/presentationml/2006/main">
-  <p:cSld>
-    <p:spTree>
-      <p:nvGrpSpPr>
-        <p:cNvPr id="1" name=""/>
-        <p:cNvGrpSpPr/>
-        <p:nvPr/>
-      </p:nvGrpSpPr>
-      <p:grpSpPr>
-        <a:xfrm>
-          <a:off x="0" y="0"/>
-          <a:ext cx="0" cy="0"/>
-          <a:chOff x="0" y="0"/>
-          <a:chExt cx="0" cy="0"/>
-        </a:xfrm>
-      </p:grpSpPr>
-      <p:sp>
-        <p:nvSpPr>
-          <p:cNvPr id="2" name="标题 1">
-            <a:extLst>
-              <a:ext uri="{FF2B5EF4-FFF2-40B4-BE49-F238E27FC236}">
-                <a16:creationId xmlns:a16="http://schemas.microsoft.com/office/drawing/2014/main" id="{12F9F62A-C4D9-4EB9-9C7C-AAC816095787}"/>
-              </a:ext>
-            </a:extLst>
-          </p:cNvPr>
-          <p:cNvSpPr>
-            <a:spLocks noGrp="1"/>
-          </p:cNvSpPr>
-          <p:nvPr>
-            <p:ph type="title"/>
-          </p:nvPr>
-        </p:nvSpPr>
-        <p:spPr>
-          <a:xfrm>
-            <a:off x="1309512" y="457201"/>
-            <a:ext cx="10272889" cy="1420367"/>
-          </a:xfrm>
-        </p:spPr>
-        <p:txBody>
-          <a:bodyPr/>
-          <a:lstStyle/>
-          <a:p>
-            <a:pPr algn="ctr"/>
-            <a:r>
-              <a:rPr lang="zh-CN" altLang="en-US" dirty="0"/>
-              <a:t>实验</a:t>
-            </a:r>
-            <a:r>
-              <a:rPr lang="en-US" altLang="zh-CN" dirty="0"/>
-              <a:t>32</a:t>
-            </a:r>
-            <a:r>
-              <a:rPr lang="zh-CN" altLang="en-US" dirty="0"/>
-              <a:t>：可燃气传感器</a:t>
-            </a:r>
-          </a:p>
-        </p:txBody>
-      </p:sp>
-      <p:sp>
-        <p:nvSpPr>
-          <p:cNvPr id="3" name="内容占位符 2">
-            <a:extLst>
-              <a:ext uri="{FF2B5EF4-FFF2-40B4-BE49-F238E27FC236}">
-                <a16:creationId xmlns:a16="http://schemas.microsoft.com/office/drawing/2014/main" id="{3E5BC7F6-94C2-4775-ACAD-B47091AB755F}"/>
-              </a:ext>
-            </a:extLst>
-          </p:cNvPr>
-          <p:cNvSpPr>
-            <a:spLocks noGrp="1"/>
-          </p:cNvSpPr>
-          <p:nvPr>
-            <p:ph idx="1"/>
-          </p:nvPr>
-        </p:nvSpPr>
-        <p:spPr>
-          <a:xfrm>
-            <a:off x="1309512" y="1975103"/>
-            <a:ext cx="10272889" cy="4024713"/>
-          </a:xfrm>
-        </p:spPr>
-        <p:txBody>
-          <a:bodyPr>
-            <a:normAutofit fontScale="85000" lnSpcReduction="20000"/>
-          </a:bodyPr>
-          <a:lstStyle/>
-          <a:p>
-            <a:r>
-              <a:rPr lang="zh-CN" altLang="en-US" dirty="0"/>
-              <a:t>检测空气中可燃气浓度</a:t>
-            </a:r>
-            <a:endParaRPr lang="en-US" altLang="zh-CN" dirty="0"/>
-          </a:p>
-          <a:p>
-            <a:r>
-              <a:rPr lang="zh-CN" altLang="en-US" dirty="0"/>
-              <a:t>实验器材</a:t>
-            </a:r>
-            <a:endParaRPr lang="en-US" altLang="zh-CN" dirty="0"/>
-          </a:p>
-          <a:p>
-            <a:pPr marL="914400" lvl="1" indent="-457200">
-              <a:buFont typeface="+mj-lt"/>
-              <a:buAutoNum type="arabicPeriod"/>
-            </a:pPr>
-            <a:r>
-              <a:rPr lang="en-US" altLang="zh-CN" dirty="0" err="1"/>
-              <a:t>NodeMCU</a:t>
-            </a:r>
-            <a:r>
-              <a:rPr lang="zh-CN" altLang="en-US" dirty="0"/>
-              <a:t>开发板</a:t>
-            </a:r>
-            <a:endParaRPr lang="en-US" altLang="zh-CN" dirty="0"/>
-          </a:p>
-          <a:p>
-            <a:pPr marL="914400" lvl="1" indent="-457200">
-              <a:buFont typeface="+mj-lt"/>
-              <a:buAutoNum type="arabicPeriod"/>
-            </a:pPr>
-            <a:r>
-              <a:rPr lang="en-US" altLang="zh-CN" dirty="0"/>
-              <a:t>USB</a:t>
-            </a:r>
-            <a:r>
-              <a:rPr lang="zh-CN" altLang="en-US" dirty="0"/>
-              <a:t>数据线</a:t>
-            </a:r>
-            <a:endParaRPr lang="en-US" altLang="zh-CN" dirty="0"/>
-          </a:p>
-          <a:p>
-            <a:pPr marL="914400" lvl="1" indent="-457200">
-              <a:buFont typeface="+mj-lt"/>
-              <a:buAutoNum type="arabicPeriod"/>
-            </a:pPr>
-            <a:r>
-              <a:rPr lang="zh-CN" altLang="en-US" dirty="0"/>
-              <a:t>面包板及跳线</a:t>
-            </a:r>
-            <a:endParaRPr lang="en-US" altLang="zh-CN" dirty="0"/>
-          </a:p>
-          <a:p>
-            <a:pPr marL="914400" lvl="1" indent="-457200">
-              <a:buFont typeface="+mj-lt"/>
-              <a:buAutoNum type="arabicPeriod"/>
-            </a:pPr>
-            <a:r>
-              <a:rPr lang="en-US" altLang="zh-CN" dirty="0"/>
-              <a:t>MQ-9</a:t>
-            </a:r>
-            <a:r>
-              <a:rPr lang="zh-CN" altLang="en-US" dirty="0"/>
-              <a:t>可燃气传感器</a:t>
-            </a:r>
-            <a:r>
-              <a:rPr lang="en-US" altLang="zh-CN" dirty="0"/>
-              <a:t>1</a:t>
-            </a:r>
-            <a:r>
-              <a:rPr lang="zh-CN" altLang="en-US" dirty="0"/>
-              <a:t>块</a:t>
-            </a:r>
-            <a:endParaRPr lang="en-US" altLang="zh-CN" dirty="0"/>
-          </a:p>
-          <a:p>
-            <a:r>
-              <a:rPr lang="zh-CN" altLang="en-US" dirty="0"/>
-              <a:t>接线</a:t>
-            </a:r>
-            <a:endParaRPr lang="en-US" altLang="zh-CN" dirty="0"/>
-          </a:p>
-          <a:p>
-            <a:pPr lvl="1"/>
-            <a:r>
-              <a:rPr lang="en-US" altLang="zh-CN" dirty="0"/>
-              <a:t>VCC  </a:t>
-            </a:r>
-            <a:r>
-              <a:rPr lang="zh-CN" altLang="en-US" dirty="0"/>
-              <a:t>接</a:t>
-            </a:r>
-            <a:r>
-              <a:rPr lang="en-US" altLang="zh-CN" dirty="0"/>
-              <a:t>3.3V</a:t>
-            </a:r>
-            <a:r>
-              <a:rPr lang="zh-CN" altLang="en-US" dirty="0"/>
-              <a:t>（实际上要求</a:t>
-            </a:r>
-            <a:r>
-              <a:rPr lang="en-US" altLang="zh-CN" dirty="0"/>
-              <a:t>+5V</a:t>
-            </a:r>
-            <a:r>
-              <a:rPr lang="zh-CN" altLang="en-US" dirty="0"/>
-              <a:t>，但为了练习</a:t>
-            </a:r>
-            <a:r>
-              <a:rPr lang="en-US" altLang="zh-CN" dirty="0" err="1"/>
-              <a:t>NodeMCU</a:t>
-            </a:r>
-            <a:r>
-              <a:rPr lang="zh-CN" altLang="en-US" dirty="0"/>
-              <a:t>选择</a:t>
-            </a:r>
-            <a:r>
-              <a:rPr lang="en-US" altLang="zh-CN" dirty="0"/>
-              <a:t>3.3V</a:t>
-            </a:r>
-            <a:r>
-              <a:rPr lang="zh-CN" altLang="en-US" dirty="0"/>
-              <a:t>）</a:t>
-            </a:r>
-            <a:endParaRPr lang="en-US" altLang="zh-CN" dirty="0"/>
-          </a:p>
-          <a:p>
-            <a:pPr lvl="1"/>
-            <a:r>
-              <a:rPr lang="en-US" altLang="zh-CN" dirty="0"/>
-              <a:t>GND </a:t>
-            </a:r>
-            <a:r>
-              <a:rPr lang="zh-CN" altLang="en-US" dirty="0"/>
-              <a:t>接地</a:t>
-            </a:r>
-            <a:endParaRPr lang="en-US" altLang="zh-CN" dirty="0"/>
-          </a:p>
-          <a:p>
-            <a:pPr lvl="1"/>
-            <a:r>
-              <a:rPr lang="en-US" altLang="zh-CN" dirty="0"/>
-              <a:t>DO    </a:t>
-            </a:r>
-            <a:r>
-              <a:rPr lang="zh-CN" altLang="en-US" dirty="0"/>
-              <a:t>悬空</a:t>
-            </a:r>
-            <a:endParaRPr lang="en-US" altLang="zh-CN" dirty="0"/>
-          </a:p>
-          <a:p>
-            <a:pPr lvl="1"/>
-            <a:r>
-              <a:rPr lang="en-US" altLang="zh-CN" dirty="0"/>
-              <a:t>AO    </a:t>
-            </a:r>
-            <a:r>
-              <a:rPr lang="zh-CN" altLang="en-US" dirty="0"/>
-              <a:t>接</a:t>
-            </a:r>
-            <a:r>
-              <a:rPr lang="en-US" altLang="zh-CN" dirty="0"/>
-              <a:t>A0</a:t>
-            </a:r>
-          </a:p>
-        </p:txBody>
-      </p:sp>
-    </p:spTree>
-    <p:extLst>
-      <p:ext uri="{BB962C8B-B14F-4D97-AF65-F5344CB8AC3E}">
-        <p14:creationId xmlns:p14="http://schemas.microsoft.com/office/powerpoint/2010/main" val="353001785"/>
-      </p:ext>
-    </p:extLst>
-  </p:cSld>
-  <p:clrMapOvr>
-    <a:masterClrMapping/>
-  </p:clrMapOvr>
-  <mc:AlternateContent xmlns:mc="http://schemas.openxmlformats.org/markup-compatibility/2006" xmlns:p14="http://schemas.microsoft.com/office/powerpoint/2010/main">
-    <mc:Choice Requires="p14">
-      <p:transition spd="slow" p14:dur="1250">
-        <p:push dir="u"/>
-      </p:transition>
-    </mc:Choice>
-    <mc:Fallback xmlns="">
-      <p:transition spd="slow">
-        <p:push dir="u"/>
-      </p:transition>
-    </mc:Fallback>
-  </mc:AlternateContent>
-</p:sld>
-</file>
-
-<file path=ppt/slides/slide5.xml><?xml version="1.0" encoding="utf-8"?>
-<p:sld xmlns:a="http://schemas.openxmlformats.org/drawingml/2006/main" xmlns:r="http://schemas.openxmlformats.org/officeDocument/2006/relationships" xmlns:p="http://schemas.openxmlformats.org/presentationml/2006/main">
-  <p:cSld>
-    <p:spTree>
-      <p:nvGrpSpPr>
-        <p:cNvPr id="1" name=""/>
-        <p:cNvGrpSpPr/>
-        <p:nvPr/>
-      </p:nvGrpSpPr>
-      <p:grpSpPr>
-        <a:xfrm>
-          <a:off x="0" y="0"/>
-          <a:ext cx="0" cy="0"/>
-          <a:chOff x="0" y="0"/>
-          <a:chExt cx="0" cy="0"/>
-        </a:xfrm>
-      </p:grpSpPr>
-      <p:sp>
-        <p:nvSpPr>
-          <p:cNvPr id="2" name="标题 1">
-            <a:extLst>
-              <a:ext uri="{FF2B5EF4-FFF2-40B4-BE49-F238E27FC236}">
                 <a16:creationId xmlns:a16="http://schemas.microsoft.com/office/drawing/2014/main" id="{2F648930-6064-40C1-ABDF-8E5042B4F242}"/>
               </a:ext>
             </a:extLst>
@@ -8562,7 +6791,7 @@
 </p:sld>
 </file>
 
-<file path=ppt/slides/slide6.xml><?xml version="1.0" encoding="utf-8"?>
+<file path=ppt/slides/slide11.xml><?xml version="1.0" encoding="utf-8"?>
 <p:sld xmlns:a="http://schemas.openxmlformats.org/drawingml/2006/main" xmlns:r="http://schemas.openxmlformats.org/officeDocument/2006/relationships" xmlns:p="http://schemas.openxmlformats.org/presentationml/2006/main">
   <p:cSld>
     <p:spTree>
@@ -8954,7 +7183,7 @@
 </p:sld>
 </file>
 
-<file path=ppt/slides/slide7.xml><?xml version="1.0" encoding="utf-8"?>
+<file path=ppt/slides/slide12.xml><?xml version="1.0" encoding="utf-8"?>
 <p:sld xmlns:a="http://schemas.openxmlformats.org/drawingml/2006/main" xmlns:r="http://schemas.openxmlformats.org/officeDocument/2006/relationships" xmlns:p="http://schemas.openxmlformats.org/presentationml/2006/main">
   <p:cSld>
     <p:spTree>
@@ -9061,7 +7290,7 @@
 </p:sld>
 </file>
 
-<file path=ppt/slides/slide8.xml><?xml version="1.0" encoding="utf-8"?>
+<file path=ppt/slides/slide13.xml><?xml version="1.0" encoding="utf-8"?>
 <p:sld xmlns:a="http://schemas.openxmlformats.org/drawingml/2006/main" xmlns:r="http://schemas.openxmlformats.org/officeDocument/2006/relationships" xmlns:p="http://schemas.openxmlformats.org/presentationml/2006/main">
   <p:cSld>
     <p:spTree>
@@ -9295,7 +7524,7 @@
 </p:sld>
 </file>
 
-<file path=ppt/slides/slide9.xml><?xml version="1.0" encoding="utf-8"?>
+<file path=ppt/slides/slide14.xml><?xml version="1.0" encoding="utf-8"?>
 <p:sld xmlns:a="http://schemas.openxmlformats.org/drawingml/2006/main" xmlns:r="http://schemas.openxmlformats.org/officeDocument/2006/relationships" xmlns:p="http://schemas.openxmlformats.org/presentationml/2006/main">
   <p:cSld>
     <p:spTree>
@@ -10871,6 +9100,2679 @@
 </p:sld>
 </file>
 
+<file path=ppt/slides/slide15.xml><?xml version="1.0" encoding="utf-8"?>
+<p:sld xmlns:a="http://schemas.openxmlformats.org/drawingml/2006/main" xmlns:r="http://schemas.openxmlformats.org/officeDocument/2006/relationships" xmlns:p="http://schemas.openxmlformats.org/presentationml/2006/main">
+  <p:cSld>
+    <p:spTree>
+      <p:nvGrpSpPr>
+        <p:cNvPr id="1" name=""/>
+        <p:cNvGrpSpPr/>
+        <p:nvPr/>
+      </p:nvGrpSpPr>
+      <p:grpSpPr>
+        <a:xfrm>
+          <a:off x="0" y="0"/>
+          <a:ext cx="0" cy="0"/>
+          <a:chOff x="0" y="0"/>
+          <a:chExt cx="0" cy="0"/>
+        </a:xfrm>
+      </p:grpSpPr>
+      <p:sp>
+        <p:nvSpPr>
+          <p:cNvPr id="2" name="标题 1">
+            <a:extLst>
+              <a:ext uri="{FF2B5EF4-FFF2-40B4-BE49-F238E27FC236}">
+                <a16:creationId xmlns:a16="http://schemas.microsoft.com/office/drawing/2014/main" id="{B977DA56-CFC4-4559-848F-9B7E9C418AA9}"/>
+              </a:ext>
+            </a:extLst>
+          </p:cNvPr>
+          <p:cNvSpPr>
+            <a:spLocks noGrp="1"/>
+          </p:cNvSpPr>
+          <p:nvPr>
+            <p:ph type="title"/>
+          </p:nvPr>
+        </p:nvSpPr>
+        <p:spPr/>
+        <p:txBody>
+          <a:bodyPr>
+            <a:normAutofit/>
+          </a:bodyPr>
+          <a:lstStyle/>
+          <a:p>
+            <a:r>
+              <a:rPr lang="en-US" altLang="zh-CN" sz="2800" dirty="0"/>
+              <a:t>Uno</a:t>
+            </a:r>
+            <a:r>
+              <a:rPr lang="zh-CN" altLang="en-US" sz="2800" dirty="0"/>
+              <a:t>实物图</a:t>
+            </a:r>
+          </a:p>
+        </p:txBody>
+      </p:sp>
+      <p:pic>
+        <p:nvPicPr>
+          <p:cNvPr id="4" name="内容占位符 3">
+            <a:extLst>
+              <a:ext uri="{FF2B5EF4-FFF2-40B4-BE49-F238E27FC236}">
+                <a16:creationId xmlns:a16="http://schemas.microsoft.com/office/drawing/2014/main" id="{94694A54-05FE-4299-A97E-FF6E2E0D2B45}"/>
+              </a:ext>
+            </a:extLst>
+          </p:cNvPr>
+          <p:cNvPicPr>
+            <a:picLocks noGrp="1" noChangeAspect="1"/>
+          </p:cNvPicPr>
+          <p:nvPr>
+            <p:ph idx="4294967295"/>
+          </p:nvPr>
+        </p:nvPicPr>
+        <p:blipFill>
+          <a:blip r:embed="rId2"/>
+          <a:stretch>
+            <a:fillRect/>
+          </a:stretch>
+        </p:blipFill>
+        <p:spPr>
+          <a:xfrm>
+            <a:off x="3505906" y="2049461"/>
+            <a:ext cx="5880100" cy="4351338"/>
+          </a:xfrm>
+          <a:prstGeom prst="rect">
+            <a:avLst/>
+          </a:prstGeom>
+        </p:spPr>
+      </p:pic>
+    </p:spTree>
+    <p:extLst>
+      <p:ext uri="{BB962C8B-B14F-4D97-AF65-F5344CB8AC3E}">
+        <p14:creationId xmlns:p14="http://schemas.microsoft.com/office/powerpoint/2010/main" val="1893680607"/>
+      </p:ext>
+    </p:extLst>
+  </p:cSld>
+  <p:clrMapOvr>
+    <a:masterClrMapping/>
+  </p:clrMapOvr>
+  <mc:AlternateContent xmlns:mc="http://schemas.openxmlformats.org/markup-compatibility/2006" xmlns:p14="http://schemas.microsoft.com/office/powerpoint/2010/main">
+    <mc:Choice Requires="p14">
+      <p:transition spd="slow" p14:dur="1250">
+        <p:push dir="u"/>
+      </p:transition>
+    </mc:Choice>
+    <mc:Fallback xmlns="">
+      <p:transition spd="slow">
+        <p:push dir="u"/>
+      </p:transition>
+    </mc:Fallback>
+  </mc:AlternateContent>
+</p:sld>
+</file>
+
+<file path=ppt/slides/slide16.xml><?xml version="1.0" encoding="utf-8"?>
+<p:sld xmlns:a="http://schemas.openxmlformats.org/drawingml/2006/main" xmlns:r="http://schemas.openxmlformats.org/officeDocument/2006/relationships" xmlns:p="http://schemas.openxmlformats.org/presentationml/2006/main">
+  <p:cSld>
+    <p:spTree>
+      <p:nvGrpSpPr>
+        <p:cNvPr id="1" name=""/>
+        <p:cNvGrpSpPr/>
+        <p:nvPr/>
+      </p:nvGrpSpPr>
+      <p:grpSpPr>
+        <a:xfrm>
+          <a:off x="0" y="0"/>
+          <a:ext cx="0" cy="0"/>
+          <a:chOff x="0" y="0"/>
+          <a:chExt cx="0" cy="0"/>
+        </a:xfrm>
+      </p:grpSpPr>
+      <p:pic>
+        <p:nvPicPr>
+          <p:cNvPr id="4" name="图片 3">
+            <a:extLst>
+              <a:ext uri="{FF2B5EF4-FFF2-40B4-BE49-F238E27FC236}">
+                <a16:creationId xmlns:a16="http://schemas.microsoft.com/office/drawing/2014/main" id="{6D0361DD-9AAC-458D-8B97-0F4EF64B3957}"/>
+              </a:ext>
+            </a:extLst>
+          </p:cNvPr>
+          <p:cNvPicPr>
+            <a:picLocks noChangeAspect="1"/>
+          </p:cNvPicPr>
+          <p:nvPr/>
+        </p:nvPicPr>
+        <p:blipFill>
+          <a:blip r:embed="rId2"/>
+          <a:stretch>
+            <a:fillRect/>
+          </a:stretch>
+        </p:blipFill>
+        <p:spPr>
+          <a:xfrm>
+            <a:off x="2157412" y="581025"/>
+            <a:ext cx="7877175" cy="5695950"/>
+          </a:xfrm>
+          <a:prstGeom prst="rect">
+            <a:avLst/>
+          </a:prstGeom>
+        </p:spPr>
+      </p:pic>
+    </p:spTree>
+    <p:extLst>
+      <p:ext uri="{BB962C8B-B14F-4D97-AF65-F5344CB8AC3E}">
+        <p14:creationId xmlns:p14="http://schemas.microsoft.com/office/powerpoint/2010/main" val="3914767746"/>
+      </p:ext>
+    </p:extLst>
+  </p:cSld>
+  <p:clrMapOvr>
+    <a:masterClrMapping/>
+  </p:clrMapOvr>
+  <mc:AlternateContent xmlns:mc="http://schemas.openxmlformats.org/markup-compatibility/2006" xmlns:p14="http://schemas.microsoft.com/office/powerpoint/2010/main">
+    <mc:Choice Requires="p14">
+      <p:transition spd="slow" p14:dur="1250">
+        <p:push dir="u"/>
+      </p:transition>
+    </mc:Choice>
+    <mc:Fallback xmlns="">
+      <p:transition spd="slow">
+        <p:push dir="u"/>
+      </p:transition>
+    </mc:Fallback>
+  </mc:AlternateContent>
+</p:sld>
+</file>
+
+<file path=ppt/slides/slide17.xml><?xml version="1.0" encoding="utf-8"?>
+<p:sld xmlns:a="http://schemas.openxmlformats.org/drawingml/2006/main" xmlns:r="http://schemas.openxmlformats.org/officeDocument/2006/relationships" xmlns:p="http://schemas.openxmlformats.org/presentationml/2006/main">
+  <p:cSld>
+    <p:spTree>
+      <p:nvGrpSpPr>
+        <p:cNvPr id="1" name=""/>
+        <p:cNvGrpSpPr/>
+        <p:nvPr/>
+      </p:nvGrpSpPr>
+      <p:grpSpPr>
+        <a:xfrm>
+          <a:off x="0" y="0"/>
+          <a:ext cx="0" cy="0"/>
+          <a:chOff x="0" y="0"/>
+          <a:chExt cx="0" cy="0"/>
+        </a:xfrm>
+      </p:grpSpPr>
+      <p:sp>
+        <p:nvSpPr>
+          <p:cNvPr id="2" name="标题 1">
+            <a:extLst>
+              <a:ext uri="{FF2B5EF4-FFF2-40B4-BE49-F238E27FC236}">
+                <a16:creationId xmlns:a16="http://schemas.microsoft.com/office/drawing/2014/main" id="{B0AA396A-1020-45DF-A8F4-1BC6D55D72DA}"/>
+              </a:ext>
+            </a:extLst>
+          </p:cNvPr>
+          <p:cNvSpPr>
+            <a:spLocks noGrp="1"/>
+          </p:cNvSpPr>
+          <p:nvPr>
+            <p:ph type="title"/>
+          </p:nvPr>
+        </p:nvSpPr>
+        <p:spPr/>
+        <p:txBody>
+          <a:bodyPr/>
+          <a:lstStyle/>
+          <a:p>
+            <a:pPr algn="ctr"/>
+            <a:r>
+              <a:rPr lang="en-US" altLang="zh-CN" dirty="0"/>
+              <a:t>YL-69</a:t>
+            </a:r>
+            <a:r>
+              <a:rPr lang="zh-CN" altLang="en-US" dirty="0"/>
+              <a:t>土壤湿度传感器</a:t>
+            </a:r>
+          </a:p>
+        </p:txBody>
+      </p:sp>
+      <p:sp>
+        <p:nvSpPr>
+          <p:cNvPr id="3" name="内容占位符 2">
+            <a:extLst>
+              <a:ext uri="{FF2B5EF4-FFF2-40B4-BE49-F238E27FC236}">
+                <a16:creationId xmlns:a16="http://schemas.microsoft.com/office/drawing/2014/main" id="{2C81F5B5-E6E7-42BE-8A96-8381DC4E0960}"/>
+              </a:ext>
+            </a:extLst>
+          </p:cNvPr>
+          <p:cNvSpPr>
+            <a:spLocks noGrp="1"/>
+          </p:cNvSpPr>
+          <p:nvPr>
+            <p:ph idx="1"/>
+          </p:nvPr>
+        </p:nvSpPr>
+        <p:spPr/>
+        <p:txBody>
+          <a:bodyPr/>
+          <a:lstStyle/>
+          <a:p>
+            <a:r>
+              <a:rPr lang="zh-CN" altLang="en-US" dirty="0"/>
+              <a:t>土壤湿度传感器又名土壤水分传感器，土壤含水量传感器。</a:t>
+            </a:r>
+            <a:endParaRPr lang="en-US" altLang="zh-CN" dirty="0"/>
+          </a:p>
+          <a:p>
+            <a:r>
+              <a:rPr lang="zh-CN" altLang="en-US" dirty="0"/>
+              <a:t>土壤水分传感器由不锈钢探针和防水探头构成，可长期埋设于土壤和堤坝内使用，对表层和深层土壤进行墒情的定点监测和在线测量。</a:t>
+            </a:r>
+            <a:endParaRPr lang="en-US" altLang="zh-CN" dirty="0"/>
+          </a:p>
+          <a:p>
+            <a:r>
+              <a:rPr lang="zh-CN" altLang="en-US" dirty="0"/>
+              <a:t>与数据采集器配合使用，可作为水分定点监测或移动测量的工具测量土壤容积含水量，主要用于土壤墒情检测以及农业灌溉和林业防护。</a:t>
+            </a:r>
+          </a:p>
+        </p:txBody>
+      </p:sp>
+    </p:spTree>
+    <p:extLst>
+      <p:ext uri="{BB962C8B-B14F-4D97-AF65-F5344CB8AC3E}">
+        <p14:creationId xmlns:p14="http://schemas.microsoft.com/office/powerpoint/2010/main" val="499567068"/>
+      </p:ext>
+    </p:extLst>
+  </p:cSld>
+  <p:clrMapOvr>
+    <a:masterClrMapping/>
+  </p:clrMapOvr>
+  <mc:AlternateContent xmlns:mc="http://schemas.openxmlformats.org/markup-compatibility/2006" xmlns:p14="http://schemas.microsoft.com/office/powerpoint/2010/main">
+    <mc:Choice Requires="p14">
+      <p:transition spd="slow" p14:dur="1250">
+        <p:push dir="u"/>
+      </p:transition>
+    </mc:Choice>
+    <mc:Fallback xmlns="">
+      <p:transition spd="slow">
+        <p:push dir="u"/>
+      </p:transition>
+    </mc:Fallback>
+  </mc:AlternateContent>
+</p:sld>
+</file>
+
+<file path=ppt/slides/slide18.xml><?xml version="1.0" encoding="utf-8"?>
+<p:sld xmlns:a="http://schemas.openxmlformats.org/drawingml/2006/main" xmlns:r="http://schemas.openxmlformats.org/officeDocument/2006/relationships" xmlns:p="http://schemas.openxmlformats.org/presentationml/2006/main">
+  <p:cSld>
+    <p:spTree>
+      <p:nvGrpSpPr>
+        <p:cNvPr id="1" name=""/>
+        <p:cNvGrpSpPr/>
+        <p:nvPr/>
+      </p:nvGrpSpPr>
+      <p:grpSpPr>
+        <a:xfrm>
+          <a:off x="0" y="0"/>
+          <a:ext cx="0" cy="0"/>
+          <a:chOff x="0" y="0"/>
+          <a:chExt cx="0" cy="0"/>
+        </a:xfrm>
+      </p:grpSpPr>
+      <p:sp>
+        <p:nvSpPr>
+          <p:cNvPr id="3" name="内容占位符 2">
+            <a:extLst>
+              <a:ext uri="{FF2B5EF4-FFF2-40B4-BE49-F238E27FC236}">
+                <a16:creationId xmlns:a16="http://schemas.microsoft.com/office/drawing/2014/main" id="{0AAADFB9-9448-46F1-865F-5C7A4ADDE545}"/>
+              </a:ext>
+            </a:extLst>
+          </p:cNvPr>
+          <p:cNvSpPr>
+            <a:spLocks noGrp="1"/>
+          </p:cNvSpPr>
+          <p:nvPr>
+            <p:ph idx="4294967295"/>
+          </p:nvPr>
+        </p:nvSpPr>
+        <p:spPr>
+          <a:xfrm>
+            <a:off x="1170432" y="1253330"/>
+            <a:ext cx="10183368" cy="4623213"/>
+          </a:xfrm>
+        </p:spPr>
+        <p:txBody>
+          <a:bodyPr>
+            <a:normAutofit/>
+          </a:bodyPr>
+          <a:lstStyle/>
+          <a:p>
+            <a:r>
+              <a:rPr lang="zh-CN" altLang="en-US" sz="2000" dirty="0"/>
+              <a:t>电源：</a:t>
+            </a:r>
+            <a:r>
+              <a:rPr lang="en-US" altLang="zh-CN" sz="2000" dirty="0"/>
+              <a:t>3.3V~5V</a:t>
+            </a:r>
+          </a:p>
+          <a:p>
+            <a:r>
+              <a:rPr lang="zh-CN" altLang="en-US" sz="2000" dirty="0"/>
+              <a:t>获取湿度信息的方式（</a:t>
+            </a:r>
+            <a:r>
+              <a:rPr lang="en-US" altLang="zh-CN" sz="2000" dirty="0"/>
+              <a:t>2</a:t>
+            </a:r>
+            <a:r>
+              <a:rPr lang="zh-CN" altLang="en-US" sz="2000" dirty="0"/>
+              <a:t>种可同时使用）：</a:t>
+            </a:r>
+          </a:p>
+          <a:p>
+            <a:pPr lvl="1"/>
+            <a:r>
+              <a:rPr lang="zh-CN" altLang="en-US" sz="2000" dirty="0"/>
+              <a:t>从传感器的</a:t>
+            </a:r>
+            <a:r>
+              <a:rPr lang="en-US" altLang="zh-CN" sz="2000" dirty="0"/>
+              <a:t>D0</a:t>
+            </a:r>
+            <a:r>
+              <a:rPr lang="zh-CN" altLang="en-US" sz="2000" dirty="0"/>
+              <a:t>引脚：土壤湿度大于某个阈值，则</a:t>
+            </a:r>
+            <a:r>
+              <a:rPr lang="en-US" altLang="zh-CN" sz="2000" dirty="0"/>
+              <a:t>D0</a:t>
+            </a:r>
+            <a:r>
+              <a:rPr lang="zh-CN" altLang="en-US" sz="2000" dirty="0"/>
+              <a:t>输出</a:t>
+            </a:r>
+            <a:r>
+              <a:rPr lang="en-US" altLang="zh-CN" sz="2000" dirty="0"/>
+              <a:t>0</a:t>
+            </a:r>
+            <a:r>
+              <a:rPr lang="zh-CN" altLang="en-US" sz="2000" dirty="0"/>
+              <a:t>，否则输出</a:t>
+            </a:r>
+            <a:r>
+              <a:rPr lang="en-US" altLang="zh-CN" sz="2000" dirty="0"/>
+              <a:t>1</a:t>
+            </a:r>
+            <a:r>
+              <a:rPr lang="zh-CN" altLang="en-US" sz="2000" dirty="0"/>
+              <a:t>。（多用于湿度阀值控制开关）。</a:t>
+            </a:r>
+          </a:p>
+          <a:p>
+            <a:pPr lvl="1"/>
+            <a:r>
+              <a:rPr lang="zh-CN" altLang="en-US" sz="2000" dirty="0"/>
+              <a:t>从传感器的</a:t>
+            </a:r>
+            <a:r>
+              <a:rPr lang="en-US" altLang="zh-CN" sz="2000" dirty="0"/>
+              <a:t>A0</a:t>
+            </a:r>
+            <a:r>
+              <a:rPr lang="zh-CN" altLang="en-US" sz="2000" dirty="0"/>
+              <a:t>引脚：获取到模拟量，更加精确。土壤湿度越大，获取的模拟量值越大。（多用于显示实时湿度值）。</a:t>
+            </a:r>
+            <a:endParaRPr lang="en-US" altLang="zh-CN" sz="2000" dirty="0"/>
+          </a:p>
+          <a:p>
+            <a:pPr lvl="1"/>
+            <a:r>
+              <a:rPr lang="zh-CN" altLang="en-US" sz="2000" dirty="0"/>
+              <a:t>传感器板上的</a:t>
+            </a:r>
+            <a:r>
+              <a:rPr lang="en-US" altLang="zh-CN" sz="2000" dirty="0"/>
+              <a:t>VCC</a:t>
+            </a:r>
+            <a:r>
+              <a:rPr lang="zh-CN" altLang="en-US" sz="2000" dirty="0"/>
+              <a:t>接电源，</a:t>
+            </a:r>
+            <a:r>
+              <a:rPr lang="en-US" altLang="zh-CN" sz="2000" dirty="0"/>
+              <a:t>GND</a:t>
+            </a:r>
+            <a:r>
+              <a:rPr lang="zh-CN" altLang="en-US" sz="2000" dirty="0"/>
+              <a:t>接地，</a:t>
+            </a:r>
+            <a:r>
+              <a:rPr lang="en-US" altLang="zh-CN" sz="2000" dirty="0"/>
+              <a:t>A0</a:t>
+            </a:r>
+            <a:r>
+              <a:rPr lang="zh-CN" altLang="en-US" sz="2000" dirty="0"/>
+              <a:t>接单片机模拟输入，</a:t>
+            </a:r>
+            <a:r>
+              <a:rPr lang="en-US" altLang="zh-CN" sz="2000" dirty="0"/>
+              <a:t>D0</a:t>
+            </a:r>
+            <a:r>
+              <a:rPr lang="zh-CN" altLang="en-US" sz="2000" dirty="0"/>
+              <a:t>接数据输入。</a:t>
+            </a:r>
+            <a:endParaRPr lang="en-US" altLang="zh-CN" sz="2000" dirty="0"/>
+          </a:p>
+          <a:p>
+            <a:r>
+              <a:rPr lang="zh-CN" altLang="en-US" sz="2000" dirty="0"/>
+              <a:t>可通过电位器调节土壤湿度的阀值，顺时针调节，控制的湿度会越大，逆时针越小；湿度低于设定值时，</a:t>
+            </a:r>
+            <a:r>
+              <a:rPr lang="en-US" altLang="zh-CN" sz="2000" dirty="0"/>
+              <a:t>DO</a:t>
+            </a:r>
+            <a:r>
+              <a:rPr lang="zh-CN" altLang="en-US" sz="2000" dirty="0"/>
+              <a:t>输出高电平，模块提示灯亮；湿度高于设定值时，</a:t>
+            </a:r>
+            <a:r>
+              <a:rPr lang="en-US" altLang="zh-CN" sz="2000" dirty="0"/>
+              <a:t>DO</a:t>
+            </a:r>
+            <a:r>
+              <a:rPr lang="zh-CN" altLang="en-US" sz="2000" dirty="0"/>
+              <a:t>输出低电平，模块提示灯灭。</a:t>
+            </a:r>
+            <a:endParaRPr lang="en-US" altLang="zh-CN" sz="2000" dirty="0"/>
+          </a:p>
+        </p:txBody>
+      </p:sp>
+    </p:spTree>
+    <p:extLst>
+      <p:ext uri="{BB962C8B-B14F-4D97-AF65-F5344CB8AC3E}">
+        <p14:creationId xmlns:p14="http://schemas.microsoft.com/office/powerpoint/2010/main" val="205031659"/>
+      </p:ext>
+    </p:extLst>
+  </p:cSld>
+  <p:clrMapOvr>
+    <a:masterClrMapping/>
+  </p:clrMapOvr>
+  <mc:AlternateContent xmlns:mc="http://schemas.openxmlformats.org/markup-compatibility/2006" xmlns:p14="http://schemas.microsoft.com/office/powerpoint/2010/main">
+    <mc:Choice Requires="p14">
+      <p:transition spd="slow" p14:dur="1250">
+        <p:push dir="u"/>
+      </p:transition>
+    </mc:Choice>
+    <mc:Fallback xmlns="">
+      <p:transition spd="slow">
+        <p:push dir="u"/>
+      </p:transition>
+    </mc:Fallback>
+  </mc:AlternateContent>
+</p:sld>
+</file>
+
+<file path=ppt/slides/slide19.xml><?xml version="1.0" encoding="utf-8"?>
+<p:sld xmlns:a="http://schemas.openxmlformats.org/drawingml/2006/main" xmlns:r="http://schemas.openxmlformats.org/officeDocument/2006/relationships" xmlns:p="http://schemas.openxmlformats.org/presentationml/2006/main">
+  <p:cSld>
+    <p:spTree>
+      <p:nvGrpSpPr>
+        <p:cNvPr id="1" name=""/>
+        <p:cNvGrpSpPr/>
+        <p:nvPr/>
+      </p:nvGrpSpPr>
+      <p:grpSpPr>
+        <a:xfrm>
+          <a:off x="0" y="0"/>
+          <a:ext cx="0" cy="0"/>
+          <a:chOff x="0" y="0"/>
+          <a:chExt cx="0" cy="0"/>
+        </a:xfrm>
+      </p:grpSpPr>
+      <p:sp>
+        <p:nvSpPr>
+          <p:cNvPr id="2" name="标题 1">
+            <a:extLst>
+              <a:ext uri="{FF2B5EF4-FFF2-40B4-BE49-F238E27FC236}">
+                <a16:creationId xmlns:a16="http://schemas.microsoft.com/office/drawing/2014/main" id="{0635E8CD-9A52-40FB-AD7D-4B8BFCF15495}"/>
+              </a:ext>
+            </a:extLst>
+          </p:cNvPr>
+          <p:cNvSpPr>
+            <a:spLocks noGrp="1"/>
+          </p:cNvSpPr>
+          <p:nvPr>
+            <p:ph type="title"/>
+          </p:nvPr>
+        </p:nvSpPr>
+        <p:spPr/>
+        <p:txBody>
+          <a:bodyPr>
+            <a:normAutofit/>
+          </a:bodyPr>
+          <a:lstStyle/>
+          <a:p>
+            <a:r>
+              <a:rPr lang="zh-CN" altLang="en-US" sz="2800" dirty="0"/>
+              <a:t>土壤湿度传感器</a:t>
+            </a:r>
+          </a:p>
+        </p:txBody>
+      </p:sp>
+      <p:pic>
+        <p:nvPicPr>
+          <p:cNvPr id="7" name="内容占位符 6">
+            <a:extLst>
+              <a:ext uri="{FF2B5EF4-FFF2-40B4-BE49-F238E27FC236}">
+                <a16:creationId xmlns:a16="http://schemas.microsoft.com/office/drawing/2014/main" id="{80BA7F0C-1C75-4D6B-B74A-0A1B9BD6208C}"/>
+              </a:ext>
+            </a:extLst>
+          </p:cNvPr>
+          <p:cNvPicPr>
+            <a:picLocks noGrp="1" noChangeAspect="1"/>
+          </p:cNvPicPr>
+          <p:nvPr>
+            <p:ph idx="1"/>
+          </p:nvPr>
+        </p:nvPicPr>
+        <p:blipFill>
+          <a:blip r:embed="rId2"/>
+          <a:stretch>
+            <a:fillRect/>
+          </a:stretch>
+        </p:blipFill>
+        <p:spPr>
+          <a:xfrm>
+            <a:off x="1005305" y="2814923"/>
+            <a:ext cx="5772150" cy="2828925"/>
+          </a:xfrm>
+          <a:prstGeom prst="rect">
+            <a:avLst/>
+          </a:prstGeom>
+        </p:spPr>
+      </p:pic>
+      <p:pic>
+        <p:nvPicPr>
+          <p:cNvPr id="4" name="图片 3">
+            <a:extLst>
+              <a:ext uri="{FF2B5EF4-FFF2-40B4-BE49-F238E27FC236}">
+                <a16:creationId xmlns:a16="http://schemas.microsoft.com/office/drawing/2014/main" id="{DE68A9BC-C660-4BFF-9EFE-B7BE05753296}"/>
+              </a:ext>
+            </a:extLst>
+          </p:cNvPr>
+          <p:cNvPicPr>
+            <a:picLocks noChangeAspect="1"/>
+          </p:cNvPicPr>
+          <p:nvPr/>
+        </p:nvPicPr>
+        <p:blipFill>
+          <a:blip r:embed="rId3"/>
+          <a:stretch>
+            <a:fillRect/>
+          </a:stretch>
+        </p:blipFill>
+        <p:spPr>
+          <a:xfrm>
+            <a:off x="7255498" y="2814924"/>
+            <a:ext cx="4326903" cy="2828925"/>
+          </a:xfrm>
+          <a:prstGeom prst="rect">
+            <a:avLst/>
+          </a:prstGeom>
+        </p:spPr>
+      </p:pic>
+    </p:spTree>
+    <p:extLst>
+      <p:ext uri="{BB962C8B-B14F-4D97-AF65-F5344CB8AC3E}">
+        <p14:creationId xmlns:p14="http://schemas.microsoft.com/office/powerpoint/2010/main" val="3540449383"/>
+      </p:ext>
+    </p:extLst>
+  </p:cSld>
+  <p:clrMapOvr>
+    <a:masterClrMapping/>
+  </p:clrMapOvr>
+  <mc:AlternateContent xmlns:mc="http://schemas.openxmlformats.org/markup-compatibility/2006" xmlns:p14="http://schemas.microsoft.com/office/powerpoint/2010/main">
+    <mc:Choice Requires="p14">
+      <p:transition spd="slow" p14:dur="1250">
+        <p:push dir="u"/>
+      </p:transition>
+    </mc:Choice>
+    <mc:Fallback xmlns="">
+      <p:transition spd="slow">
+        <p:push dir="u"/>
+      </p:transition>
+    </mc:Fallback>
+  </mc:AlternateContent>
+</p:sld>
+</file>
+
+<file path=ppt/slides/slide2.xml><?xml version="1.0" encoding="utf-8"?>
+<p:sld xmlns:a="http://schemas.openxmlformats.org/drawingml/2006/main" xmlns:r="http://schemas.openxmlformats.org/officeDocument/2006/relationships" xmlns:p="http://schemas.openxmlformats.org/presentationml/2006/main">
+  <p:cSld>
+    <p:spTree>
+      <p:nvGrpSpPr>
+        <p:cNvPr id="1" name=""/>
+        <p:cNvGrpSpPr/>
+        <p:nvPr/>
+      </p:nvGrpSpPr>
+      <p:grpSpPr>
+        <a:xfrm>
+          <a:off x="0" y="0"/>
+          <a:ext cx="0" cy="0"/>
+          <a:chOff x="0" y="0"/>
+          <a:chExt cx="0" cy="0"/>
+        </a:xfrm>
+      </p:grpSpPr>
+      <p:sp>
+        <p:nvSpPr>
+          <p:cNvPr id="2" name="标题 1">
+            <a:extLst>
+              <a:ext uri="{FF2B5EF4-FFF2-40B4-BE49-F238E27FC236}">
+                <a16:creationId xmlns:a16="http://schemas.microsoft.com/office/drawing/2014/main" id="{F7341776-13F7-4458-AB9D-07C2A8DEBAB4}"/>
+              </a:ext>
+            </a:extLst>
+          </p:cNvPr>
+          <p:cNvSpPr>
+            <a:spLocks noGrp="1"/>
+          </p:cNvSpPr>
+          <p:nvPr>
+            <p:ph type="title"/>
+          </p:nvPr>
+        </p:nvSpPr>
+        <p:spPr/>
+        <p:txBody>
+          <a:bodyPr/>
+          <a:lstStyle/>
+          <a:p>
+            <a:pPr algn="ctr"/>
+            <a:r>
+              <a:rPr lang="zh-CN" altLang="en-US" dirty="0"/>
+              <a:t>可燃气体传感器</a:t>
+            </a:r>
+          </a:p>
+        </p:txBody>
+      </p:sp>
+      <p:sp>
+        <p:nvSpPr>
+          <p:cNvPr id="3" name="内容占位符 2">
+            <a:extLst>
+              <a:ext uri="{FF2B5EF4-FFF2-40B4-BE49-F238E27FC236}">
+                <a16:creationId xmlns:a16="http://schemas.microsoft.com/office/drawing/2014/main" id="{E58AA8D9-78E5-4D34-9DAA-5727081F806A}"/>
+              </a:ext>
+            </a:extLst>
+          </p:cNvPr>
+          <p:cNvSpPr>
+            <a:spLocks noGrp="1"/>
+          </p:cNvSpPr>
+          <p:nvPr>
+            <p:ph idx="1"/>
+          </p:nvPr>
+        </p:nvSpPr>
+        <p:spPr>
+          <a:xfrm>
+            <a:off x="1309512" y="2224726"/>
+            <a:ext cx="10272889" cy="3775090"/>
+          </a:xfrm>
+        </p:spPr>
+        <p:txBody>
+          <a:bodyPr>
+            <a:normAutofit fontScale="70000" lnSpcReduction="20000"/>
+          </a:bodyPr>
+          <a:lstStyle/>
+          <a:p>
+            <a:r>
+              <a:rPr lang="zh-CN" altLang="en-US" dirty="0"/>
+              <a:t>气体传感器（</a:t>
+            </a:r>
+            <a:r>
+              <a:rPr lang="en-US" altLang="zh-CN" dirty="0"/>
+              <a:t>Gas Sensor</a:t>
+            </a:r>
+            <a:r>
+              <a:rPr lang="zh-CN" altLang="en-US" dirty="0"/>
+              <a:t>）是检测环境中一种或多种气体的存在的装置。这些传感器具有广泛的应用，例如炼油厂、工业中心甚至家庭的安全系统。这些传感器可以检测可燃气体、有毒气体、污染气体等。有几种气体检测方法，最常用的是电化学传感器。这些传感器通过在其加热电极上进行化学反应并测量所产生的电流来测量特定气体的浓度。</a:t>
+            </a:r>
+            <a:endParaRPr lang="en-US" altLang="zh-CN" dirty="0"/>
+          </a:p>
+          <a:p>
+            <a:r>
+              <a:rPr lang="en-US" altLang="zh-CN" dirty="0"/>
+              <a:t>MQ</a:t>
+            </a:r>
+            <a:r>
+              <a:rPr lang="zh-CN" altLang="en-US" dirty="0"/>
+              <a:t>气体传感器系列是最常用的气体传感器。</a:t>
+            </a:r>
+            <a:r>
+              <a:rPr lang="en-US" altLang="zh-CN" dirty="0"/>
+              <a:t>MQ9</a:t>
+            </a:r>
+            <a:r>
+              <a:rPr lang="zh-CN" altLang="en-US" dirty="0"/>
+              <a:t>传感器对一氧化碳和易燃气体敏感。它可以检测出检测到浓度从</a:t>
+            </a:r>
+            <a:r>
+              <a:rPr lang="en-US" altLang="zh-CN" dirty="0"/>
+              <a:t>10ppm</a:t>
+            </a:r>
+            <a:r>
+              <a:rPr lang="zh-CN" altLang="en-US" dirty="0"/>
+              <a:t>到</a:t>
+            </a:r>
+            <a:r>
+              <a:rPr lang="en-US" altLang="zh-CN" dirty="0"/>
+              <a:t>1000ppm</a:t>
+            </a:r>
+            <a:r>
+              <a:rPr lang="zh-CN" altLang="en-US" dirty="0"/>
+              <a:t>的一氧化碳和密度从</a:t>
+            </a:r>
+            <a:r>
+              <a:rPr lang="en-US" altLang="zh-CN" dirty="0"/>
+              <a:t>100ppm</a:t>
+            </a:r>
+            <a:r>
+              <a:rPr lang="zh-CN" altLang="en-US" dirty="0"/>
+              <a:t>到</a:t>
+            </a:r>
+            <a:r>
+              <a:rPr lang="en-US" altLang="zh-CN" dirty="0"/>
+              <a:t>10000ppm</a:t>
+            </a:r>
+            <a:r>
+              <a:rPr lang="zh-CN" altLang="en-US" dirty="0"/>
+              <a:t>的可燃气体。 </a:t>
+            </a:r>
+            <a:r>
+              <a:rPr lang="en-US" altLang="zh-CN" dirty="0"/>
+              <a:t>MQ9</a:t>
+            </a:r>
+            <a:r>
+              <a:rPr lang="zh-CN" altLang="en-US" dirty="0"/>
+              <a:t>有一个内部加热器，如果施加</a:t>
+            </a:r>
+            <a:r>
+              <a:rPr lang="en-US" altLang="zh-CN" dirty="0"/>
+              <a:t>5V</a:t>
+            </a:r>
+            <a:r>
+              <a:rPr lang="zh-CN" altLang="en-US" dirty="0"/>
+              <a:t>电压，它会开始预热。</a:t>
+            </a:r>
+            <a:endParaRPr lang="en-US" altLang="zh-CN" dirty="0"/>
+          </a:p>
+          <a:p>
+            <a:r>
+              <a:rPr lang="zh-CN" altLang="en-US" dirty="0"/>
+              <a:t>该传感器的内阻随着可检测气体的密度变化而变化。该值可以通过简单的电路读取。不需要任何额外的电路。</a:t>
+            </a:r>
+            <a:endParaRPr lang="en-US" altLang="zh-CN" dirty="0"/>
+          </a:p>
+          <a:p>
+            <a:r>
+              <a:rPr lang="zh-CN" altLang="en-US" dirty="0"/>
+              <a:t>参考网址：</a:t>
+            </a:r>
+            <a:endParaRPr lang="en-US" altLang="zh-CN" dirty="0"/>
+          </a:p>
+          <a:p>
+            <a:pPr lvl="1"/>
+            <a:r>
+              <a:rPr lang="en-US" altLang="zh-CN" dirty="0">
+                <a:hlinkClick r:id="rId2"/>
+              </a:rPr>
+              <a:t>https://www.yiboard.com/thread-1246-1-1.html</a:t>
+            </a:r>
+            <a:endParaRPr lang="en-US" altLang="zh-CN" dirty="0"/>
+          </a:p>
+          <a:p>
+            <a:pPr lvl="1"/>
+            <a:r>
+              <a:rPr lang="en-US" altLang="zh-CN" dirty="0">
+                <a:hlinkClick r:id="rId3"/>
+              </a:rPr>
+              <a:t>https://github.com/miguel5612/MQSensorsLib</a:t>
+            </a:r>
+            <a:endParaRPr lang="en-US" altLang="zh-CN" dirty="0"/>
+          </a:p>
+          <a:p>
+            <a:pPr lvl="1"/>
+            <a:r>
+              <a:rPr lang="en-US" altLang="zh-CN" dirty="0"/>
+              <a:t>https://github.com/aghezelbash/MQ9-arduino</a:t>
+            </a:r>
+          </a:p>
+        </p:txBody>
+      </p:sp>
+    </p:spTree>
+    <p:extLst>
+      <p:ext uri="{BB962C8B-B14F-4D97-AF65-F5344CB8AC3E}">
+        <p14:creationId xmlns:p14="http://schemas.microsoft.com/office/powerpoint/2010/main" val="3113231915"/>
+      </p:ext>
+    </p:extLst>
+  </p:cSld>
+  <p:clrMapOvr>
+    <a:masterClrMapping/>
+  </p:clrMapOvr>
+  <mc:AlternateContent xmlns:mc="http://schemas.openxmlformats.org/markup-compatibility/2006" xmlns:p14="http://schemas.microsoft.com/office/powerpoint/2010/main">
+    <mc:Choice Requires="p14">
+      <p:transition spd="slow" p14:dur="1250">
+        <p:push dir="u"/>
+      </p:transition>
+    </mc:Choice>
+    <mc:Fallback xmlns="">
+      <p:transition spd="slow">
+        <p:push dir="u"/>
+      </p:transition>
+    </mc:Fallback>
+  </mc:AlternateContent>
+</p:sld>
+</file>
+
+<file path=ppt/slides/slide20.xml><?xml version="1.0" encoding="utf-8"?>
+<p:sld xmlns:a="http://schemas.openxmlformats.org/drawingml/2006/main" xmlns:r="http://schemas.openxmlformats.org/officeDocument/2006/relationships" xmlns:p="http://schemas.openxmlformats.org/presentationml/2006/main">
+  <p:cSld>
+    <p:spTree>
+      <p:nvGrpSpPr>
+        <p:cNvPr id="1" name=""/>
+        <p:cNvGrpSpPr/>
+        <p:nvPr/>
+      </p:nvGrpSpPr>
+      <p:grpSpPr>
+        <a:xfrm>
+          <a:off x="0" y="0"/>
+          <a:ext cx="0" cy="0"/>
+          <a:chOff x="0" y="0"/>
+          <a:chExt cx="0" cy="0"/>
+        </a:xfrm>
+      </p:grpSpPr>
+      <p:sp>
+        <p:nvSpPr>
+          <p:cNvPr id="3" name="内容占位符 2">
+            <a:extLst>
+              <a:ext uri="{FF2B5EF4-FFF2-40B4-BE49-F238E27FC236}">
+                <a16:creationId xmlns:a16="http://schemas.microsoft.com/office/drawing/2014/main" id="{9122A46E-82A2-4BA0-B3FD-08489A8DEA34}"/>
+              </a:ext>
+            </a:extLst>
+          </p:cNvPr>
+          <p:cNvSpPr>
+            <a:spLocks noGrp="1"/>
+          </p:cNvSpPr>
+          <p:nvPr>
+            <p:ph idx="4294967295"/>
+          </p:nvPr>
+        </p:nvSpPr>
+        <p:spPr>
+          <a:xfrm>
+            <a:off x="838200" y="1801971"/>
+            <a:ext cx="10515600" cy="4351338"/>
+          </a:xfrm>
+        </p:spPr>
+        <p:txBody>
+          <a:bodyPr>
+            <a:normAutofit/>
+          </a:bodyPr>
+          <a:lstStyle/>
+          <a:p>
+            <a:r>
+              <a:rPr lang="zh-CN" altLang="en-US" dirty="0"/>
+              <a:t>土壤湿度传感器悬空时</a:t>
+            </a:r>
+            <a:r>
+              <a:rPr lang="en-US" altLang="zh-CN" dirty="0"/>
+              <a:t>A0</a:t>
+            </a:r>
+            <a:r>
+              <a:rPr lang="zh-CN" altLang="en-US" dirty="0"/>
+              <a:t>引脚输出为</a:t>
+            </a:r>
+            <a:r>
+              <a:rPr lang="en-US" altLang="zh-CN" dirty="0"/>
+              <a:t>1023</a:t>
+            </a:r>
+            <a:r>
+              <a:rPr lang="zh-CN" altLang="en-US" dirty="0"/>
+              <a:t>，当将土壤湿度传感器查到花盆的某一位置后，</a:t>
+            </a:r>
+            <a:r>
+              <a:rPr lang="en-US" altLang="zh-CN" dirty="0"/>
+              <a:t>A0</a:t>
+            </a:r>
+            <a:r>
+              <a:rPr lang="zh-CN" altLang="en-US" dirty="0"/>
+              <a:t>引脚输出值快速下降到某一稳定值，然后拔出土壤湿度传感器，再将其插到花盆的其它位置，这时</a:t>
+            </a:r>
+            <a:r>
+              <a:rPr lang="en-US" altLang="zh-CN" dirty="0"/>
+              <a:t>A0</a:t>
+            </a:r>
+            <a:r>
+              <a:rPr lang="zh-CN" altLang="en-US" dirty="0"/>
+              <a:t>引脚随着不同位置的湿度不同输出不同的模拟值。</a:t>
+            </a:r>
+            <a:endParaRPr lang="en-US" altLang="zh-CN" dirty="0"/>
+          </a:p>
+          <a:p>
+            <a:r>
+              <a:rPr lang="zh-CN" altLang="en-US" dirty="0"/>
+              <a:t>采用土壤湿度传感器控制水泵对花盆进行浇水的思路就是设置某一阈值，当</a:t>
+            </a:r>
+            <a:r>
+              <a:rPr lang="en-US" altLang="zh-CN" dirty="0"/>
+              <a:t>A0</a:t>
+            </a:r>
+            <a:r>
+              <a:rPr lang="zh-CN" altLang="en-US" dirty="0"/>
+              <a:t>引脚的输出值高于该阈值时，控制水泵对花盆胶水，当</a:t>
+            </a:r>
+            <a:r>
+              <a:rPr lang="en-US" altLang="zh-CN" dirty="0"/>
+              <a:t>A0</a:t>
+            </a:r>
+            <a:r>
+              <a:rPr lang="zh-CN" altLang="en-US" dirty="0"/>
+              <a:t>引脚输出值低于阈值时，停止水泵。可以设置两个阈值，高阈值</a:t>
+            </a:r>
+            <a:r>
+              <a:rPr lang="en-US" altLang="zh-CN" dirty="0"/>
+              <a:t>A</a:t>
+            </a:r>
+            <a:r>
+              <a:rPr lang="zh-CN" altLang="en-US" dirty="0"/>
+              <a:t>和低阈值</a:t>
+            </a:r>
+            <a:r>
+              <a:rPr lang="en-US" altLang="zh-CN" dirty="0"/>
+              <a:t>B</a:t>
+            </a:r>
+            <a:r>
+              <a:rPr lang="zh-CN" altLang="en-US" dirty="0"/>
+              <a:t>，当土壤湿度传感器模拟引脚输出高于</a:t>
+            </a:r>
+            <a:r>
+              <a:rPr lang="en-US" altLang="zh-CN" dirty="0"/>
+              <a:t>A</a:t>
+            </a:r>
+            <a:r>
+              <a:rPr lang="zh-CN" altLang="en-US" dirty="0"/>
+              <a:t>时，启动水泵，当土壤湿度传感器模拟引脚输出值低于</a:t>
+            </a:r>
+            <a:r>
+              <a:rPr lang="en-US" altLang="zh-CN" dirty="0"/>
+              <a:t>B</a:t>
+            </a:r>
+            <a:r>
+              <a:rPr lang="zh-CN" altLang="en-US" dirty="0"/>
+              <a:t>时，停止水泵。这样可以方式频繁的浇水。</a:t>
+            </a:r>
+          </a:p>
+        </p:txBody>
+      </p:sp>
+    </p:spTree>
+    <p:extLst>
+      <p:ext uri="{BB962C8B-B14F-4D97-AF65-F5344CB8AC3E}">
+        <p14:creationId xmlns:p14="http://schemas.microsoft.com/office/powerpoint/2010/main" val="3873875957"/>
+      </p:ext>
+    </p:extLst>
+  </p:cSld>
+  <p:clrMapOvr>
+    <a:masterClrMapping/>
+  </p:clrMapOvr>
+  <mc:AlternateContent xmlns:mc="http://schemas.openxmlformats.org/markup-compatibility/2006" xmlns:p14="http://schemas.microsoft.com/office/powerpoint/2010/main">
+    <mc:Choice Requires="p14">
+      <p:transition spd="slow" p14:dur="1250">
+        <p:push dir="u"/>
+      </p:transition>
+    </mc:Choice>
+    <mc:Fallback xmlns="">
+      <p:transition spd="slow">
+        <p:push dir="u"/>
+      </p:transition>
+    </mc:Fallback>
+  </mc:AlternateContent>
+</p:sld>
+</file>
+
+<file path=ppt/slides/slide21.xml><?xml version="1.0" encoding="utf-8"?>
+<p:sld xmlns:a="http://schemas.openxmlformats.org/drawingml/2006/main" xmlns:r="http://schemas.openxmlformats.org/officeDocument/2006/relationships" xmlns:p="http://schemas.openxmlformats.org/presentationml/2006/main">
+  <p:cSld>
+    <p:spTree>
+      <p:nvGrpSpPr>
+        <p:cNvPr id="1" name=""/>
+        <p:cNvGrpSpPr/>
+        <p:nvPr/>
+      </p:nvGrpSpPr>
+      <p:grpSpPr>
+        <a:xfrm>
+          <a:off x="0" y="0"/>
+          <a:ext cx="0" cy="0"/>
+          <a:chOff x="0" y="0"/>
+          <a:chExt cx="0" cy="0"/>
+        </a:xfrm>
+      </p:grpSpPr>
+      <p:sp>
+        <p:nvSpPr>
+          <p:cNvPr id="2" name="标题 1">
+            <a:extLst>
+              <a:ext uri="{FF2B5EF4-FFF2-40B4-BE49-F238E27FC236}">
+                <a16:creationId xmlns:a16="http://schemas.microsoft.com/office/drawing/2014/main" id="{EC309A7A-2FC3-4580-A835-75D954BB8874}"/>
+              </a:ext>
+            </a:extLst>
+          </p:cNvPr>
+          <p:cNvSpPr>
+            <a:spLocks noGrp="1"/>
+          </p:cNvSpPr>
+          <p:nvPr>
+            <p:ph type="title"/>
+          </p:nvPr>
+        </p:nvSpPr>
+        <p:spPr/>
+        <p:txBody>
+          <a:bodyPr/>
+          <a:lstStyle/>
+          <a:p>
+            <a:pPr algn="ctr"/>
+            <a:r>
+              <a:rPr lang="zh-CN" altLang="en-US" dirty="0"/>
+              <a:t>实验</a:t>
+            </a:r>
+            <a:r>
+              <a:rPr lang="en-US" altLang="zh-CN" dirty="0"/>
+              <a:t>34</a:t>
+            </a:r>
+            <a:r>
+              <a:rPr lang="zh-CN" altLang="en-US" dirty="0"/>
+              <a:t>：土壤湿度检测</a:t>
+            </a:r>
+          </a:p>
+        </p:txBody>
+      </p:sp>
+      <p:sp>
+        <p:nvSpPr>
+          <p:cNvPr id="3" name="内容占位符 2">
+            <a:extLst>
+              <a:ext uri="{FF2B5EF4-FFF2-40B4-BE49-F238E27FC236}">
+                <a16:creationId xmlns:a16="http://schemas.microsoft.com/office/drawing/2014/main" id="{5A8FE617-F55E-469B-A6FB-B684193983EB}"/>
+              </a:ext>
+            </a:extLst>
+          </p:cNvPr>
+          <p:cNvSpPr>
+            <a:spLocks noGrp="1"/>
+          </p:cNvSpPr>
+          <p:nvPr>
+            <p:ph idx="1"/>
+          </p:nvPr>
+        </p:nvSpPr>
+        <p:spPr/>
+        <p:txBody>
+          <a:bodyPr>
+            <a:normAutofit fontScale="85000" lnSpcReduction="20000"/>
+          </a:bodyPr>
+          <a:lstStyle/>
+          <a:p>
+            <a:r>
+              <a:rPr lang="zh-CN" altLang="en-US" dirty="0"/>
+              <a:t>实验器材</a:t>
+            </a:r>
+            <a:endParaRPr lang="en-US" altLang="zh-CN" dirty="0"/>
+          </a:p>
+          <a:p>
+            <a:pPr marL="914400" lvl="1" indent="-457200">
+              <a:buFont typeface="+mj-lt"/>
+              <a:buAutoNum type="arabicPeriod"/>
+            </a:pPr>
+            <a:r>
+              <a:rPr lang="en-US" altLang="zh-CN" dirty="0" err="1"/>
+              <a:t>NodeMCU</a:t>
+            </a:r>
+            <a:r>
+              <a:rPr lang="zh-CN" altLang="en-US" dirty="0"/>
+              <a:t>开发板</a:t>
+            </a:r>
+            <a:endParaRPr lang="en-US" altLang="zh-CN" dirty="0"/>
+          </a:p>
+          <a:p>
+            <a:pPr marL="914400" lvl="1" indent="-457200">
+              <a:buFont typeface="+mj-lt"/>
+              <a:buAutoNum type="arabicPeriod"/>
+            </a:pPr>
+            <a:r>
+              <a:rPr lang="en-US" altLang="zh-CN" dirty="0"/>
+              <a:t>USB</a:t>
+            </a:r>
+            <a:r>
+              <a:rPr lang="zh-CN" altLang="en-US" dirty="0"/>
+              <a:t>数据线</a:t>
+            </a:r>
+            <a:endParaRPr lang="en-US" altLang="zh-CN" dirty="0"/>
+          </a:p>
+          <a:p>
+            <a:pPr marL="914400" lvl="1" indent="-457200">
+              <a:buFont typeface="+mj-lt"/>
+              <a:buAutoNum type="arabicPeriod"/>
+            </a:pPr>
+            <a:r>
+              <a:rPr lang="en-US" altLang="zh-CN" dirty="0"/>
+              <a:t>YL-69</a:t>
+            </a:r>
+            <a:r>
+              <a:rPr lang="zh-CN" altLang="en-US" dirty="0"/>
+              <a:t>土壤湿度传感器</a:t>
+            </a:r>
+            <a:r>
+              <a:rPr lang="en-US" altLang="zh-CN" dirty="0"/>
+              <a:t>1</a:t>
+            </a:r>
+            <a:r>
+              <a:rPr lang="zh-CN" altLang="en-US" dirty="0"/>
+              <a:t>个</a:t>
+            </a:r>
+            <a:endParaRPr lang="en-US" altLang="zh-CN" dirty="0"/>
+          </a:p>
+          <a:p>
+            <a:r>
+              <a:rPr lang="zh-CN" altLang="en-US" dirty="0"/>
+              <a:t>接线图</a:t>
+            </a:r>
+            <a:endParaRPr lang="en-US" altLang="zh-CN" dirty="0"/>
+          </a:p>
+          <a:p>
+            <a:pPr lvl="1"/>
+            <a:r>
+              <a:rPr lang="en-US" altLang="zh-CN" dirty="0"/>
+              <a:t>VCC</a:t>
+            </a:r>
+            <a:r>
+              <a:rPr lang="zh-CN" altLang="en-US" dirty="0"/>
+              <a:t>引脚 ：接电源正极。</a:t>
+            </a:r>
+          </a:p>
+          <a:p>
+            <a:pPr lvl="1"/>
+            <a:r>
+              <a:rPr lang="en-US" altLang="zh-CN" dirty="0"/>
+              <a:t>GND</a:t>
+            </a:r>
+            <a:r>
+              <a:rPr lang="zh-CN" altLang="en-US" dirty="0"/>
+              <a:t>引脚：接电源负极。</a:t>
+            </a:r>
+          </a:p>
+          <a:p>
+            <a:pPr lvl="1"/>
+            <a:r>
+              <a:rPr lang="en-US" altLang="zh-CN" dirty="0"/>
+              <a:t>A0</a:t>
+            </a:r>
+            <a:r>
+              <a:rPr lang="zh-CN" altLang="en-US" dirty="0"/>
+              <a:t>引脚   ： 输出土壤湿度传感器的模拟电压值，输出范围为</a:t>
+            </a:r>
+            <a:r>
+              <a:rPr lang="en-US" altLang="zh-CN" dirty="0"/>
+              <a:t>0-1023</a:t>
+            </a:r>
+            <a:r>
+              <a:rPr lang="zh-CN" altLang="en-US" dirty="0"/>
+              <a:t>。</a:t>
+            </a:r>
+            <a:endParaRPr lang="en-US" altLang="zh-CN" dirty="0"/>
+          </a:p>
+          <a:p>
+            <a:pPr lvl="1"/>
+            <a:r>
+              <a:rPr lang="en-US" altLang="zh-CN" dirty="0"/>
+              <a:t>D0</a:t>
+            </a:r>
+            <a:r>
+              <a:rPr lang="zh-CN" altLang="en-US" dirty="0"/>
+              <a:t>引脚   ： 输出土壤湿度传感器的开关量值，值为</a:t>
+            </a:r>
+            <a:r>
+              <a:rPr lang="en-US" altLang="zh-CN" dirty="0"/>
+              <a:t>0,</a:t>
+            </a:r>
+            <a:r>
+              <a:rPr lang="zh-CN" altLang="en-US" dirty="0"/>
+              <a:t>和</a:t>
+            </a:r>
+            <a:r>
+              <a:rPr lang="en-US" altLang="zh-CN" dirty="0"/>
+              <a:t>1</a:t>
+            </a:r>
+            <a:r>
+              <a:rPr lang="zh-CN" altLang="en-US" dirty="0"/>
+              <a:t>，开关量的变换值由蓝色顶调电位器进行控制。</a:t>
+            </a:r>
+          </a:p>
+        </p:txBody>
+      </p:sp>
+    </p:spTree>
+    <p:extLst>
+      <p:ext uri="{BB962C8B-B14F-4D97-AF65-F5344CB8AC3E}">
+        <p14:creationId xmlns:p14="http://schemas.microsoft.com/office/powerpoint/2010/main" val="1096958616"/>
+      </p:ext>
+    </p:extLst>
+  </p:cSld>
+  <p:clrMapOvr>
+    <a:masterClrMapping/>
+  </p:clrMapOvr>
+  <mc:AlternateContent xmlns:mc="http://schemas.openxmlformats.org/markup-compatibility/2006" xmlns:p14="http://schemas.microsoft.com/office/powerpoint/2010/main">
+    <mc:Choice Requires="p14">
+      <p:transition spd="slow" p14:dur="1250">
+        <p:push dir="u"/>
+      </p:transition>
+    </mc:Choice>
+    <mc:Fallback xmlns="">
+      <p:transition spd="slow">
+        <p:push dir="u"/>
+      </p:transition>
+    </mc:Fallback>
+  </mc:AlternateContent>
+</p:sld>
+</file>
+
+<file path=ppt/slides/slide22.xml><?xml version="1.0" encoding="utf-8"?>
+<p:sld xmlns:a="http://schemas.openxmlformats.org/drawingml/2006/main" xmlns:r="http://schemas.openxmlformats.org/officeDocument/2006/relationships" xmlns:p="http://schemas.openxmlformats.org/presentationml/2006/main">
+  <p:cSld>
+    <p:spTree>
+      <p:nvGrpSpPr>
+        <p:cNvPr id="1" name=""/>
+        <p:cNvGrpSpPr/>
+        <p:nvPr/>
+      </p:nvGrpSpPr>
+      <p:grpSpPr>
+        <a:xfrm>
+          <a:off x="0" y="0"/>
+          <a:ext cx="0" cy="0"/>
+          <a:chOff x="0" y="0"/>
+          <a:chExt cx="0" cy="0"/>
+        </a:xfrm>
+      </p:grpSpPr>
+      <p:sp>
+        <p:nvSpPr>
+          <p:cNvPr id="2" name="标题 1">
+            <a:extLst>
+              <a:ext uri="{FF2B5EF4-FFF2-40B4-BE49-F238E27FC236}">
+                <a16:creationId xmlns:a16="http://schemas.microsoft.com/office/drawing/2014/main" id="{B32FF3CC-23E5-43DB-B418-A89CEC9FCE14}"/>
+              </a:ext>
+            </a:extLst>
+          </p:cNvPr>
+          <p:cNvSpPr>
+            <a:spLocks noGrp="1"/>
+          </p:cNvSpPr>
+          <p:nvPr>
+            <p:ph type="title"/>
+          </p:nvPr>
+        </p:nvSpPr>
+        <p:spPr/>
+        <p:txBody>
+          <a:bodyPr/>
+          <a:lstStyle/>
+          <a:p>
+            <a:pPr algn="ctr"/>
+            <a:r>
+              <a:rPr lang="zh-CN" altLang="en-US" dirty="0"/>
+              <a:t>项目：气象检测</a:t>
+            </a:r>
+          </a:p>
+        </p:txBody>
+      </p:sp>
+      <p:sp>
+        <p:nvSpPr>
+          <p:cNvPr id="3" name="内容占位符 2">
+            <a:extLst>
+              <a:ext uri="{FF2B5EF4-FFF2-40B4-BE49-F238E27FC236}">
+                <a16:creationId xmlns:a16="http://schemas.microsoft.com/office/drawing/2014/main" id="{323095FF-42D2-4E8B-BD22-1EA4B55F2068}"/>
+              </a:ext>
+            </a:extLst>
+          </p:cNvPr>
+          <p:cNvSpPr>
+            <a:spLocks noGrp="1"/>
+          </p:cNvSpPr>
+          <p:nvPr>
+            <p:ph idx="1"/>
+          </p:nvPr>
+        </p:nvSpPr>
+        <p:spPr/>
+        <p:txBody>
+          <a:bodyPr>
+            <a:normAutofit/>
+          </a:bodyPr>
+          <a:lstStyle/>
+          <a:p>
+            <a:r>
+              <a:rPr lang="zh-CN" altLang="en-US" dirty="0"/>
+              <a:t>传感器</a:t>
+            </a:r>
+            <a:endParaRPr lang="en-US" altLang="zh-CN" dirty="0"/>
+          </a:p>
+          <a:p>
+            <a:r>
+              <a:rPr lang="zh-CN" altLang="en-US" dirty="0"/>
+              <a:t>显示</a:t>
+            </a:r>
+            <a:endParaRPr lang="en-US" altLang="zh-CN" dirty="0"/>
+          </a:p>
+          <a:p>
+            <a:pPr marL="914400" lvl="1" indent="-457200">
+              <a:buFont typeface="+mj-lt"/>
+              <a:buAutoNum type="arabicPeriod"/>
+            </a:pPr>
+            <a:r>
+              <a:rPr lang="zh-CN" altLang="en-US" dirty="0"/>
+              <a:t>串口</a:t>
+            </a:r>
+            <a:endParaRPr lang="en-US" altLang="zh-CN" dirty="0"/>
+          </a:p>
+          <a:p>
+            <a:pPr marL="914400" lvl="1" indent="-457200">
+              <a:buFont typeface="+mj-lt"/>
+              <a:buAutoNum type="arabicPeriod"/>
+            </a:pPr>
+            <a:r>
+              <a:rPr lang="en-US" altLang="zh-CN" dirty="0"/>
+              <a:t>LCD</a:t>
+            </a:r>
+          </a:p>
+          <a:p>
+            <a:pPr marL="914400" lvl="1" indent="-457200">
+              <a:buFont typeface="+mj-lt"/>
+              <a:buAutoNum type="arabicPeriod"/>
+            </a:pPr>
+            <a:r>
+              <a:rPr lang="zh-CN" altLang="en-US" dirty="0"/>
+              <a:t>数码管</a:t>
+            </a:r>
+            <a:endParaRPr lang="en-US" altLang="zh-CN" dirty="0"/>
+          </a:p>
+          <a:p>
+            <a:pPr marL="914400" lvl="1" indent="-457200">
+              <a:buFont typeface="+mj-lt"/>
+              <a:buAutoNum type="arabicPeriod"/>
+            </a:pPr>
+            <a:r>
+              <a:rPr lang="en-US" altLang="zh-CN" dirty="0" err="1"/>
+              <a:t>Adafurit</a:t>
+            </a:r>
+            <a:r>
+              <a:rPr lang="zh-CN" altLang="en-US" dirty="0"/>
+              <a:t>服务器</a:t>
+            </a:r>
+            <a:endParaRPr lang="en-US" altLang="zh-CN" dirty="0"/>
+          </a:p>
+          <a:p>
+            <a:r>
+              <a:rPr lang="zh-CN" altLang="en-US" dirty="0"/>
+              <a:t>设备控制</a:t>
+            </a:r>
+          </a:p>
+        </p:txBody>
+      </p:sp>
+    </p:spTree>
+    <p:extLst>
+      <p:ext uri="{BB962C8B-B14F-4D97-AF65-F5344CB8AC3E}">
+        <p14:creationId xmlns:p14="http://schemas.microsoft.com/office/powerpoint/2010/main" val="2427718812"/>
+      </p:ext>
+    </p:extLst>
+  </p:cSld>
+  <p:clrMapOvr>
+    <a:masterClrMapping/>
+  </p:clrMapOvr>
+  <mc:AlternateContent xmlns:mc="http://schemas.openxmlformats.org/markup-compatibility/2006" xmlns:p14="http://schemas.microsoft.com/office/powerpoint/2010/main">
+    <mc:Choice Requires="p14">
+      <p:transition spd="slow" p14:dur="1250">
+        <p:push dir="u"/>
+      </p:transition>
+    </mc:Choice>
+    <mc:Fallback xmlns="">
+      <p:transition spd="slow">
+        <p:push dir="u"/>
+      </p:transition>
+    </mc:Fallback>
+  </mc:AlternateContent>
+</p:sld>
+</file>
+
+<file path=ppt/slides/slide3.xml><?xml version="1.0" encoding="utf-8"?>
+<p:sld xmlns:a="http://schemas.openxmlformats.org/drawingml/2006/main" xmlns:r="http://schemas.openxmlformats.org/officeDocument/2006/relationships" xmlns:p="http://schemas.openxmlformats.org/presentationml/2006/main">
+  <p:cSld>
+    <p:spTree>
+      <p:nvGrpSpPr>
+        <p:cNvPr id="1" name=""/>
+        <p:cNvGrpSpPr/>
+        <p:nvPr/>
+      </p:nvGrpSpPr>
+      <p:grpSpPr>
+        <a:xfrm>
+          <a:off x="0" y="0"/>
+          <a:ext cx="0" cy="0"/>
+          <a:chOff x="0" y="0"/>
+          <a:chExt cx="0" cy="0"/>
+        </a:xfrm>
+      </p:grpSpPr>
+      <p:sp>
+        <p:nvSpPr>
+          <p:cNvPr id="2" name="标题 1">
+            <a:extLst>
+              <a:ext uri="{FF2B5EF4-FFF2-40B4-BE49-F238E27FC236}">
+                <a16:creationId xmlns:a16="http://schemas.microsoft.com/office/drawing/2014/main" id="{3AF32807-59A5-4750-9F17-F5FA03B58FEB}"/>
+              </a:ext>
+            </a:extLst>
+          </p:cNvPr>
+          <p:cNvSpPr>
+            <a:spLocks noGrp="1"/>
+          </p:cNvSpPr>
+          <p:nvPr>
+            <p:ph type="title"/>
+          </p:nvPr>
+        </p:nvSpPr>
+        <p:spPr/>
+        <p:txBody>
+          <a:bodyPr/>
+          <a:lstStyle/>
+          <a:p>
+            <a:r>
+              <a:rPr lang="en-US" altLang="zh-CN" dirty="0"/>
+              <a:t>MQ</a:t>
+            </a:r>
+            <a:r>
+              <a:rPr lang="zh-CN" altLang="en-US" dirty="0"/>
+              <a:t>气体传感器系列</a:t>
+            </a:r>
+          </a:p>
+        </p:txBody>
+      </p:sp>
+      <p:pic>
+        <p:nvPicPr>
+          <p:cNvPr id="5" name="图片 4">
+            <a:extLst>
+              <a:ext uri="{FF2B5EF4-FFF2-40B4-BE49-F238E27FC236}">
+                <a16:creationId xmlns:a16="http://schemas.microsoft.com/office/drawing/2014/main" id="{CDE61C8C-224A-4F44-958B-C3D91544A227}"/>
+              </a:ext>
+            </a:extLst>
+          </p:cNvPr>
+          <p:cNvPicPr>
+            <a:picLocks noChangeAspect="1"/>
+          </p:cNvPicPr>
+          <p:nvPr/>
+        </p:nvPicPr>
+        <p:blipFill>
+          <a:blip r:embed="rId2"/>
+          <a:stretch>
+            <a:fillRect/>
+          </a:stretch>
+        </p:blipFill>
+        <p:spPr>
+          <a:xfrm>
+            <a:off x="3878968" y="2438401"/>
+            <a:ext cx="5133975" cy="3562350"/>
+          </a:xfrm>
+          <a:prstGeom prst="rect">
+            <a:avLst/>
+          </a:prstGeom>
+        </p:spPr>
+      </p:pic>
+    </p:spTree>
+    <p:extLst>
+      <p:ext uri="{BB962C8B-B14F-4D97-AF65-F5344CB8AC3E}">
+        <p14:creationId xmlns:p14="http://schemas.microsoft.com/office/powerpoint/2010/main" val="3109940533"/>
+      </p:ext>
+    </p:extLst>
+  </p:cSld>
+  <p:clrMapOvr>
+    <a:masterClrMapping/>
+  </p:clrMapOvr>
+  <mc:AlternateContent xmlns:mc="http://schemas.openxmlformats.org/markup-compatibility/2006" xmlns:p14="http://schemas.microsoft.com/office/powerpoint/2010/main">
+    <mc:Choice Requires="p14">
+      <p:transition spd="slow" p14:dur="1250">
+        <p:push dir="u"/>
+      </p:transition>
+    </mc:Choice>
+    <mc:Fallback xmlns="">
+      <p:transition spd="slow">
+        <p:push dir="u"/>
+      </p:transition>
+    </mc:Fallback>
+  </mc:AlternateContent>
+</p:sld>
+</file>
+
+<file path=ppt/slides/slide4.xml><?xml version="1.0" encoding="utf-8"?>
+<p:sld xmlns:a="http://schemas.openxmlformats.org/drawingml/2006/main" xmlns:r="http://schemas.openxmlformats.org/officeDocument/2006/relationships" xmlns:p="http://schemas.openxmlformats.org/presentationml/2006/main">
+  <p:cSld>
+    <p:spTree>
+      <p:nvGrpSpPr>
+        <p:cNvPr id="1" name=""/>
+        <p:cNvGrpSpPr/>
+        <p:nvPr/>
+      </p:nvGrpSpPr>
+      <p:grpSpPr>
+        <a:xfrm>
+          <a:off x="0" y="0"/>
+          <a:ext cx="0" cy="0"/>
+          <a:chOff x="0" y="0"/>
+          <a:chExt cx="0" cy="0"/>
+        </a:xfrm>
+      </p:grpSpPr>
+      <p:sp>
+        <p:nvSpPr>
+          <p:cNvPr id="2" name="标题 1">
+            <a:extLst>
+              <a:ext uri="{FF2B5EF4-FFF2-40B4-BE49-F238E27FC236}">
+                <a16:creationId xmlns:a16="http://schemas.microsoft.com/office/drawing/2014/main" id="{558464EC-8958-4E91-BDAE-CD88FB61B4A1}"/>
+              </a:ext>
+            </a:extLst>
+          </p:cNvPr>
+          <p:cNvSpPr>
+            <a:spLocks noGrp="1"/>
+          </p:cNvSpPr>
+          <p:nvPr>
+            <p:ph type="title"/>
+          </p:nvPr>
+        </p:nvSpPr>
+        <p:spPr/>
+        <p:txBody>
+          <a:bodyPr/>
+          <a:lstStyle/>
+          <a:p>
+            <a:pPr algn="ctr"/>
+            <a:r>
+              <a:rPr lang="en-US" altLang="zh-CN" dirty="0"/>
+              <a:t>mq-9</a:t>
+            </a:r>
+            <a:r>
+              <a:rPr lang="zh-CN" altLang="en-US" dirty="0"/>
+              <a:t>气体传感器</a:t>
+            </a:r>
+          </a:p>
+        </p:txBody>
+      </p:sp>
+      <p:pic>
+        <p:nvPicPr>
+          <p:cNvPr id="5" name="内容占位符 4">
+            <a:extLst>
+              <a:ext uri="{FF2B5EF4-FFF2-40B4-BE49-F238E27FC236}">
+                <a16:creationId xmlns:a16="http://schemas.microsoft.com/office/drawing/2014/main" id="{2C63687B-1E3D-4E5A-B8CE-9B3E0396C1BA}"/>
+              </a:ext>
+            </a:extLst>
+          </p:cNvPr>
+          <p:cNvPicPr>
+            <a:picLocks noGrp="1" noChangeAspect="1"/>
+          </p:cNvPicPr>
+          <p:nvPr>
+            <p:ph sz="half" idx="4294967295"/>
+          </p:nvPr>
+        </p:nvPicPr>
+        <p:blipFill>
+          <a:blip r:embed="rId2"/>
+          <a:stretch>
+            <a:fillRect/>
+          </a:stretch>
+        </p:blipFill>
+        <p:spPr>
+          <a:xfrm>
+            <a:off x="4488568" y="2438401"/>
+            <a:ext cx="3914775" cy="2981325"/>
+          </a:xfrm>
+          <a:prstGeom prst="rect">
+            <a:avLst/>
+          </a:prstGeom>
+        </p:spPr>
+      </p:pic>
+    </p:spTree>
+    <p:extLst>
+      <p:ext uri="{BB962C8B-B14F-4D97-AF65-F5344CB8AC3E}">
+        <p14:creationId xmlns:p14="http://schemas.microsoft.com/office/powerpoint/2010/main" val="1794146833"/>
+      </p:ext>
+    </p:extLst>
+  </p:cSld>
+  <p:clrMapOvr>
+    <a:masterClrMapping/>
+  </p:clrMapOvr>
+  <mc:AlternateContent xmlns:mc="http://schemas.openxmlformats.org/markup-compatibility/2006" xmlns:p14="http://schemas.microsoft.com/office/powerpoint/2010/main">
+    <mc:Choice Requires="p14">
+      <p:transition spd="slow" p14:dur="1250">
+        <p:push dir="u"/>
+      </p:transition>
+    </mc:Choice>
+    <mc:Fallback xmlns="">
+      <p:transition spd="slow">
+        <p:push dir="u"/>
+      </p:transition>
+    </mc:Fallback>
+  </mc:AlternateContent>
+</p:sld>
+</file>
+
+<file path=ppt/slides/slide5.xml><?xml version="1.0" encoding="utf-8"?>
+<p:sld xmlns:a="http://schemas.openxmlformats.org/drawingml/2006/main" xmlns:r="http://schemas.openxmlformats.org/officeDocument/2006/relationships" xmlns:p="http://schemas.openxmlformats.org/presentationml/2006/main">
+  <p:cSld>
+    <p:spTree>
+      <p:nvGrpSpPr>
+        <p:cNvPr id="1" name=""/>
+        <p:cNvGrpSpPr/>
+        <p:nvPr/>
+      </p:nvGrpSpPr>
+      <p:grpSpPr>
+        <a:xfrm>
+          <a:off x="0" y="0"/>
+          <a:ext cx="0" cy="0"/>
+          <a:chOff x="0" y="0"/>
+          <a:chExt cx="0" cy="0"/>
+        </a:xfrm>
+      </p:grpSpPr>
+      <p:sp>
+        <p:nvSpPr>
+          <p:cNvPr id="2" name="标题 1">
+            <a:extLst>
+              <a:ext uri="{FF2B5EF4-FFF2-40B4-BE49-F238E27FC236}">
+                <a16:creationId xmlns:a16="http://schemas.microsoft.com/office/drawing/2014/main" id="{12F9F62A-C4D9-4EB9-9C7C-AAC816095787}"/>
+              </a:ext>
+            </a:extLst>
+          </p:cNvPr>
+          <p:cNvSpPr>
+            <a:spLocks noGrp="1"/>
+          </p:cNvSpPr>
+          <p:nvPr>
+            <p:ph type="title"/>
+          </p:nvPr>
+        </p:nvSpPr>
+        <p:spPr>
+          <a:xfrm>
+            <a:off x="1309512" y="457201"/>
+            <a:ext cx="10272889" cy="1420367"/>
+          </a:xfrm>
+        </p:spPr>
+        <p:txBody>
+          <a:bodyPr/>
+          <a:lstStyle/>
+          <a:p>
+            <a:pPr algn="ctr"/>
+            <a:r>
+              <a:rPr lang="zh-CN" altLang="en-US" dirty="0"/>
+              <a:t>实验</a:t>
+            </a:r>
+            <a:r>
+              <a:rPr lang="en-US" altLang="zh-CN" dirty="0"/>
+              <a:t>32</a:t>
+            </a:r>
+            <a:r>
+              <a:rPr lang="zh-CN" altLang="en-US" dirty="0"/>
+              <a:t>：可燃气传感器</a:t>
+            </a:r>
+          </a:p>
+        </p:txBody>
+      </p:sp>
+      <p:sp>
+        <p:nvSpPr>
+          <p:cNvPr id="3" name="内容占位符 2">
+            <a:extLst>
+              <a:ext uri="{FF2B5EF4-FFF2-40B4-BE49-F238E27FC236}">
+                <a16:creationId xmlns:a16="http://schemas.microsoft.com/office/drawing/2014/main" id="{3E5BC7F6-94C2-4775-ACAD-B47091AB755F}"/>
+              </a:ext>
+            </a:extLst>
+          </p:cNvPr>
+          <p:cNvSpPr>
+            <a:spLocks noGrp="1"/>
+          </p:cNvSpPr>
+          <p:nvPr>
+            <p:ph idx="1"/>
+          </p:nvPr>
+        </p:nvSpPr>
+        <p:spPr>
+          <a:xfrm>
+            <a:off x="1309512" y="1975103"/>
+            <a:ext cx="10272889" cy="4024713"/>
+          </a:xfrm>
+        </p:spPr>
+        <p:txBody>
+          <a:bodyPr>
+            <a:normAutofit fontScale="85000" lnSpcReduction="20000"/>
+          </a:bodyPr>
+          <a:lstStyle/>
+          <a:p>
+            <a:r>
+              <a:rPr lang="zh-CN" altLang="en-US" dirty="0"/>
+              <a:t>检测空气中可燃气浓度</a:t>
+            </a:r>
+            <a:endParaRPr lang="en-US" altLang="zh-CN" dirty="0"/>
+          </a:p>
+          <a:p>
+            <a:r>
+              <a:rPr lang="zh-CN" altLang="en-US" dirty="0"/>
+              <a:t>实验器材</a:t>
+            </a:r>
+            <a:endParaRPr lang="en-US" altLang="zh-CN" dirty="0"/>
+          </a:p>
+          <a:p>
+            <a:pPr marL="914400" lvl="1" indent="-457200">
+              <a:buFont typeface="+mj-lt"/>
+              <a:buAutoNum type="arabicPeriod"/>
+            </a:pPr>
+            <a:r>
+              <a:rPr lang="en-US" altLang="zh-CN" dirty="0"/>
+              <a:t>Arduino</a:t>
+            </a:r>
+            <a:r>
+              <a:rPr lang="zh-CN" altLang="en-US" dirty="0"/>
+              <a:t>开发板</a:t>
+            </a:r>
+            <a:endParaRPr lang="en-US" altLang="zh-CN" dirty="0"/>
+          </a:p>
+          <a:p>
+            <a:pPr marL="914400" lvl="1" indent="-457200">
+              <a:buFont typeface="+mj-lt"/>
+              <a:buAutoNum type="arabicPeriod"/>
+            </a:pPr>
+            <a:r>
+              <a:rPr lang="en-US" altLang="zh-CN" dirty="0"/>
+              <a:t>USB</a:t>
+            </a:r>
+            <a:r>
+              <a:rPr lang="zh-CN" altLang="en-US" dirty="0"/>
+              <a:t>数据线</a:t>
+            </a:r>
+            <a:endParaRPr lang="en-US" altLang="zh-CN" dirty="0"/>
+          </a:p>
+          <a:p>
+            <a:pPr marL="914400" lvl="1" indent="-457200">
+              <a:buFont typeface="+mj-lt"/>
+              <a:buAutoNum type="arabicPeriod"/>
+            </a:pPr>
+            <a:r>
+              <a:rPr lang="zh-CN" altLang="en-US" dirty="0"/>
+              <a:t>面包板及跳线</a:t>
+            </a:r>
+            <a:endParaRPr lang="en-US" altLang="zh-CN" dirty="0"/>
+          </a:p>
+          <a:p>
+            <a:pPr marL="914400" lvl="1" indent="-457200">
+              <a:buFont typeface="+mj-lt"/>
+              <a:buAutoNum type="arabicPeriod"/>
+            </a:pPr>
+            <a:r>
+              <a:rPr lang="en-US" altLang="zh-CN" dirty="0"/>
+              <a:t>MQ-9</a:t>
+            </a:r>
+            <a:r>
+              <a:rPr lang="zh-CN" altLang="en-US" dirty="0"/>
+              <a:t>可燃气传感器</a:t>
+            </a:r>
+            <a:r>
+              <a:rPr lang="en-US" altLang="zh-CN" dirty="0"/>
+              <a:t>1</a:t>
+            </a:r>
+            <a:r>
+              <a:rPr lang="zh-CN" altLang="en-US" dirty="0"/>
+              <a:t>块</a:t>
+            </a:r>
+            <a:endParaRPr lang="en-US" altLang="zh-CN" dirty="0"/>
+          </a:p>
+          <a:p>
+            <a:r>
+              <a:rPr lang="zh-CN" altLang="en-US" dirty="0"/>
+              <a:t>接线</a:t>
+            </a:r>
+            <a:endParaRPr lang="en-US" altLang="zh-CN" dirty="0"/>
+          </a:p>
+          <a:p>
+            <a:pPr lvl="1"/>
+            <a:r>
+              <a:rPr lang="en-US" altLang="zh-CN" dirty="0"/>
+              <a:t>VCC  </a:t>
+            </a:r>
+            <a:r>
+              <a:rPr lang="zh-CN" altLang="en-US" dirty="0"/>
+              <a:t>接</a:t>
+            </a:r>
+            <a:r>
+              <a:rPr lang="en-US" altLang="zh-CN" dirty="0"/>
+              <a:t>+5V</a:t>
+            </a:r>
+          </a:p>
+          <a:p>
+            <a:pPr lvl="1"/>
+            <a:r>
+              <a:rPr lang="en-US" altLang="zh-CN" dirty="0"/>
+              <a:t>GND </a:t>
+            </a:r>
+            <a:r>
+              <a:rPr lang="zh-CN" altLang="en-US" dirty="0"/>
+              <a:t>接地</a:t>
+            </a:r>
+            <a:endParaRPr lang="en-US" altLang="zh-CN" dirty="0"/>
+          </a:p>
+          <a:p>
+            <a:pPr lvl="1"/>
+            <a:r>
+              <a:rPr lang="en-US" altLang="zh-CN" dirty="0"/>
+              <a:t>DO    </a:t>
+            </a:r>
+            <a:r>
+              <a:rPr lang="zh-CN" altLang="en-US" dirty="0"/>
+              <a:t>悬空</a:t>
+            </a:r>
+            <a:endParaRPr lang="en-US" altLang="zh-CN" dirty="0"/>
+          </a:p>
+          <a:p>
+            <a:pPr lvl="1"/>
+            <a:r>
+              <a:rPr lang="en-US" altLang="zh-CN" dirty="0"/>
+              <a:t>AO    </a:t>
+            </a:r>
+            <a:r>
+              <a:rPr lang="zh-CN" altLang="en-US" dirty="0"/>
+              <a:t>接</a:t>
+            </a:r>
+            <a:r>
+              <a:rPr lang="en-US" altLang="zh-CN" dirty="0"/>
+              <a:t>A0</a:t>
+            </a:r>
+          </a:p>
+        </p:txBody>
+      </p:sp>
+    </p:spTree>
+    <p:extLst>
+      <p:ext uri="{BB962C8B-B14F-4D97-AF65-F5344CB8AC3E}">
+        <p14:creationId xmlns:p14="http://schemas.microsoft.com/office/powerpoint/2010/main" val="353001785"/>
+      </p:ext>
+    </p:extLst>
+  </p:cSld>
+  <p:clrMapOvr>
+    <a:masterClrMapping/>
+  </p:clrMapOvr>
+  <mc:AlternateContent xmlns:mc="http://schemas.openxmlformats.org/markup-compatibility/2006" xmlns:p14="http://schemas.microsoft.com/office/powerpoint/2010/main">
+    <mc:Choice Requires="p14">
+      <p:transition spd="slow" p14:dur="1250">
+        <p:push dir="u"/>
+      </p:transition>
+    </mc:Choice>
+    <mc:Fallback xmlns="">
+      <p:transition spd="slow">
+        <p:push dir="u"/>
+      </p:transition>
+    </mc:Fallback>
+  </mc:AlternateContent>
+</p:sld>
+</file>
+
+<file path=ppt/slides/slide6.xml><?xml version="1.0" encoding="utf-8"?>
+<p:sld xmlns:a="http://schemas.openxmlformats.org/drawingml/2006/main" xmlns:r="http://schemas.openxmlformats.org/officeDocument/2006/relationships" xmlns:p="http://schemas.openxmlformats.org/presentationml/2006/main">
+  <p:cSld>
+    <p:spTree>
+      <p:nvGrpSpPr>
+        <p:cNvPr id="1" name=""/>
+        <p:cNvGrpSpPr/>
+        <p:nvPr/>
+      </p:nvGrpSpPr>
+      <p:grpSpPr>
+        <a:xfrm>
+          <a:off x="0" y="0"/>
+          <a:ext cx="0" cy="0"/>
+          <a:chOff x="0" y="0"/>
+          <a:chExt cx="0" cy="0"/>
+        </a:xfrm>
+      </p:grpSpPr>
+      <p:sp>
+        <p:nvSpPr>
+          <p:cNvPr id="2" name="标题 1">
+            <a:extLst>
+              <a:ext uri="{FF2B5EF4-FFF2-40B4-BE49-F238E27FC236}">
+                <a16:creationId xmlns:a16="http://schemas.microsoft.com/office/drawing/2014/main" id="{E7E3B9FC-BC6D-406A-A7B1-494F407A4A8A}"/>
+              </a:ext>
+            </a:extLst>
+          </p:cNvPr>
+          <p:cNvSpPr>
+            <a:spLocks noGrp="1"/>
+          </p:cNvSpPr>
+          <p:nvPr>
+            <p:ph type="title"/>
+          </p:nvPr>
+        </p:nvSpPr>
+        <p:spPr/>
+        <p:txBody>
+          <a:bodyPr/>
+          <a:lstStyle/>
+          <a:p>
+            <a:r>
+              <a:rPr lang="zh-CN" altLang="en-US" dirty="0"/>
+              <a:t>电路连接</a:t>
+            </a:r>
+          </a:p>
+        </p:txBody>
+      </p:sp>
+      <p:sp>
+        <p:nvSpPr>
+          <p:cNvPr id="3" name="内容占位符 2">
+            <a:extLst>
+              <a:ext uri="{FF2B5EF4-FFF2-40B4-BE49-F238E27FC236}">
+                <a16:creationId xmlns:a16="http://schemas.microsoft.com/office/drawing/2014/main" id="{65127424-6685-4C93-8875-122D615CFCBE}"/>
+              </a:ext>
+            </a:extLst>
+          </p:cNvPr>
+          <p:cNvSpPr>
+            <a:spLocks noGrp="1"/>
+          </p:cNvSpPr>
+          <p:nvPr>
+            <p:ph idx="1"/>
+          </p:nvPr>
+        </p:nvSpPr>
+        <p:spPr/>
+        <p:txBody>
+          <a:bodyPr/>
+          <a:lstStyle/>
+          <a:p>
+            <a:r>
+              <a:rPr lang="zh-CN" altLang="en-US" dirty="0"/>
+              <a:t>为了获得正确和准确的数据，需要先执行以下操作：</a:t>
+            </a:r>
+          </a:p>
+          <a:p>
+            <a:pPr marL="914400" lvl="1" indent="-457200">
+              <a:buFont typeface="+mj-lt"/>
+              <a:buAutoNum type="arabicPeriod"/>
+            </a:pPr>
+            <a:r>
+              <a:rPr lang="en-US" altLang="zh-CN" dirty="0"/>
+              <a:t>MQ9</a:t>
+            </a:r>
+            <a:r>
+              <a:rPr lang="zh-CN" altLang="en-US" dirty="0"/>
+              <a:t>传感器需要</a:t>
+            </a:r>
+            <a:r>
+              <a:rPr lang="en-US" altLang="zh-CN" dirty="0"/>
+              <a:t>24-48</a:t>
+            </a:r>
+            <a:r>
+              <a:rPr lang="zh-CN" altLang="en-US" dirty="0"/>
+              <a:t>小时的预热时间。连接电源并离开所需的时间，直到准备就绪。</a:t>
+            </a:r>
+          </a:p>
+          <a:p>
+            <a:pPr marL="914400" lvl="1" indent="-457200">
+              <a:buFont typeface="+mj-lt"/>
+              <a:buAutoNum type="arabicPeriod"/>
+            </a:pPr>
+            <a:r>
+              <a:rPr lang="zh-CN" altLang="en-US" dirty="0"/>
+              <a:t>需要校准传感器。</a:t>
+            </a:r>
+            <a:endParaRPr lang="en-US" altLang="zh-CN" dirty="0"/>
+          </a:p>
+          <a:p>
+            <a:r>
+              <a:rPr lang="zh-CN" altLang="en-US" dirty="0"/>
+              <a:t>该模块有</a:t>
+            </a:r>
+            <a:r>
+              <a:rPr lang="en-US" altLang="zh-CN" dirty="0"/>
+              <a:t>4</a:t>
+            </a:r>
+            <a:r>
+              <a:rPr lang="zh-CN" altLang="en-US" dirty="0"/>
+              <a:t>个引脚。将</a:t>
+            </a:r>
+            <a:r>
+              <a:rPr lang="en-US" altLang="zh-CN" dirty="0" err="1"/>
+              <a:t>Vcc</a:t>
+            </a:r>
+            <a:r>
+              <a:rPr lang="zh-CN" altLang="en-US" dirty="0"/>
+              <a:t>连接到</a:t>
+            </a:r>
+            <a:r>
+              <a:rPr lang="en-US" altLang="zh-CN" dirty="0"/>
+              <a:t>5V</a:t>
+            </a:r>
+            <a:r>
+              <a:rPr lang="zh-CN" altLang="en-US" dirty="0"/>
+              <a:t>，</a:t>
+            </a:r>
+            <a:r>
+              <a:rPr lang="en-US" altLang="zh-CN" dirty="0"/>
+              <a:t>GND</a:t>
+            </a:r>
+            <a:r>
+              <a:rPr lang="zh-CN" altLang="en-US" dirty="0"/>
+              <a:t>连接到</a:t>
+            </a:r>
+            <a:r>
+              <a:rPr lang="en-US" altLang="zh-CN" dirty="0"/>
+              <a:t>GND</a:t>
+            </a:r>
+            <a:r>
+              <a:rPr lang="zh-CN" altLang="en-US" dirty="0"/>
+              <a:t>。 </a:t>
+            </a:r>
+            <a:r>
+              <a:rPr lang="en-US" altLang="zh-CN" dirty="0"/>
+              <a:t>AO</a:t>
+            </a:r>
+            <a:r>
+              <a:rPr lang="zh-CN" altLang="en-US" dirty="0"/>
+              <a:t>引脚根据气体浓度返回模拟值。如果气体浓度高于某个值，则</a:t>
+            </a:r>
+            <a:r>
+              <a:rPr lang="en-US" altLang="zh-CN" dirty="0"/>
+              <a:t>DO</a:t>
+            </a:r>
+            <a:r>
+              <a:rPr lang="zh-CN" altLang="en-US" dirty="0"/>
+              <a:t>引脚返回</a:t>
+            </a:r>
+            <a:r>
+              <a:rPr lang="en-US" altLang="zh-CN" dirty="0"/>
+              <a:t>HIGH</a:t>
+            </a:r>
+            <a:r>
+              <a:rPr lang="zh-CN" altLang="en-US" dirty="0"/>
+              <a:t>。该值可通过电路板上的电位器设置。</a:t>
+            </a:r>
+          </a:p>
+        </p:txBody>
+      </p:sp>
+    </p:spTree>
+    <p:extLst>
+      <p:ext uri="{BB962C8B-B14F-4D97-AF65-F5344CB8AC3E}">
+        <p14:creationId xmlns:p14="http://schemas.microsoft.com/office/powerpoint/2010/main" val="3642148797"/>
+      </p:ext>
+    </p:extLst>
+  </p:cSld>
+  <p:clrMapOvr>
+    <a:masterClrMapping/>
+  </p:clrMapOvr>
+  <mc:AlternateContent xmlns:mc="http://schemas.openxmlformats.org/markup-compatibility/2006" xmlns:p14="http://schemas.microsoft.com/office/powerpoint/2010/main">
+    <mc:Choice Requires="p14">
+      <p:transition spd="slow" p14:dur="1250">
+        <p:push dir="u"/>
+      </p:transition>
+    </mc:Choice>
+    <mc:Fallback xmlns="">
+      <p:transition spd="slow">
+        <p:push dir="u"/>
+      </p:transition>
+    </mc:Fallback>
+  </mc:AlternateContent>
+</p:sld>
+</file>
+
+<file path=ppt/slides/slide7.xml><?xml version="1.0" encoding="utf-8"?>
+<p:sld xmlns:a="http://schemas.openxmlformats.org/drawingml/2006/main" xmlns:r="http://schemas.openxmlformats.org/officeDocument/2006/relationships" xmlns:p="http://schemas.openxmlformats.org/presentationml/2006/main">
+  <p:cSld>
+    <p:spTree>
+      <p:nvGrpSpPr>
+        <p:cNvPr id="1" name=""/>
+        <p:cNvGrpSpPr/>
+        <p:nvPr/>
+      </p:nvGrpSpPr>
+      <p:grpSpPr>
+        <a:xfrm>
+          <a:off x="0" y="0"/>
+          <a:ext cx="0" cy="0"/>
+          <a:chOff x="0" y="0"/>
+          <a:chExt cx="0" cy="0"/>
+        </a:xfrm>
+      </p:grpSpPr>
+      <p:pic>
+        <p:nvPicPr>
+          <p:cNvPr id="9" name="图片 8">
+            <a:extLst>
+              <a:ext uri="{FF2B5EF4-FFF2-40B4-BE49-F238E27FC236}">
+                <a16:creationId xmlns:a16="http://schemas.microsoft.com/office/drawing/2014/main" id="{C18A63BB-DA73-4C9D-A0B4-E2DC547918D1}"/>
+              </a:ext>
+            </a:extLst>
+          </p:cNvPr>
+          <p:cNvPicPr>
+            <a:picLocks noChangeAspect="1"/>
+          </p:cNvPicPr>
+          <p:nvPr/>
+        </p:nvPicPr>
+        <p:blipFill>
+          <a:blip r:embed="rId2"/>
+          <a:stretch>
+            <a:fillRect/>
+          </a:stretch>
+        </p:blipFill>
+        <p:spPr>
+          <a:xfrm>
+            <a:off x="6306532" y="2905959"/>
+            <a:ext cx="5275869" cy="2854897"/>
+          </a:xfrm>
+          <a:prstGeom prst="rect">
+            <a:avLst/>
+          </a:prstGeom>
+        </p:spPr>
+      </p:pic>
+      <p:sp>
+        <p:nvSpPr>
+          <p:cNvPr id="10" name="标题 9">
+            <a:extLst>
+              <a:ext uri="{FF2B5EF4-FFF2-40B4-BE49-F238E27FC236}">
+                <a16:creationId xmlns:a16="http://schemas.microsoft.com/office/drawing/2014/main" id="{5BEDAEAD-0DDD-412E-835C-BE37BEC10CCE}"/>
+              </a:ext>
+            </a:extLst>
+          </p:cNvPr>
+          <p:cNvSpPr>
+            <a:spLocks noGrp="1"/>
+          </p:cNvSpPr>
+          <p:nvPr>
+            <p:ph type="title"/>
+          </p:nvPr>
+        </p:nvSpPr>
+        <p:spPr/>
+        <p:txBody>
+          <a:bodyPr/>
+          <a:lstStyle/>
+          <a:p>
+            <a:r>
+              <a:rPr lang="zh-CN" altLang="en-US" dirty="0"/>
+              <a:t>电路连接（续）</a:t>
+            </a:r>
+          </a:p>
+        </p:txBody>
+      </p:sp>
+      <p:sp>
+        <p:nvSpPr>
+          <p:cNvPr id="11" name="内容占位符 10">
+            <a:extLst>
+              <a:ext uri="{FF2B5EF4-FFF2-40B4-BE49-F238E27FC236}">
+                <a16:creationId xmlns:a16="http://schemas.microsoft.com/office/drawing/2014/main" id="{EF95D26C-3F6F-4615-8B7A-E5871E9246B0}"/>
+              </a:ext>
+            </a:extLst>
+          </p:cNvPr>
+          <p:cNvSpPr>
+            <a:spLocks noGrp="1"/>
+          </p:cNvSpPr>
+          <p:nvPr>
+            <p:ph idx="1"/>
+          </p:nvPr>
+        </p:nvSpPr>
+        <p:spPr>
+          <a:xfrm>
+            <a:off x="1309511" y="2667000"/>
+            <a:ext cx="4786489" cy="3093856"/>
+          </a:xfrm>
+        </p:spPr>
+        <p:txBody>
+          <a:bodyPr>
+            <a:normAutofit/>
+          </a:bodyPr>
+          <a:lstStyle/>
+          <a:p>
+            <a:pPr marL="457200" indent="-457200">
+              <a:buFont typeface="+mj-lt"/>
+              <a:buAutoNum type="arabicPeriod"/>
+            </a:pPr>
+            <a:r>
+              <a:rPr lang="zh-CN" altLang="en-US" sz="2000" dirty="0"/>
+              <a:t>请勿将此传感器暴露在水和霜中。</a:t>
+            </a:r>
+          </a:p>
+          <a:p>
+            <a:pPr marL="457200" indent="-457200">
+              <a:buFont typeface="+mj-lt"/>
+              <a:buAutoNum type="arabicPeriod"/>
+            </a:pPr>
+            <a:r>
+              <a:rPr lang="zh-CN" altLang="en-US" sz="2000" dirty="0"/>
+              <a:t>施加高于</a:t>
+            </a:r>
+            <a:r>
+              <a:rPr lang="en-US" altLang="zh-CN" sz="2000" dirty="0"/>
+              <a:t>5V</a:t>
+            </a:r>
+            <a:r>
+              <a:rPr lang="zh-CN" altLang="en-US" sz="2000" dirty="0"/>
+              <a:t>的电压或将电压施加到错误的引脚可能会损坏传感器。</a:t>
+            </a:r>
+          </a:p>
+          <a:p>
+            <a:pPr marL="457200" indent="-457200">
+              <a:buFont typeface="+mj-lt"/>
+              <a:buAutoNum type="arabicPeriod"/>
+            </a:pPr>
+            <a:r>
+              <a:rPr lang="zh-CN" altLang="en-US" sz="2000" dirty="0"/>
+              <a:t>将传感器长时间暴露在高浓度气体中可能会对其性能产生负面影响。</a:t>
+            </a:r>
+          </a:p>
+          <a:p>
+            <a:pPr marL="457200" indent="-457200">
+              <a:buFont typeface="+mj-lt"/>
+              <a:buAutoNum type="arabicPeriod"/>
+            </a:pPr>
+            <a:r>
+              <a:rPr lang="zh-CN" altLang="en-US" sz="2000" dirty="0"/>
+              <a:t>摇晃或振动传感器可能会降低其精度。</a:t>
+            </a:r>
+          </a:p>
+        </p:txBody>
+      </p:sp>
+    </p:spTree>
+    <p:extLst>
+      <p:ext uri="{BB962C8B-B14F-4D97-AF65-F5344CB8AC3E}">
+        <p14:creationId xmlns:p14="http://schemas.microsoft.com/office/powerpoint/2010/main" val="2866931475"/>
+      </p:ext>
+    </p:extLst>
+  </p:cSld>
+  <p:clrMapOvr>
+    <a:masterClrMapping/>
+  </p:clrMapOvr>
+  <mc:AlternateContent xmlns:mc="http://schemas.openxmlformats.org/markup-compatibility/2006" xmlns:p14="http://schemas.microsoft.com/office/powerpoint/2010/main">
+    <mc:Choice Requires="p14">
+      <p:transition spd="slow" p14:dur="1250">
+        <p:push dir="u"/>
+      </p:transition>
+    </mc:Choice>
+    <mc:Fallback xmlns="">
+      <p:transition spd="slow">
+        <p:push dir="u"/>
+      </p:transition>
+    </mc:Fallback>
+  </mc:AlternateContent>
+</p:sld>
+</file>
+
+<file path=ppt/slides/slide8.xml><?xml version="1.0" encoding="utf-8"?>
+<p:sld xmlns:a="http://schemas.openxmlformats.org/drawingml/2006/main" xmlns:r="http://schemas.openxmlformats.org/officeDocument/2006/relationships" xmlns:p="http://schemas.openxmlformats.org/presentationml/2006/main">
+  <p:cSld>
+    <p:spTree>
+      <p:nvGrpSpPr>
+        <p:cNvPr id="1" name=""/>
+        <p:cNvGrpSpPr/>
+        <p:nvPr/>
+      </p:nvGrpSpPr>
+      <p:grpSpPr>
+        <a:xfrm>
+          <a:off x="0" y="0"/>
+          <a:ext cx="0" cy="0"/>
+          <a:chOff x="0" y="0"/>
+          <a:chExt cx="0" cy="0"/>
+        </a:xfrm>
+      </p:grpSpPr>
+      <p:sp>
+        <p:nvSpPr>
+          <p:cNvPr id="2" name="标题 1">
+            <a:extLst>
+              <a:ext uri="{FF2B5EF4-FFF2-40B4-BE49-F238E27FC236}">
+                <a16:creationId xmlns:a16="http://schemas.microsoft.com/office/drawing/2014/main" id="{DB2D5EBC-18A5-41AD-AA35-E12D4E668A76}"/>
+              </a:ext>
+            </a:extLst>
+          </p:cNvPr>
+          <p:cNvSpPr>
+            <a:spLocks noGrp="1"/>
+          </p:cNvSpPr>
+          <p:nvPr>
+            <p:ph type="title"/>
+          </p:nvPr>
+        </p:nvSpPr>
+        <p:spPr/>
+        <p:txBody>
+          <a:bodyPr/>
+          <a:lstStyle/>
+          <a:p>
+            <a:r>
+              <a:rPr lang="zh-CN" altLang="en-US" dirty="0"/>
+              <a:t>校准</a:t>
+            </a:r>
+            <a:r>
+              <a:rPr lang="en-US" altLang="zh-CN" dirty="0"/>
+              <a:t>MQ9</a:t>
+            </a:r>
+            <a:r>
+              <a:rPr lang="zh-CN" altLang="en-US" dirty="0"/>
+              <a:t>气体传感器</a:t>
+            </a:r>
+          </a:p>
+        </p:txBody>
+      </p:sp>
+      <p:sp>
+        <p:nvSpPr>
+          <p:cNvPr id="3" name="内容占位符 2">
+            <a:extLst>
+              <a:ext uri="{FF2B5EF4-FFF2-40B4-BE49-F238E27FC236}">
+                <a16:creationId xmlns:a16="http://schemas.microsoft.com/office/drawing/2014/main" id="{D1A4B590-078A-410E-886A-57F4667A61AB}"/>
+              </a:ext>
+            </a:extLst>
+          </p:cNvPr>
+          <p:cNvSpPr>
+            <a:spLocks noGrp="1"/>
+          </p:cNvSpPr>
+          <p:nvPr>
+            <p:ph idx="1"/>
+          </p:nvPr>
+        </p:nvSpPr>
+        <p:spPr/>
+        <p:txBody>
+          <a:bodyPr/>
+          <a:lstStyle/>
+          <a:p>
+            <a:r>
+              <a:rPr lang="zh-CN" altLang="en-US" dirty="0"/>
+              <a:t>在使用模块之前，必须进行校准。该传感器基于电阻比测量气体浓度。该比率包括</a:t>
+            </a:r>
+            <a:r>
+              <a:rPr lang="en-US" altLang="zh-CN" dirty="0"/>
+              <a:t>R0</a:t>
+            </a:r>
+            <a:r>
+              <a:rPr lang="zh-CN" altLang="en-US" dirty="0"/>
+              <a:t>（</a:t>
+            </a:r>
+            <a:r>
+              <a:rPr lang="en-US" altLang="zh-CN" dirty="0"/>
+              <a:t>1000ppm</a:t>
+            </a:r>
+            <a:r>
+              <a:rPr lang="zh-CN" altLang="en-US" dirty="0"/>
+              <a:t>浓度的</a:t>
+            </a:r>
+            <a:r>
+              <a:rPr lang="en-US" altLang="zh-CN" dirty="0"/>
+              <a:t>LPG</a:t>
+            </a:r>
+            <a:r>
+              <a:rPr lang="zh-CN" altLang="en-US" dirty="0"/>
+              <a:t>中的传感器电阻）和</a:t>
+            </a:r>
+            <a:r>
+              <a:rPr lang="en-US" altLang="zh-CN" dirty="0"/>
+              <a:t>Rs</a:t>
+            </a:r>
+            <a:r>
+              <a:rPr lang="zh-CN" altLang="en-US" dirty="0"/>
+              <a:t>（传感器的内部电阻随气体浓度而变化）。在洁净空气中，预热后，上传以下代码并等待约</a:t>
+            </a:r>
+            <a:r>
+              <a:rPr lang="en-US" altLang="zh-CN" dirty="0"/>
+              <a:t>15</a:t>
+            </a:r>
+            <a:r>
+              <a:rPr lang="zh-CN" altLang="en-US" dirty="0"/>
+              <a:t>分钟，直到</a:t>
+            </a:r>
+            <a:r>
+              <a:rPr lang="en-US" altLang="zh-CN" dirty="0"/>
+              <a:t>R0</a:t>
+            </a:r>
+            <a:r>
+              <a:rPr lang="zh-CN" altLang="en-US" dirty="0"/>
+              <a:t>达到固定值。</a:t>
+            </a:r>
+            <a:endParaRPr lang="en-US" altLang="zh-CN" dirty="0"/>
+          </a:p>
+          <a:p>
+            <a:r>
+              <a:rPr lang="zh-CN" altLang="en-US" dirty="0"/>
+              <a:t>采样</a:t>
+            </a:r>
+            <a:r>
+              <a:rPr lang="en-US" altLang="zh-CN" dirty="0"/>
+              <a:t>100</a:t>
+            </a:r>
+            <a:r>
+              <a:rPr lang="zh-CN" altLang="en-US" dirty="0"/>
+              <a:t>个数据求均值。测量传感器电压并根据</a:t>
+            </a:r>
+            <a:r>
+              <a:rPr lang="en-US" altLang="zh-CN" dirty="0"/>
+              <a:t>RL</a:t>
+            </a:r>
+            <a:r>
+              <a:rPr lang="zh-CN" altLang="en-US" dirty="0"/>
+              <a:t>阻值（例子中为</a:t>
+            </a:r>
+            <a:r>
+              <a:rPr lang="en-US" altLang="zh-CN" dirty="0"/>
+              <a:t>5K</a:t>
+            </a:r>
+            <a:r>
+              <a:rPr lang="zh-CN" altLang="en-US" dirty="0"/>
+              <a:t>），我们计算</a:t>
+            </a:r>
+            <a:r>
+              <a:rPr lang="en-US" altLang="zh-CN" dirty="0"/>
+              <a:t>Rs</a:t>
+            </a:r>
+            <a:r>
+              <a:rPr lang="zh-CN" altLang="en-US" dirty="0"/>
+              <a:t>。 根据数据手册中的表格，可以算出</a:t>
+            </a:r>
+            <a:r>
+              <a:rPr lang="en-US" altLang="zh-CN" dirty="0"/>
+              <a:t>R0</a:t>
+            </a:r>
+            <a:r>
+              <a:rPr lang="zh-CN" altLang="en-US" dirty="0"/>
+              <a:t>。</a:t>
+            </a:r>
+            <a:endParaRPr lang="en-US" altLang="zh-CN" dirty="0"/>
+          </a:p>
+          <a:p>
+            <a:r>
+              <a:rPr lang="zh-CN" altLang="en-US" dirty="0"/>
+              <a:t>将</a:t>
+            </a:r>
+            <a:r>
+              <a:rPr lang="en-US" altLang="zh-CN" dirty="0"/>
+              <a:t>R0</a:t>
+            </a:r>
+            <a:r>
+              <a:rPr lang="zh-CN" altLang="en-US" dirty="0"/>
+              <a:t>替换为上一步中获得的值。</a:t>
+            </a:r>
+          </a:p>
+        </p:txBody>
+      </p:sp>
+    </p:spTree>
+    <p:extLst>
+      <p:ext uri="{BB962C8B-B14F-4D97-AF65-F5344CB8AC3E}">
+        <p14:creationId xmlns:p14="http://schemas.microsoft.com/office/powerpoint/2010/main" val="4068923586"/>
+      </p:ext>
+    </p:extLst>
+  </p:cSld>
+  <p:clrMapOvr>
+    <a:masterClrMapping/>
+  </p:clrMapOvr>
+  <mc:AlternateContent xmlns:mc="http://schemas.openxmlformats.org/markup-compatibility/2006" xmlns:p14="http://schemas.microsoft.com/office/powerpoint/2010/main">
+    <mc:Choice Requires="p14">
+      <p:transition spd="slow" p14:dur="1250">
+        <p:push dir="u"/>
+      </p:transition>
+    </mc:Choice>
+    <mc:Fallback xmlns="">
+      <p:transition spd="slow">
+        <p:push dir="u"/>
+      </p:transition>
+    </mc:Fallback>
+  </mc:AlternateContent>
+</p:sld>
+</file>
+
+<file path=ppt/slides/slide9.xml><?xml version="1.0" encoding="utf-8"?>
+<p:sld xmlns:a="http://schemas.openxmlformats.org/drawingml/2006/main" xmlns:r="http://schemas.openxmlformats.org/officeDocument/2006/relationships" xmlns:p="http://schemas.openxmlformats.org/presentationml/2006/main">
+  <p:cSld>
+    <p:spTree>
+      <p:nvGrpSpPr>
+        <p:cNvPr id="1" name=""/>
+        <p:cNvGrpSpPr/>
+        <p:nvPr/>
+      </p:nvGrpSpPr>
+      <p:grpSpPr>
+        <a:xfrm>
+          <a:off x="0" y="0"/>
+          <a:ext cx="0" cy="0"/>
+          <a:chOff x="0" y="0"/>
+          <a:chExt cx="0" cy="0"/>
+        </a:xfrm>
+      </p:grpSpPr>
+      <p:pic>
+        <p:nvPicPr>
+          <p:cNvPr id="5" name="图片 4">
+            <a:extLst>
+              <a:ext uri="{FF2B5EF4-FFF2-40B4-BE49-F238E27FC236}">
+                <a16:creationId xmlns:a16="http://schemas.microsoft.com/office/drawing/2014/main" id="{BC4A64E9-1329-40AF-A80A-D057A726A721}"/>
+              </a:ext>
+            </a:extLst>
+          </p:cNvPr>
+          <p:cNvPicPr>
+            <a:picLocks noChangeAspect="1"/>
+          </p:cNvPicPr>
+          <p:nvPr/>
+        </p:nvPicPr>
+        <p:blipFill>
+          <a:blip r:embed="rId2"/>
+          <a:stretch>
+            <a:fillRect/>
+          </a:stretch>
+        </p:blipFill>
+        <p:spPr>
+          <a:xfrm>
+            <a:off x="7206979" y="2677178"/>
+            <a:ext cx="4127329" cy="3484844"/>
+          </a:xfrm>
+          <a:prstGeom prst="rect">
+            <a:avLst/>
+          </a:prstGeom>
+        </p:spPr>
+      </p:pic>
+      <p:sp>
+        <p:nvSpPr>
+          <p:cNvPr id="9" name="标题 8">
+            <a:extLst>
+              <a:ext uri="{FF2B5EF4-FFF2-40B4-BE49-F238E27FC236}">
+                <a16:creationId xmlns:a16="http://schemas.microsoft.com/office/drawing/2014/main" id="{01368AA7-A92D-4FAA-B800-4F8E38A4DE0F}"/>
+              </a:ext>
+            </a:extLst>
+          </p:cNvPr>
+          <p:cNvSpPr>
+            <a:spLocks noGrp="1"/>
+          </p:cNvSpPr>
+          <p:nvPr>
+            <p:ph type="title"/>
+          </p:nvPr>
+        </p:nvSpPr>
+        <p:spPr/>
+        <p:txBody>
+          <a:bodyPr/>
+          <a:lstStyle/>
+          <a:p>
+            <a:r>
+              <a:rPr lang="zh-CN" altLang="en-US" dirty="0"/>
+              <a:t>获取气体浓度</a:t>
+            </a:r>
+          </a:p>
+        </p:txBody>
+      </p:sp>
+      <p:sp>
+        <p:nvSpPr>
+          <p:cNvPr id="10" name="文本框 9">
+            <a:extLst>
+              <a:ext uri="{FF2B5EF4-FFF2-40B4-BE49-F238E27FC236}">
+                <a16:creationId xmlns:a16="http://schemas.microsoft.com/office/drawing/2014/main" id="{705A579C-2E8A-41E7-BDA7-C5759E4864F1}"/>
+              </a:ext>
+            </a:extLst>
+          </p:cNvPr>
+          <p:cNvSpPr txBox="1"/>
+          <p:nvPr/>
+        </p:nvSpPr>
+        <p:spPr>
+          <a:xfrm>
+            <a:off x="2158738" y="3757880"/>
+            <a:ext cx="4562573" cy="1323439"/>
+          </a:xfrm>
+          <a:prstGeom prst="rect">
+            <a:avLst/>
+          </a:prstGeom>
+          <a:noFill/>
+        </p:spPr>
+        <p:txBody>
+          <a:bodyPr wrap="square" rtlCol="0">
+            <a:spAutoFit/>
+          </a:bodyPr>
+          <a:lstStyle/>
+          <a:p>
+            <a:pPr marL="285750" indent="-285750" defTabSz="457200">
+              <a:spcBef>
+                <a:spcPct val="20000"/>
+              </a:spcBef>
+              <a:spcAft>
+                <a:spcPts val="600"/>
+              </a:spcAft>
+              <a:buClr>
+                <a:schemeClr val="accent1">
+                  <a:lumMod val="75000"/>
+                </a:schemeClr>
+              </a:buClr>
+              <a:buSzPct val="145000"/>
+              <a:buFont typeface="Arial" panose="020B0604020202020204" pitchFamily="34" charset="0"/>
+              <a:buChar char="•"/>
+            </a:pPr>
+            <a:r>
+              <a:rPr lang="zh-CN" altLang="en-US" sz="2000" dirty="0"/>
+              <a:t>测量浓度的原理就是计算</a:t>
+            </a:r>
+            <a:r>
+              <a:rPr lang="en-US" altLang="zh-CN" sz="2000" dirty="0"/>
+              <a:t>MQ-9</a:t>
+            </a:r>
+            <a:r>
+              <a:rPr lang="zh-CN" altLang="en-US" sz="2000" dirty="0"/>
+              <a:t>传感器的灵敏度电阻比</a:t>
+            </a:r>
+            <a:r>
+              <a:rPr lang="en-US" altLang="zh-CN" sz="2000" dirty="0"/>
+              <a:t>Rs/R0,</a:t>
+            </a:r>
+            <a:r>
+              <a:rPr lang="zh-CN" altLang="en-US" sz="2000" dirty="0"/>
+              <a:t>然后根据</a:t>
+            </a:r>
+            <a:r>
+              <a:rPr lang="en-US" altLang="zh-CN" sz="2000" dirty="0"/>
+              <a:t>MQ-9</a:t>
+            </a:r>
+            <a:r>
+              <a:rPr lang="zh-CN" altLang="en-US" sz="2000" dirty="0"/>
+              <a:t>的灵敏度曲线查找对应的</a:t>
+            </a:r>
+            <a:r>
+              <a:rPr lang="en-US" altLang="zh-CN" sz="2000" dirty="0"/>
+              <a:t>PPM</a:t>
+            </a:r>
+            <a:r>
+              <a:rPr lang="zh-CN" altLang="en-US" sz="2000" dirty="0"/>
+              <a:t>浓度值。</a:t>
+            </a:r>
+            <a:endParaRPr lang="en-US" altLang="zh-CN" sz="2000" dirty="0"/>
+          </a:p>
+        </p:txBody>
+      </p:sp>
+    </p:spTree>
+    <p:extLst>
+      <p:ext uri="{BB962C8B-B14F-4D97-AF65-F5344CB8AC3E}">
+        <p14:creationId xmlns:p14="http://schemas.microsoft.com/office/powerpoint/2010/main" val="170920237"/>
+      </p:ext>
+    </p:extLst>
+  </p:cSld>
+  <p:clrMapOvr>
+    <a:masterClrMapping/>
+  </p:clrMapOvr>
+  <mc:AlternateContent xmlns:mc="http://schemas.openxmlformats.org/markup-compatibility/2006" xmlns:p14="http://schemas.microsoft.com/office/powerpoint/2010/main">
+    <mc:Choice Requires="p14">
+      <p:transition spd="slow" p14:dur="1250">
+        <p:push dir="u"/>
+      </p:transition>
+    </mc:Choice>
+    <mc:Fallback xmlns="">
+      <p:transition spd="slow">
+        <p:push dir="u"/>
+      </p:transition>
+    </mc:Fallback>
+  </mc:AlternateContent>
+</p:sld>
+</file>
+
 <file path=ppt/theme/theme1.xml><?xml version="1.0" encoding="utf-8"?>
 <a:theme xmlns:a="http://schemas.openxmlformats.org/drawingml/2006/main" name="视差">
   <a:themeElements>

--- a/7/7.pptx
+++ b/7/7.pptx
@@ -649,7 +649,7 @@
           <a:p>
             <a:fld id="{530820CF-B880-4189-942D-D702A7CBA730}" type="datetimeFigureOut">
               <a:rPr lang="zh-CN" altLang="en-US" smtClean="0"/>
-              <a:t>2021/7/13</a:t>
+              <a:t>2021/7/14</a:t>
             </a:fld>
             <a:endParaRPr lang="zh-CN" altLang="en-US"/>
           </a:p>
@@ -1048,7 +1048,7 @@
           <a:p>
             <a:fld id="{530820CF-B880-4189-942D-D702A7CBA730}" type="datetimeFigureOut">
               <a:rPr lang="zh-CN" altLang="en-US" smtClean="0"/>
-              <a:t>2021/7/13</a:t>
+              <a:t>2021/7/14</a:t>
             </a:fld>
             <a:endParaRPr lang="zh-CN" altLang="en-US"/>
           </a:p>
@@ -1308,7 +1308,7 @@
           <a:p>
             <a:fld id="{530820CF-B880-4189-942D-D702A7CBA730}" type="datetimeFigureOut">
               <a:rPr lang="zh-CN" altLang="en-US" smtClean="0"/>
-              <a:t>2021/7/13</a:t>
+              <a:t>2021/7/14</a:t>
             </a:fld>
             <a:endParaRPr lang="zh-CN" altLang="en-US"/>
           </a:p>
@@ -1860,7 +1860,7 @@
           <a:p>
             <a:fld id="{530820CF-B880-4189-942D-D702A7CBA730}" type="datetimeFigureOut">
               <a:rPr lang="zh-CN" altLang="en-US" smtClean="0"/>
-              <a:t>2021/7/13</a:t>
+              <a:t>2021/7/14</a:t>
             </a:fld>
             <a:endParaRPr lang="zh-CN" altLang="en-US"/>
           </a:p>
@@ -2120,7 +2120,7 @@
           <a:p>
             <a:fld id="{530820CF-B880-4189-942D-D702A7CBA730}" type="datetimeFigureOut">
               <a:rPr lang="zh-CN" altLang="en-US" smtClean="0"/>
-              <a:t>2021/7/13</a:t>
+              <a:t>2021/7/14</a:t>
             </a:fld>
             <a:endParaRPr lang="zh-CN" altLang="en-US"/>
           </a:p>
@@ -2664,7 +2664,7 @@
           <a:p>
             <a:fld id="{530820CF-B880-4189-942D-D702A7CBA730}" type="datetimeFigureOut">
               <a:rPr lang="zh-CN" altLang="en-US" smtClean="0"/>
-              <a:t>2021/7/13</a:t>
+              <a:t>2021/7/14</a:t>
             </a:fld>
             <a:endParaRPr lang="zh-CN" altLang="en-US"/>
           </a:p>
@@ -2973,7 +2973,7 @@
           <a:p>
             <a:fld id="{530820CF-B880-4189-942D-D702A7CBA730}" type="datetimeFigureOut">
               <a:rPr lang="zh-CN" altLang="en-US" smtClean="0"/>
-              <a:t>2021/7/13</a:t>
+              <a:t>2021/7/14</a:t>
             </a:fld>
             <a:endParaRPr lang="zh-CN" altLang="en-US"/>
           </a:p>
@@ -3159,7 +3159,7 @@
           <a:p>
             <a:fld id="{530820CF-B880-4189-942D-D702A7CBA730}" type="datetimeFigureOut">
               <a:rPr lang="zh-CN" altLang="en-US" smtClean="0"/>
-              <a:t>2021/7/13</a:t>
+              <a:t>2021/7/14</a:t>
             </a:fld>
             <a:endParaRPr lang="zh-CN" altLang="en-US"/>
           </a:p>
@@ -3351,7 +3351,7 @@
           <a:p>
             <a:fld id="{530820CF-B880-4189-942D-D702A7CBA730}" type="datetimeFigureOut">
               <a:rPr lang="zh-CN" altLang="en-US" smtClean="0"/>
-              <a:t>2021/7/13</a:t>
+              <a:t>2021/7/14</a:t>
             </a:fld>
             <a:endParaRPr lang="zh-CN" altLang="en-US"/>
           </a:p>
@@ -3548,7 +3548,7 @@
           <a:p>
             <a:fld id="{530820CF-B880-4189-942D-D702A7CBA730}" type="datetimeFigureOut">
               <a:rPr lang="zh-CN" altLang="en-US" smtClean="0"/>
-              <a:t>2021/7/13</a:t>
+              <a:t>2021/7/14</a:t>
             </a:fld>
             <a:endParaRPr lang="zh-CN" altLang="en-US"/>
           </a:p>
@@ -3816,7 +3816,7 @@
           <a:p>
             <a:fld id="{530820CF-B880-4189-942D-D702A7CBA730}" type="datetimeFigureOut">
               <a:rPr lang="zh-CN" altLang="en-US" smtClean="0"/>
-              <a:t>2021/7/13</a:t>
+              <a:t>2021/7/14</a:t>
             </a:fld>
             <a:endParaRPr lang="zh-CN" altLang="en-US"/>
           </a:p>
@@ -4130,7 +4130,7 @@
           <a:p>
             <a:fld id="{530820CF-B880-4189-942D-D702A7CBA730}" type="datetimeFigureOut">
               <a:rPr lang="zh-CN" altLang="en-US" smtClean="0"/>
-              <a:t>2021/7/13</a:t>
+              <a:t>2021/7/14</a:t>
             </a:fld>
             <a:endParaRPr lang="zh-CN" altLang="en-US"/>
           </a:p>
@@ -4584,7 +4584,7 @@
           <a:p>
             <a:fld id="{530820CF-B880-4189-942D-D702A7CBA730}" type="datetimeFigureOut">
               <a:rPr lang="zh-CN" altLang="en-US" smtClean="0"/>
-              <a:t>2021/7/13</a:t>
+              <a:t>2021/7/14</a:t>
             </a:fld>
             <a:endParaRPr lang="zh-CN" altLang="en-US"/>
           </a:p>
@@ -4714,7 +4714,7 @@
           <a:p>
             <a:fld id="{530820CF-B880-4189-942D-D702A7CBA730}" type="datetimeFigureOut">
               <a:rPr lang="zh-CN" altLang="en-US" smtClean="0"/>
-              <a:t>2021/7/13</a:t>
+              <a:t>2021/7/14</a:t>
             </a:fld>
             <a:endParaRPr lang="zh-CN" altLang="en-US"/>
           </a:p>
@@ -4821,7 +4821,7 @@
           <a:p>
             <a:fld id="{530820CF-B880-4189-942D-D702A7CBA730}" type="datetimeFigureOut">
               <a:rPr lang="zh-CN" altLang="en-US" smtClean="0"/>
-              <a:t>2021/7/13</a:t>
+              <a:t>2021/7/14</a:t>
             </a:fld>
             <a:endParaRPr lang="zh-CN" altLang="en-US"/>
           </a:p>
@@ -5116,7 +5116,7 @@
           <a:p>
             <a:fld id="{530820CF-B880-4189-942D-D702A7CBA730}" type="datetimeFigureOut">
               <a:rPr lang="zh-CN" altLang="en-US" smtClean="0"/>
-              <a:t>2021/7/13</a:t>
+              <a:t>2021/7/14</a:t>
             </a:fld>
             <a:endParaRPr lang="zh-CN" altLang="en-US"/>
           </a:p>
@@ -5419,7 +5419,7 @@
           <a:p>
             <a:fld id="{530820CF-B880-4189-942D-D702A7CBA730}" type="datetimeFigureOut">
               <a:rPr lang="zh-CN" altLang="en-US" smtClean="0"/>
-              <a:t>2021/7/13</a:t>
+              <a:t>2021/7/14</a:t>
             </a:fld>
             <a:endParaRPr lang="zh-CN" altLang="en-US"/>
           </a:p>
@@ -5955,7 +5955,7 @@
           <a:p>
             <a:fld id="{530820CF-B880-4189-942D-D702A7CBA730}" type="datetimeFigureOut">
               <a:rPr lang="zh-CN" altLang="en-US" smtClean="0"/>
-              <a:t>2021/7/13</a:t>
+              <a:t>2021/7/14</a:t>
             </a:fld>
             <a:endParaRPr lang="zh-CN" altLang="en-US"/>
           </a:p>
@@ -10026,7 +10026,7 @@
             </a:r>
             <a:r>
               <a:rPr lang="en-US" altLang="zh-CN" dirty="0"/>
-              <a:t>1023</a:t>
+              <a:t>1024</a:t>
             </a:r>
             <a:r>
               <a:rPr lang="zh-CN" altLang="en-US" dirty="0"/>
@@ -10308,7 +10308,7 @@
             </a:r>
             <a:r>
               <a:rPr lang="en-US" altLang="zh-CN" dirty="0"/>
-              <a:t>0-1023</a:t>
+              <a:t>0-1024</a:t>
             </a:r>
             <a:r>
               <a:rPr lang="zh-CN" altLang="en-US" dirty="0"/>
@@ -10435,20 +10435,20 @@
         <p:spPr/>
         <p:txBody>
           <a:bodyPr>
-            <a:normAutofit/>
+            <a:normAutofit fontScale="77500" lnSpcReduction="20000"/>
           </a:bodyPr>
           <a:lstStyle/>
           <a:p>
             <a:r>
               <a:rPr lang="zh-CN" altLang="en-US" dirty="0"/>
-              <a:t>传感器</a:t>
+              <a:t>传感器采集数据</a:t>
             </a:r>
             <a:endParaRPr lang="en-US" altLang="zh-CN" dirty="0"/>
           </a:p>
           <a:p>
             <a:r>
               <a:rPr lang="zh-CN" altLang="en-US" dirty="0"/>
-              <a:t>显示</a:t>
+              <a:t>显示、通知、预警分析结果</a:t>
             </a:r>
             <a:endParaRPr lang="en-US" altLang="zh-CN" dirty="0"/>
           </a:p>
@@ -10459,7 +10459,7 @@
             </a:pPr>
             <a:r>
               <a:rPr lang="zh-CN" altLang="en-US" dirty="0"/>
-              <a:t>串口</a:t>
+              <a:t>串口显示</a:t>
             </a:r>
             <a:endParaRPr lang="en-US" altLang="zh-CN" dirty="0"/>
           </a:p>
@@ -10472,6 +10472,11 @@
               <a:rPr lang="en-US" altLang="zh-CN" dirty="0"/>
               <a:t>LCD</a:t>
             </a:r>
+            <a:r>
+              <a:rPr lang="zh-CN" altLang="en-US" dirty="0"/>
+              <a:t>显示</a:t>
+            </a:r>
+            <a:endParaRPr lang="en-US" altLang="zh-CN" dirty="0"/>
           </a:p>
           <a:p>
             <a:pPr marL="914400" lvl="1" indent="-457200">
@@ -10480,7 +10485,7 @@
             </a:pPr>
             <a:r>
               <a:rPr lang="zh-CN" altLang="en-US" dirty="0"/>
-              <a:t>数码管</a:t>
+              <a:t>数码管显示</a:t>
             </a:r>
             <a:endParaRPr lang="en-US" altLang="zh-CN" dirty="0"/>
           </a:p>
@@ -10494,15 +10499,72 @@
               <a:t>Adafurit</a:t>
             </a:r>
             <a:r>
-              <a:rPr lang="zh-CN" altLang="en-US" dirty="0"/>
-              <a:t>服务器</a:t>
+              <a:rPr lang="en-US" altLang="zh-CN" dirty="0"/>
+              <a:t> </a:t>
+            </a:r>
+            <a:r>
+              <a:rPr lang="zh-CN" altLang="en-US" dirty="0"/>
+              <a:t>联网显示</a:t>
             </a:r>
             <a:endParaRPr lang="en-US" altLang="zh-CN" dirty="0"/>
           </a:p>
           <a:p>
-            <a:r>
-              <a:rPr lang="zh-CN" altLang="en-US" dirty="0"/>
-              <a:t>设备控制</a:t>
+            <a:pPr marL="914400" lvl="1" indent="-457200">
+              <a:buFont typeface="+mj-lt"/>
+              <a:buAutoNum type="arabicPeriod"/>
+            </a:pPr>
+            <a:r>
+              <a:rPr lang="en-US" altLang="zh-CN" dirty="0"/>
+              <a:t>LED </a:t>
+            </a:r>
+            <a:r>
+              <a:rPr lang="zh-CN" altLang="en-US" dirty="0"/>
+              <a:t>显示</a:t>
+            </a:r>
+            <a:endParaRPr lang="en-US" altLang="zh-CN" dirty="0"/>
+          </a:p>
+          <a:p>
+            <a:pPr marL="914400" lvl="1" indent="-457200">
+              <a:buFont typeface="+mj-lt"/>
+              <a:buAutoNum type="arabicPeriod"/>
+            </a:pPr>
+            <a:r>
+              <a:rPr lang="zh-CN" altLang="en-US" dirty="0"/>
+              <a:t>蜂鸣器预警</a:t>
+            </a:r>
+            <a:endParaRPr lang="en-US" altLang="zh-CN" dirty="0"/>
+          </a:p>
+          <a:p>
+            <a:r>
+              <a:rPr lang="zh-CN" altLang="en-US" dirty="0"/>
+              <a:t>联网并进行设备控制</a:t>
+            </a:r>
+            <a:endParaRPr lang="en-US" altLang="zh-CN" dirty="0"/>
+          </a:p>
+          <a:p>
+            <a:pPr marL="914400" lvl="1" indent="-457200">
+              <a:buFont typeface="+mj-lt"/>
+              <a:buAutoNum type="arabicPeriod"/>
+            </a:pPr>
+            <a:r>
+              <a:rPr lang="zh-CN" altLang="en-US" dirty="0"/>
+              <a:t>终端通过网络控制 </a:t>
+            </a:r>
+            <a:r>
+              <a:rPr lang="en-US" altLang="zh-CN" dirty="0"/>
+              <a:t>Arduino/</a:t>
+            </a:r>
+            <a:r>
+              <a:rPr lang="en-US" altLang="zh-CN" dirty="0" err="1"/>
+              <a:t>NodeMCU</a:t>
+            </a:r>
+            <a:r>
+              <a:rPr lang="en-US" altLang="zh-CN" dirty="0"/>
+              <a:t> </a:t>
+            </a:r>
+            <a:r>
+              <a:rPr lang="zh-CN" altLang="en-US" dirty="0"/>
+              <a:t>外围设备</a:t>
             </a:r>
           </a:p>
         </p:txBody>

--- a/7/7.pptx
+++ b/7/7.pptx
@@ -649,7 +649,7 @@
           <a:p>
             <a:fld id="{530820CF-B880-4189-942D-D702A7CBA730}" type="datetimeFigureOut">
               <a:rPr lang="zh-CN" altLang="en-US" smtClean="0"/>
-              <a:t>2021/7/14</a:t>
+              <a:t>2021/7/18</a:t>
             </a:fld>
             <a:endParaRPr lang="zh-CN" altLang="en-US"/>
           </a:p>
@@ -1048,7 +1048,7 @@
           <a:p>
             <a:fld id="{530820CF-B880-4189-942D-D702A7CBA730}" type="datetimeFigureOut">
               <a:rPr lang="zh-CN" altLang="en-US" smtClean="0"/>
-              <a:t>2021/7/14</a:t>
+              <a:t>2021/7/18</a:t>
             </a:fld>
             <a:endParaRPr lang="zh-CN" altLang="en-US"/>
           </a:p>
@@ -1308,7 +1308,7 @@
           <a:p>
             <a:fld id="{530820CF-B880-4189-942D-D702A7CBA730}" type="datetimeFigureOut">
               <a:rPr lang="zh-CN" altLang="en-US" smtClean="0"/>
-              <a:t>2021/7/14</a:t>
+              <a:t>2021/7/18</a:t>
             </a:fld>
             <a:endParaRPr lang="zh-CN" altLang="en-US"/>
           </a:p>
@@ -1860,7 +1860,7 @@
           <a:p>
             <a:fld id="{530820CF-B880-4189-942D-D702A7CBA730}" type="datetimeFigureOut">
               <a:rPr lang="zh-CN" altLang="en-US" smtClean="0"/>
-              <a:t>2021/7/14</a:t>
+              <a:t>2021/7/18</a:t>
             </a:fld>
             <a:endParaRPr lang="zh-CN" altLang="en-US"/>
           </a:p>
@@ -2120,7 +2120,7 @@
           <a:p>
             <a:fld id="{530820CF-B880-4189-942D-D702A7CBA730}" type="datetimeFigureOut">
               <a:rPr lang="zh-CN" altLang="en-US" smtClean="0"/>
-              <a:t>2021/7/14</a:t>
+              <a:t>2021/7/18</a:t>
             </a:fld>
             <a:endParaRPr lang="zh-CN" altLang="en-US"/>
           </a:p>
@@ -2664,7 +2664,7 @@
           <a:p>
             <a:fld id="{530820CF-B880-4189-942D-D702A7CBA730}" type="datetimeFigureOut">
               <a:rPr lang="zh-CN" altLang="en-US" smtClean="0"/>
-              <a:t>2021/7/14</a:t>
+              <a:t>2021/7/18</a:t>
             </a:fld>
             <a:endParaRPr lang="zh-CN" altLang="en-US"/>
           </a:p>
@@ -2973,7 +2973,7 @@
           <a:p>
             <a:fld id="{530820CF-B880-4189-942D-D702A7CBA730}" type="datetimeFigureOut">
               <a:rPr lang="zh-CN" altLang="en-US" smtClean="0"/>
-              <a:t>2021/7/14</a:t>
+              <a:t>2021/7/18</a:t>
             </a:fld>
             <a:endParaRPr lang="zh-CN" altLang="en-US"/>
           </a:p>
@@ -3159,7 +3159,7 @@
           <a:p>
             <a:fld id="{530820CF-B880-4189-942D-D702A7CBA730}" type="datetimeFigureOut">
               <a:rPr lang="zh-CN" altLang="en-US" smtClean="0"/>
-              <a:t>2021/7/14</a:t>
+              <a:t>2021/7/18</a:t>
             </a:fld>
             <a:endParaRPr lang="zh-CN" altLang="en-US"/>
           </a:p>
@@ -3351,7 +3351,7 @@
           <a:p>
             <a:fld id="{530820CF-B880-4189-942D-D702A7CBA730}" type="datetimeFigureOut">
               <a:rPr lang="zh-CN" altLang="en-US" smtClean="0"/>
-              <a:t>2021/7/14</a:t>
+              <a:t>2021/7/18</a:t>
             </a:fld>
             <a:endParaRPr lang="zh-CN" altLang="en-US"/>
           </a:p>
@@ -3548,7 +3548,7 @@
           <a:p>
             <a:fld id="{530820CF-B880-4189-942D-D702A7CBA730}" type="datetimeFigureOut">
               <a:rPr lang="zh-CN" altLang="en-US" smtClean="0"/>
-              <a:t>2021/7/14</a:t>
+              <a:t>2021/7/18</a:t>
             </a:fld>
             <a:endParaRPr lang="zh-CN" altLang="en-US"/>
           </a:p>
@@ -3816,7 +3816,7 @@
           <a:p>
             <a:fld id="{530820CF-B880-4189-942D-D702A7CBA730}" type="datetimeFigureOut">
               <a:rPr lang="zh-CN" altLang="en-US" smtClean="0"/>
-              <a:t>2021/7/14</a:t>
+              <a:t>2021/7/18</a:t>
             </a:fld>
             <a:endParaRPr lang="zh-CN" altLang="en-US"/>
           </a:p>
@@ -4130,7 +4130,7 @@
           <a:p>
             <a:fld id="{530820CF-B880-4189-942D-D702A7CBA730}" type="datetimeFigureOut">
               <a:rPr lang="zh-CN" altLang="en-US" smtClean="0"/>
-              <a:t>2021/7/14</a:t>
+              <a:t>2021/7/18</a:t>
             </a:fld>
             <a:endParaRPr lang="zh-CN" altLang="en-US"/>
           </a:p>
@@ -4584,7 +4584,7 @@
           <a:p>
             <a:fld id="{530820CF-B880-4189-942D-D702A7CBA730}" type="datetimeFigureOut">
               <a:rPr lang="zh-CN" altLang="en-US" smtClean="0"/>
-              <a:t>2021/7/14</a:t>
+              <a:t>2021/7/18</a:t>
             </a:fld>
             <a:endParaRPr lang="zh-CN" altLang="en-US"/>
           </a:p>
@@ -4714,7 +4714,7 @@
           <a:p>
             <a:fld id="{530820CF-B880-4189-942D-D702A7CBA730}" type="datetimeFigureOut">
               <a:rPr lang="zh-CN" altLang="en-US" smtClean="0"/>
-              <a:t>2021/7/14</a:t>
+              <a:t>2021/7/18</a:t>
             </a:fld>
             <a:endParaRPr lang="zh-CN" altLang="en-US"/>
           </a:p>
@@ -4821,7 +4821,7 @@
           <a:p>
             <a:fld id="{530820CF-B880-4189-942D-D702A7CBA730}" type="datetimeFigureOut">
               <a:rPr lang="zh-CN" altLang="en-US" smtClean="0"/>
-              <a:t>2021/7/14</a:t>
+              <a:t>2021/7/18</a:t>
             </a:fld>
             <a:endParaRPr lang="zh-CN" altLang="en-US"/>
           </a:p>
@@ -5116,7 +5116,7 @@
           <a:p>
             <a:fld id="{530820CF-B880-4189-942D-D702A7CBA730}" type="datetimeFigureOut">
               <a:rPr lang="zh-CN" altLang="en-US" smtClean="0"/>
-              <a:t>2021/7/14</a:t>
+              <a:t>2021/7/18</a:t>
             </a:fld>
             <a:endParaRPr lang="zh-CN" altLang="en-US"/>
           </a:p>
@@ -5419,7 +5419,7 @@
           <a:p>
             <a:fld id="{530820CF-B880-4189-942D-D702A7CBA730}" type="datetimeFigureOut">
               <a:rPr lang="zh-CN" altLang="en-US" smtClean="0"/>
-              <a:t>2021/7/14</a:t>
+              <a:t>2021/7/18</a:t>
             </a:fld>
             <a:endParaRPr lang="zh-CN" altLang="en-US"/>
           </a:p>
@@ -5955,7 +5955,7 @@
           <a:p>
             <a:fld id="{530820CF-B880-4189-942D-D702A7CBA730}" type="datetimeFigureOut">
               <a:rPr lang="zh-CN" altLang="en-US" smtClean="0"/>
-              <a:t>2021/7/14</a:t>
+              <a:t>2021/7/18</a:t>
             </a:fld>
             <a:endParaRPr lang="zh-CN" altLang="en-US"/>
           </a:p>
@@ -9348,7 +9348,9 @@
         </p:nvSpPr>
         <p:spPr/>
         <p:txBody>
-          <a:bodyPr/>
+          <a:bodyPr>
+            <a:normAutofit lnSpcReduction="10000"/>
+          </a:bodyPr>
           <a:lstStyle/>
           <a:p>
             <a:r>
@@ -9368,6 +9370,13 @@
             <a:r>
               <a:rPr lang="zh-CN" altLang="en-US" dirty="0"/>
               <a:t>与数据采集器配合使用，可作为水分定点监测或移动测量的工具测量土壤容积含水量，主要用于土壤墒情检测以及农业灌溉和林业防护。</a:t>
+            </a:r>
+            <a:endParaRPr lang="en-US" altLang="zh-CN" dirty="0"/>
+          </a:p>
+          <a:p>
+            <a:r>
+              <a:rPr lang="zh-CN" altLang="en-US" dirty="0"/>
+              <a:t>当水量较多时，土壤传导更多的电流，这意味着阻值将更小。因此水分含量会更高。干土会降低电导率。因此，当水量较少时，土壤传导的电量较少，这意味着它具有更大的阻值。因此水分含量会降低。</a:t>
             </a:r>
           </a:p>
         </p:txBody>
